--- a/Mack-up.pptx
+++ b/Mack-up.pptx
@@ -7,17 +7,15 @@
   <p:sldIdLst>
     <p:sldId id="257" r:id="rId2"/>
     <p:sldId id="264" r:id="rId3"/>
-    <p:sldId id="258" r:id="rId4"/>
-    <p:sldId id="265" r:id="rId5"/>
-    <p:sldId id="259" r:id="rId6"/>
-    <p:sldId id="267" r:id="rId7"/>
-    <p:sldId id="266" r:id="rId8"/>
-    <p:sldId id="260" r:id="rId9"/>
-    <p:sldId id="268" r:id="rId10"/>
-    <p:sldId id="262" r:id="rId11"/>
-    <p:sldId id="269" r:id="rId12"/>
-    <p:sldId id="270" r:id="rId13"/>
-    <p:sldId id="271" r:id="rId14"/>
+    <p:sldId id="265" r:id="rId4"/>
+    <p:sldId id="259" r:id="rId5"/>
+    <p:sldId id="267" r:id="rId6"/>
+    <p:sldId id="266" r:id="rId7"/>
+    <p:sldId id="260" r:id="rId8"/>
+    <p:sldId id="268" r:id="rId9"/>
+    <p:sldId id="272" r:id="rId10"/>
+    <p:sldId id="273" r:id="rId11"/>
+    <p:sldId id="262" r:id="rId12"/>
   </p:sldIdLst>
   <p:sldSz cx="12192000" cy="6858000"/>
   <p:notesSz cx="6858000" cy="9144000"/>
@@ -116,6 +114,11 @@
       </a:defRPr>
     </a:lvl9pPr>
   </p:defaultTextStyle>
+  <p:extLst>
+    <p:ext uri="{EFAFB233-063F-42B5-8137-9DF3F51BA10A}">
+      <p15:sldGuideLst xmlns:p15="http://schemas.microsoft.com/office/powerpoint/2012/main"/>
+    </p:ext>
+  </p:extLst>
 </p:presentation>
 </file>
 
@@ -280,7 +283,7 @@
           <a:p>
             <a:fld id="{BB308AFA-F395-4144-B63E-28244BDB9E86}" type="datetimeFigureOut">
               <a:rPr lang="es-BO" smtClean="0"/>
-              <a:t>11/7/2024</a:t>
+              <a:t>14/7/2024</a:t>
             </a:fld>
             <a:endParaRPr lang="es-BO"/>
           </a:p>
@@ -480,7 +483,7 @@
           <a:p>
             <a:fld id="{BB308AFA-F395-4144-B63E-28244BDB9E86}" type="datetimeFigureOut">
               <a:rPr lang="es-BO" smtClean="0"/>
-              <a:t>11/7/2024</a:t>
+              <a:t>14/7/2024</a:t>
             </a:fld>
             <a:endParaRPr lang="es-BO"/>
           </a:p>
@@ -690,7 +693,7 @@
           <a:p>
             <a:fld id="{BB308AFA-F395-4144-B63E-28244BDB9E86}" type="datetimeFigureOut">
               <a:rPr lang="es-BO" smtClean="0"/>
-              <a:t>11/7/2024</a:t>
+              <a:t>14/7/2024</a:t>
             </a:fld>
             <a:endParaRPr lang="es-BO"/>
           </a:p>
@@ -890,7 +893,7 @@
           <a:p>
             <a:fld id="{BB308AFA-F395-4144-B63E-28244BDB9E86}" type="datetimeFigureOut">
               <a:rPr lang="es-BO" smtClean="0"/>
-              <a:t>11/7/2024</a:t>
+              <a:t>14/7/2024</a:t>
             </a:fld>
             <a:endParaRPr lang="es-BO"/>
           </a:p>
@@ -1166,7 +1169,7 @@
           <a:p>
             <a:fld id="{BB308AFA-F395-4144-B63E-28244BDB9E86}" type="datetimeFigureOut">
               <a:rPr lang="es-BO" smtClean="0"/>
-              <a:t>11/7/2024</a:t>
+              <a:t>14/7/2024</a:t>
             </a:fld>
             <a:endParaRPr lang="es-BO"/>
           </a:p>
@@ -1434,7 +1437,7 @@
           <a:p>
             <a:fld id="{BB308AFA-F395-4144-B63E-28244BDB9E86}" type="datetimeFigureOut">
               <a:rPr lang="es-BO" smtClean="0"/>
-              <a:t>11/7/2024</a:t>
+              <a:t>14/7/2024</a:t>
             </a:fld>
             <a:endParaRPr lang="es-BO"/>
           </a:p>
@@ -1849,7 +1852,7 @@
           <a:p>
             <a:fld id="{BB308AFA-F395-4144-B63E-28244BDB9E86}" type="datetimeFigureOut">
               <a:rPr lang="es-BO" smtClean="0"/>
-              <a:t>11/7/2024</a:t>
+              <a:t>14/7/2024</a:t>
             </a:fld>
             <a:endParaRPr lang="es-BO"/>
           </a:p>
@@ -1991,7 +1994,7 @@
           <a:p>
             <a:fld id="{BB308AFA-F395-4144-B63E-28244BDB9E86}" type="datetimeFigureOut">
               <a:rPr lang="es-BO" smtClean="0"/>
-              <a:t>11/7/2024</a:t>
+              <a:t>14/7/2024</a:t>
             </a:fld>
             <a:endParaRPr lang="es-BO"/>
           </a:p>
@@ -2104,7 +2107,7 @@
           <a:p>
             <a:fld id="{BB308AFA-F395-4144-B63E-28244BDB9E86}" type="datetimeFigureOut">
               <a:rPr lang="es-BO" smtClean="0"/>
-              <a:t>11/7/2024</a:t>
+              <a:t>14/7/2024</a:t>
             </a:fld>
             <a:endParaRPr lang="es-BO"/>
           </a:p>
@@ -2417,7 +2420,7 @@
           <a:p>
             <a:fld id="{BB308AFA-F395-4144-B63E-28244BDB9E86}" type="datetimeFigureOut">
               <a:rPr lang="es-BO" smtClean="0"/>
-              <a:t>11/7/2024</a:t>
+              <a:t>14/7/2024</a:t>
             </a:fld>
             <a:endParaRPr lang="es-BO"/>
           </a:p>
@@ -2706,7 +2709,7 @@
           <a:p>
             <a:fld id="{BB308AFA-F395-4144-B63E-28244BDB9E86}" type="datetimeFigureOut">
               <a:rPr lang="es-BO" smtClean="0"/>
-              <a:t>11/7/2024</a:t>
+              <a:t>14/7/2024</a:t>
             </a:fld>
             <a:endParaRPr lang="es-BO"/>
           </a:p>
@@ -2949,7 +2952,7 @@
           <a:p>
             <a:fld id="{BB308AFA-F395-4144-B63E-28244BDB9E86}" type="datetimeFigureOut">
               <a:rPr lang="es-BO" smtClean="0"/>
-              <a:t>11/7/2024</a:t>
+              <a:t>14/7/2024</a:t>
             </a:fld>
             <a:endParaRPr lang="es-BO"/>
           </a:p>
@@ -3860,10 +3863,10 @@
       </p:grpSpPr>
       <p:sp>
         <p:nvSpPr>
-          <p:cNvPr id="27" name="Rectángulo 26">
-            <a:extLst>
-              <a:ext uri="{FF2B5EF4-FFF2-40B4-BE49-F238E27FC236}">
-                <a16:creationId xmlns:a16="http://schemas.microsoft.com/office/drawing/2014/main" id="{DA43E656-8B1F-4501-B84C-C3D8D86D18BE}"/>
+          <p:cNvPr id="6" name="Rectángulo 5">
+            <a:extLst>
+              <a:ext uri="{FF2B5EF4-FFF2-40B4-BE49-F238E27FC236}">
+                <a16:creationId xmlns:a16="http://schemas.microsoft.com/office/drawing/2014/main" id="{8707B713-FB91-4559-AC29-E71B85B8A6B2}"/>
               </a:ext>
             </a:extLst>
           </p:cNvPr>
@@ -3909,348 +3912,19 @@
       </p:sp>
       <p:sp>
         <p:nvSpPr>
-          <p:cNvPr id="4" name="CuadroTexto 3">
-            <a:extLst>
-              <a:ext uri="{FF2B5EF4-FFF2-40B4-BE49-F238E27FC236}">
-                <a16:creationId xmlns:a16="http://schemas.microsoft.com/office/drawing/2014/main" id="{BB32188C-1FEA-42B0-BD6B-0E06F06D4C94}"/>
-              </a:ext>
-            </a:extLst>
-          </p:cNvPr>
-          <p:cNvSpPr txBox="1"/>
-          <p:nvPr/>
-        </p:nvSpPr>
-        <p:spPr>
-          <a:xfrm>
-            <a:off x="1052186" y="413359"/>
-            <a:ext cx="3181611" cy="400110"/>
-          </a:xfrm>
-          <a:prstGeom prst="rect">
-            <a:avLst/>
-          </a:prstGeom>
-          <a:noFill/>
-        </p:spPr>
-        <p:txBody>
-          <a:bodyPr wrap="square" rtlCol="0">
-            <a:spAutoFit/>
-          </a:bodyPr>
-          <a:lstStyle/>
-          <a:p>
-            <a:r>
-              <a:rPr lang="es-MX" sz="2000" b="1" dirty="0"/>
-              <a:t>Pagos</a:t>
-            </a:r>
-          </a:p>
-        </p:txBody>
-      </p:sp>
-      <p:sp>
-        <p:nvSpPr>
-          <p:cNvPr id="25" name="Rectángulo: esquinas redondeadas 24">
-            <a:hlinkClick r:id="rId2" action="ppaction://hlinksldjump"/>
-            <a:extLst>
-              <a:ext uri="{FF2B5EF4-FFF2-40B4-BE49-F238E27FC236}">
-                <a16:creationId xmlns:a16="http://schemas.microsoft.com/office/drawing/2014/main" id="{F7D93318-5266-4B6B-88B3-2ABF21E11FC3}"/>
-              </a:ext>
-            </a:extLst>
-          </p:cNvPr>
-          <p:cNvSpPr/>
-          <p:nvPr/>
-        </p:nvSpPr>
-        <p:spPr>
-          <a:xfrm>
-            <a:off x="6579146" y="4230549"/>
-            <a:ext cx="2129425" cy="461665"/>
-          </a:xfrm>
-          <a:prstGeom prst="roundRect">
-            <a:avLst/>
-          </a:prstGeom>
-          <a:solidFill>
-            <a:srgbClr val="002060"/>
-          </a:solidFill>
-        </p:spPr>
-        <p:style>
-          <a:lnRef idx="2">
-            <a:schemeClr val="accent1">
-              <a:shade val="50000"/>
-            </a:schemeClr>
-          </a:lnRef>
-          <a:fillRef idx="1">
-            <a:schemeClr val="accent1"/>
-          </a:fillRef>
-          <a:effectRef idx="0">
-            <a:schemeClr val="accent1"/>
-          </a:effectRef>
-          <a:fontRef idx="minor">
-            <a:schemeClr val="lt1"/>
-          </a:fontRef>
-        </p:style>
-        <p:txBody>
-          <a:bodyPr rtlCol="0" anchor="ctr"/>
-          <a:lstStyle/>
-          <a:p>
-            <a:pPr algn="ctr"/>
-            <a:r>
-              <a:rPr lang="es-MX" dirty="0">
-                <a:solidFill>
-                  <a:schemeClr val="bg1"/>
-                </a:solidFill>
-              </a:rPr>
-              <a:t>Buscar</a:t>
-            </a:r>
-            <a:endParaRPr lang="es-BO" dirty="0">
-              <a:solidFill>
-                <a:schemeClr val="bg1"/>
-              </a:solidFill>
-            </a:endParaRPr>
-          </a:p>
-        </p:txBody>
-      </p:sp>
-      <p:sp>
-        <p:nvSpPr>
-          <p:cNvPr id="28" name="Rectángulo 27">
-            <a:hlinkClick r:id="rId3" action="ppaction://hlinksldjump"/>
-            <a:extLst>
-              <a:ext uri="{FF2B5EF4-FFF2-40B4-BE49-F238E27FC236}">
-                <a16:creationId xmlns:a16="http://schemas.microsoft.com/office/drawing/2014/main" id="{2C9359BB-3DE2-482D-B0F7-CD4CACC6243A}"/>
-              </a:ext>
-            </a:extLst>
-          </p:cNvPr>
-          <p:cNvSpPr/>
-          <p:nvPr/>
-        </p:nvSpPr>
-        <p:spPr>
-          <a:xfrm>
-            <a:off x="4120190" y="2382381"/>
-            <a:ext cx="1924101" cy="538619"/>
-          </a:xfrm>
-          <a:prstGeom prst="rect">
-            <a:avLst/>
-          </a:prstGeom>
-          <a:solidFill>
-            <a:srgbClr val="002060"/>
-          </a:solidFill>
-        </p:spPr>
-        <p:style>
-          <a:lnRef idx="2">
-            <a:schemeClr val="accent1">
-              <a:shade val="50000"/>
-            </a:schemeClr>
-          </a:lnRef>
-          <a:fillRef idx="1">
-            <a:schemeClr val="accent1"/>
-          </a:fillRef>
-          <a:effectRef idx="0">
-            <a:schemeClr val="accent1"/>
-          </a:effectRef>
-          <a:fontRef idx="minor">
-            <a:schemeClr val="lt1"/>
-          </a:fontRef>
-        </p:style>
-        <p:txBody>
-          <a:bodyPr rtlCol="0" anchor="ctr"/>
-          <a:lstStyle/>
-          <a:p>
-            <a:pPr algn="ctr"/>
-            <a:r>
-              <a:rPr lang="es-MX" dirty="0">
-                <a:solidFill>
-                  <a:schemeClr val="bg1"/>
-                </a:solidFill>
-              </a:rPr>
-              <a:t>Clientes</a:t>
-            </a:r>
-            <a:endParaRPr lang="es-BO" dirty="0">
-              <a:solidFill>
-                <a:schemeClr val="bg1"/>
-              </a:solidFill>
-            </a:endParaRPr>
-          </a:p>
-        </p:txBody>
-      </p:sp>
-      <p:sp>
-        <p:nvSpPr>
-          <p:cNvPr id="29" name="Rectángulo 28">
-            <a:hlinkClick r:id="rId4" action="ppaction://hlinksldjump"/>
-            <a:extLst>
-              <a:ext uri="{FF2B5EF4-FFF2-40B4-BE49-F238E27FC236}">
-                <a16:creationId xmlns:a16="http://schemas.microsoft.com/office/drawing/2014/main" id="{E91CA01D-11DA-4AE3-B73C-6F43BDC9CE1B}"/>
-              </a:ext>
-            </a:extLst>
-          </p:cNvPr>
-          <p:cNvSpPr/>
-          <p:nvPr/>
-        </p:nvSpPr>
-        <p:spPr>
-          <a:xfrm>
-            <a:off x="6044291" y="2382381"/>
-            <a:ext cx="1924101" cy="538619"/>
-          </a:xfrm>
-          <a:prstGeom prst="rect">
-            <a:avLst/>
-          </a:prstGeom>
-          <a:solidFill>
-            <a:srgbClr val="002060"/>
-          </a:solidFill>
-        </p:spPr>
-        <p:style>
-          <a:lnRef idx="2">
-            <a:schemeClr val="accent1">
-              <a:shade val="50000"/>
-            </a:schemeClr>
-          </a:lnRef>
-          <a:fillRef idx="1">
-            <a:schemeClr val="accent1"/>
-          </a:fillRef>
-          <a:effectRef idx="0">
-            <a:schemeClr val="accent1"/>
-          </a:effectRef>
-          <a:fontRef idx="minor">
-            <a:schemeClr val="lt1"/>
-          </a:fontRef>
-        </p:style>
-        <p:txBody>
-          <a:bodyPr rtlCol="0" anchor="ctr"/>
-          <a:lstStyle/>
-          <a:p>
-            <a:pPr algn="ctr"/>
-            <a:r>
-              <a:rPr lang="es-MX" dirty="0"/>
-              <a:t>Servicios</a:t>
-            </a:r>
-            <a:endParaRPr lang="es-BO" dirty="0"/>
-          </a:p>
-        </p:txBody>
-      </p:sp>
-      <p:sp>
-        <p:nvSpPr>
-          <p:cNvPr id="30" name="Rectángulo 29">
-            <a:hlinkClick r:id="rId5" action="ppaction://hlinksldjump"/>
-            <a:extLst>
-              <a:ext uri="{FF2B5EF4-FFF2-40B4-BE49-F238E27FC236}">
-                <a16:creationId xmlns:a16="http://schemas.microsoft.com/office/drawing/2014/main" id="{71D926D6-9BB2-46A8-937E-5070822B2168}"/>
-              </a:ext>
-            </a:extLst>
-          </p:cNvPr>
-          <p:cNvSpPr/>
-          <p:nvPr/>
-        </p:nvSpPr>
-        <p:spPr>
-          <a:xfrm>
-            <a:off x="7968392" y="2382381"/>
-            <a:ext cx="1924101" cy="538619"/>
-          </a:xfrm>
-          <a:prstGeom prst="rect">
-            <a:avLst/>
-          </a:prstGeom>
-          <a:solidFill>
-            <a:srgbClr val="002060"/>
-          </a:solidFill>
-        </p:spPr>
-        <p:style>
-          <a:lnRef idx="2">
-            <a:schemeClr val="accent1">
-              <a:shade val="50000"/>
-            </a:schemeClr>
-          </a:lnRef>
-          <a:fillRef idx="1">
-            <a:schemeClr val="accent1"/>
-          </a:fillRef>
-          <a:effectRef idx="0">
-            <a:schemeClr val="accent1"/>
-          </a:effectRef>
-          <a:fontRef idx="minor">
-            <a:schemeClr val="lt1"/>
-          </a:fontRef>
-        </p:style>
-        <p:txBody>
-          <a:bodyPr rtlCol="0" anchor="ctr"/>
-          <a:lstStyle/>
-          <a:p>
-            <a:pPr algn="ctr"/>
-            <a:r>
-              <a:rPr lang="es-MX" dirty="0"/>
-              <a:t>Pagar</a:t>
-            </a:r>
-            <a:endParaRPr lang="es-BO" dirty="0"/>
-          </a:p>
-        </p:txBody>
-      </p:sp>
-      <p:sp>
-        <p:nvSpPr>
-          <p:cNvPr id="31" name="Rectángulo 30">
-            <a:hlinkClick r:id="rId6" action="ppaction://hlinksldjump"/>
-            <a:extLst>
-              <a:ext uri="{FF2B5EF4-FFF2-40B4-BE49-F238E27FC236}">
-                <a16:creationId xmlns:a16="http://schemas.microsoft.com/office/drawing/2014/main" id="{0446A4AB-303E-496F-A628-9FA905CFC372}"/>
-              </a:ext>
-            </a:extLst>
-          </p:cNvPr>
-          <p:cNvSpPr/>
-          <p:nvPr/>
-        </p:nvSpPr>
-        <p:spPr>
-          <a:xfrm>
-            <a:off x="2196089" y="2382380"/>
-            <a:ext cx="1924101" cy="538619"/>
-          </a:xfrm>
-          <a:prstGeom prst="rect">
-            <a:avLst/>
-          </a:prstGeom>
-          <a:solidFill>
-            <a:srgbClr val="002060"/>
-          </a:solidFill>
-        </p:spPr>
-        <p:style>
-          <a:lnRef idx="2">
-            <a:schemeClr val="accent1">
-              <a:shade val="50000"/>
-            </a:schemeClr>
-          </a:lnRef>
-          <a:fillRef idx="1">
-            <a:schemeClr val="accent1"/>
-          </a:fillRef>
-          <a:effectRef idx="0">
-            <a:schemeClr val="accent1"/>
-          </a:effectRef>
-          <a:fontRef idx="minor">
-            <a:schemeClr val="lt1"/>
-          </a:fontRef>
-        </p:style>
-        <p:txBody>
-          <a:bodyPr rtlCol="0" anchor="ctr"/>
-          <a:lstStyle/>
-          <a:p>
-            <a:pPr algn="ctr"/>
-            <a:r>
-              <a:rPr lang="es-MX" dirty="0">
-                <a:solidFill>
-                  <a:schemeClr val="bg1"/>
-                </a:solidFill>
-              </a:rPr>
-              <a:t>Menú</a:t>
-            </a:r>
-            <a:endParaRPr lang="es-BO" dirty="0">
-              <a:solidFill>
-                <a:schemeClr val="bg1"/>
-              </a:solidFill>
-            </a:endParaRPr>
-          </a:p>
-        </p:txBody>
-      </p:sp>
-      <p:sp>
-        <p:nvSpPr>
-          <p:cNvPr id="32" name="Rectángulo 31">
-            <a:extLst>
-              <a:ext uri="{FF2B5EF4-FFF2-40B4-BE49-F238E27FC236}">
-                <a16:creationId xmlns:a16="http://schemas.microsoft.com/office/drawing/2014/main" id="{BF288508-8540-4DC4-8A0B-1D72AD5F4CBF}"/>
-              </a:ext>
-            </a:extLst>
-          </p:cNvPr>
-          <p:cNvSpPr/>
-          <p:nvPr/>
-        </p:nvSpPr>
-        <p:spPr>
-          <a:xfrm>
-            <a:off x="3435885" y="3642522"/>
+          <p:cNvPr id="7" name="Rectángulo 6">
+            <a:extLst>
+              <a:ext uri="{FF2B5EF4-FFF2-40B4-BE49-F238E27FC236}">
+                <a16:creationId xmlns:a16="http://schemas.microsoft.com/office/drawing/2014/main" id="{6C7634CB-05D9-4EE2-BB9D-BE541D3DF4D6}"/>
+              </a:ext>
+            </a:extLst>
+          </p:cNvPr>
+          <p:cNvSpPr/>
+          <p:nvPr/>
+        </p:nvSpPr>
+        <p:spPr>
+          <a:xfrm>
+            <a:off x="3371607" y="3249455"/>
             <a:ext cx="896720" cy="400110"/>
           </a:xfrm>
           <a:prstGeom prst="rect">
@@ -4298,19 +3972,282 @@
       </p:sp>
       <p:sp>
         <p:nvSpPr>
-          <p:cNvPr id="33" name="Rectángulo: esquinas redondeadas 32">
-            <a:extLst>
-              <a:ext uri="{FF2B5EF4-FFF2-40B4-BE49-F238E27FC236}">
-                <a16:creationId xmlns:a16="http://schemas.microsoft.com/office/drawing/2014/main" id="{FDABF885-7EBF-40E2-9A44-3AC669975519}"/>
-              </a:ext>
-            </a:extLst>
-          </p:cNvPr>
-          <p:cNvSpPr/>
-          <p:nvPr/>
-        </p:nvSpPr>
-        <p:spPr>
-          <a:xfrm>
-            <a:off x="4853480" y="3642522"/>
+          <p:cNvPr id="8" name="Rectángulo 7">
+            <a:extLst>
+              <a:ext uri="{FF2B5EF4-FFF2-40B4-BE49-F238E27FC236}">
+                <a16:creationId xmlns:a16="http://schemas.microsoft.com/office/drawing/2014/main" id="{F6435174-9FA3-4E67-B844-1B287AFD2CD0}"/>
+              </a:ext>
+            </a:extLst>
+          </p:cNvPr>
+          <p:cNvSpPr/>
+          <p:nvPr/>
+        </p:nvSpPr>
+        <p:spPr>
+          <a:xfrm>
+            <a:off x="3370214" y="3731742"/>
+            <a:ext cx="1670778" cy="400110"/>
+          </a:xfrm>
+          <a:prstGeom prst="rect">
+            <a:avLst/>
+          </a:prstGeom>
+          <a:noFill/>
+        </p:spPr>
+        <p:txBody>
+          <a:bodyPr wrap="none" lIns="91440" tIns="45720" rIns="91440" bIns="45720">
+            <a:spAutoFit/>
+          </a:bodyPr>
+          <a:lstStyle/>
+          <a:p>
+            <a:pPr algn="ctr"/>
+            <a:r>
+              <a:rPr lang="es-ES" sz="2000" b="0" cap="none" spc="0" dirty="0">
+                <a:ln w="0"/>
+                <a:solidFill>
+                  <a:schemeClr val="tx1"/>
+                </a:solidFill>
+                <a:effectLst>
+                  <a:outerShdw blurRad="38100" dist="19050" dir="2700000" algn="tl" rotWithShape="0">
+                    <a:schemeClr val="dk1">
+                      <a:alpha val="40000"/>
+                    </a:schemeClr>
+                  </a:outerShdw>
+                </a:effectLst>
+                <a:latin typeface="+mj-lt"/>
+              </a:rPr>
+              <a:t>Código </a:t>
+            </a:r>
+            <a:r>
+              <a:rPr lang="es-ES" sz="2000" dirty="0">
+                <a:ln w="0"/>
+                <a:effectLst>
+                  <a:outerShdw blurRad="38100" dist="19050" dir="2700000" algn="tl" rotWithShape="0">
+                    <a:schemeClr val="dk1">
+                      <a:alpha val="40000"/>
+                    </a:schemeClr>
+                  </a:outerShdw>
+                </a:effectLst>
+                <a:latin typeface="+mj-lt"/>
+              </a:rPr>
+              <a:t>Cliente</a:t>
+            </a:r>
+            <a:endParaRPr lang="es-ES" sz="5400" b="0" cap="none" spc="0" dirty="0">
+              <a:ln w="0"/>
+              <a:solidFill>
+                <a:schemeClr val="tx1"/>
+              </a:solidFill>
+              <a:effectLst>
+                <a:outerShdw blurRad="38100" dist="19050" dir="2700000" algn="tl" rotWithShape="0">
+                  <a:schemeClr val="dk1">
+                    <a:alpha val="40000"/>
+                  </a:schemeClr>
+                </a:outerShdw>
+              </a:effectLst>
+              <a:latin typeface="+mj-lt"/>
+            </a:endParaRPr>
+          </a:p>
+        </p:txBody>
+      </p:sp>
+      <p:sp>
+        <p:nvSpPr>
+          <p:cNvPr id="9" name="Rectángulo 8">
+            <a:extLst>
+              <a:ext uri="{FF2B5EF4-FFF2-40B4-BE49-F238E27FC236}">
+                <a16:creationId xmlns:a16="http://schemas.microsoft.com/office/drawing/2014/main" id="{207F4936-2897-4782-BEB9-3FE08089B231}"/>
+              </a:ext>
+            </a:extLst>
+          </p:cNvPr>
+          <p:cNvSpPr/>
+          <p:nvPr/>
+        </p:nvSpPr>
+        <p:spPr>
+          <a:xfrm>
+            <a:off x="3370214" y="4209455"/>
+            <a:ext cx="1753622" cy="400110"/>
+          </a:xfrm>
+          <a:prstGeom prst="rect">
+            <a:avLst/>
+          </a:prstGeom>
+          <a:noFill/>
+        </p:spPr>
+        <p:txBody>
+          <a:bodyPr wrap="none" lIns="91440" tIns="45720" rIns="91440" bIns="45720">
+            <a:spAutoFit/>
+          </a:bodyPr>
+          <a:lstStyle/>
+          <a:p>
+            <a:pPr algn="ctr"/>
+            <a:r>
+              <a:rPr lang="es-ES" sz="2000" b="0" cap="none" spc="0" dirty="0">
+                <a:ln w="0"/>
+                <a:solidFill>
+                  <a:schemeClr val="tx1"/>
+                </a:solidFill>
+                <a:effectLst>
+                  <a:outerShdw blurRad="38100" dist="19050" dir="2700000" algn="tl" rotWithShape="0">
+                    <a:schemeClr val="dk1">
+                      <a:alpha val="40000"/>
+                    </a:schemeClr>
+                  </a:outerShdw>
+                </a:effectLst>
+                <a:latin typeface="+mj-lt"/>
+              </a:rPr>
+              <a:t>Código Servicio</a:t>
+            </a:r>
+            <a:endParaRPr lang="es-ES" sz="5400" b="0" cap="none" spc="0" dirty="0">
+              <a:ln w="0"/>
+              <a:solidFill>
+                <a:schemeClr val="tx1"/>
+              </a:solidFill>
+              <a:effectLst>
+                <a:outerShdw blurRad="38100" dist="19050" dir="2700000" algn="tl" rotWithShape="0">
+                  <a:schemeClr val="dk1">
+                    <a:alpha val="40000"/>
+                  </a:schemeClr>
+                </a:outerShdw>
+              </a:effectLst>
+              <a:latin typeface="+mj-lt"/>
+            </a:endParaRPr>
+          </a:p>
+        </p:txBody>
+      </p:sp>
+      <p:sp>
+        <p:nvSpPr>
+          <p:cNvPr id="10" name="Rectángulo 9">
+            <a:extLst>
+              <a:ext uri="{FF2B5EF4-FFF2-40B4-BE49-F238E27FC236}">
+                <a16:creationId xmlns:a16="http://schemas.microsoft.com/office/drawing/2014/main" id="{2635A3EB-D275-4049-AFFB-7F40A317DE92}"/>
+              </a:ext>
+            </a:extLst>
+          </p:cNvPr>
+          <p:cNvSpPr/>
+          <p:nvPr/>
+        </p:nvSpPr>
+        <p:spPr>
+          <a:xfrm>
+            <a:off x="3343234" y="5168178"/>
+            <a:ext cx="1850186" cy="400110"/>
+          </a:xfrm>
+          <a:prstGeom prst="rect">
+            <a:avLst/>
+          </a:prstGeom>
+          <a:noFill/>
+        </p:spPr>
+        <p:txBody>
+          <a:bodyPr wrap="none" lIns="91440" tIns="45720" rIns="91440" bIns="45720">
+            <a:spAutoFit/>
+          </a:bodyPr>
+          <a:lstStyle/>
+          <a:p>
+            <a:pPr algn="ctr"/>
+            <a:r>
+              <a:rPr lang="es-ES" sz="2000" b="0" cap="none" spc="0" dirty="0">
+                <a:ln w="0"/>
+                <a:solidFill>
+                  <a:schemeClr val="tx1"/>
+                </a:solidFill>
+                <a:effectLst>
+                  <a:outerShdw blurRad="38100" dist="19050" dir="2700000" algn="tl" rotWithShape="0">
+                    <a:schemeClr val="dk1">
+                      <a:alpha val="40000"/>
+                    </a:schemeClr>
+                  </a:outerShdw>
+                </a:effectLst>
+                <a:latin typeface="+mj-lt"/>
+              </a:rPr>
+              <a:t>Mensual - Anual</a:t>
+            </a:r>
+            <a:endParaRPr lang="es-ES" sz="5400" b="0" cap="none" spc="0" dirty="0">
+              <a:ln w="0"/>
+              <a:solidFill>
+                <a:schemeClr val="tx1"/>
+              </a:solidFill>
+              <a:effectLst>
+                <a:outerShdw blurRad="38100" dist="19050" dir="2700000" algn="tl" rotWithShape="0">
+                  <a:schemeClr val="dk1">
+                    <a:alpha val="40000"/>
+                  </a:schemeClr>
+                </a:outerShdw>
+              </a:effectLst>
+              <a:latin typeface="+mj-lt"/>
+            </a:endParaRPr>
+          </a:p>
+        </p:txBody>
+      </p:sp>
+      <p:sp>
+        <p:nvSpPr>
+          <p:cNvPr id="11" name="Rectángulo 10">
+            <a:extLst>
+              <a:ext uri="{FF2B5EF4-FFF2-40B4-BE49-F238E27FC236}">
+                <a16:creationId xmlns:a16="http://schemas.microsoft.com/office/drawing/2014/main" id="{7CFCE028-BF73-4A70-9705-27CBEEA777AD}"/>
+              </a:ext>
+            </a:extLst>
+          </p:cNvPr>
+          <p:cNvSpPr/>
+          <p:nvPr/>
+        </p:nvSpPr>
+        <p:spPr>
+          <a:xfrm>
+            <a:off x="3369577" y="4696227"/>
+            <a:ext cx="788422" cy="400110"/>
+          </a:xfrm>
+          <a:prstGeom prst="rect">
+            <a:avLst/>
+          </a:prstGeom>
+          <a:noFill/>
+        </p:spPr>
+        <p:txBody>
+          <a:bodyPr wrap="none" lIns="91440" tIns="45720" rIns="91440" bIns="45720">
+            <a:spAutoFit/>
+          </a:bodyPr>
+          <a:lstStyle/>
+          <a:p>
+            <a:pPr algn="ctr"/>
+            <a:r>
+              <a:rPr lang="es-ES" sz="2000" dirty="0">
+                <a:ln w="0"/>
+                <a:effectLst>
+                  <a:outerShdw blurRad="38100" dist="19050" dir="2700000" algn="tl" rotWithShape="0">
+                    <a:schemeClr val="dk1">
+                      <a:alpha val="40000"/>
+                    </a:schemeClr>
+                  </a:outerShdw>
+                </a:effectLst>
+                <a:latin typeface="+mj-lt"/>
+              </a:rPr>
+              <a:t>Fecha</a:t>
+            </a:r>
+            <a:endParaRPr lang="es-ES" sz="5400" b="0" cap="none" spc="0" dirty="0">
+              <a:ln w="0"/>
+              <a:solidFill>
+                <a:schemeClr val="tx1"/>
+              </a:solidFill>
+              <a:effectLst>
+                <a:outerShdw blurRad="38100" dist="19050" dir="2700000" algn="tl" rotWithShape="0">
+                  <a:schemeClr val="dk1">
+                    <a:alpha val="40000"/>
+                  </a:schemeClr>
+                </a:outerShdw>
+              </a:effectLst>
+              <a:latin typeface="+mj-lt"/>
+            </a:endParaRPr>
+          </a:p>
+        </p:txBody>
+      </p:sp>
+      <p:sp>
+        <p:nvSpPr>
+          <p:cNvPr id="12" name="Rectángulo: esquinas redondeadas 11">
+            <a:extLst>
+              <a:ext uri="{FF2B5EF4-FFF2-40B4-BE49-F238E27FC236}">
+                <a16:creationId xmlns:a16="http://schemas.microsoft.com/office/drawing/2014/main" id="{19D04D16-83D5-42D4-804C-C8807934DAC1}"/>
+              </a:ext>
+            </a:extLst>
+          </p:cNvPr>
+          <p:cNvSpPr/>
+          <p:nvPr/>
+        </p:nvSpPr>
+        <p:spPr>
+          <a:xfrm>
+            <a:off x="5143810" y="3271450"/>
             <a:ext cx="2968668" cy="369941"/>
           </a:xfrm>
           <a:prstGeom prst="roundRect">
@@ -4345,10 +4282,365 @@
           </a:p>
         </p:txBody>
       </p:sp>
+      <p:sp>
+        <p:nvSpPr>
+          <p:cNvPr id="13" name="Rectángulo: esquinas redondeadas 12">
+            <a:extLst>
+              <a:ext uri="{FF2B5EF4-FFF2-40B4-BE49-F238E27FC236}">
+                <a16:creationId xmlns:a16="http://schemas.microsoft.com/office/drawing/2014/main" id="{34C79EE5-E2B2-470B-8455-D22F4C630568}"/>
+              </a:ext>
+            </a:extLst>
+          </p:cNvPr>
+          <p:cNvSpPr/>
+          <p:nvPr/>
+        </p:nvSpPr>
+        <p:spPr>
+          <a:xfrm>
+            <a:off x="5143810" y="3750526"/>
+            <a:ext cx="2968668" cy="369941"/>
+          </a:xfrm>
+          <a:prstGeom prst="roundRect">
+            <a:avLst/>
+          </a:prstGeom>
+          <a:solidFill>
+            <a:srgbClr val="FFFFFF"/>
+          </a:solidFill>
+        </p:spPr>
+        <p:style>
+          <a:lnRef idx="2">
+            <a:schemeClr val="accent1">
+              <a:shade val="50000"/>
+            </a:schemeClr>
+          </a:lnRef>
+          <a:fillRef idx="1">
+            <a:schemeClr val="accent1"/>
+          </a:fillRef>
+          <a:effectRef idx="0">
+            <a:schemeClr val="accent1"/>
+          </a:effectRef>
+          <a:fontRef idx="minor">
+            <a:schemeClr val="lt1"/>
+          </a:fontRef>
+        </p:style>
+        <p:txBody>
+          <a:bodyPr rtlCol="0" anchor="ctr"/>
+          <a:lstStyle/>
+          <a:p>
+            <a:pPr algn="ctr"/>
+            <a:endParaRPr lang="es-BO" dirty="0"/>
+          </a:p>
+        </p:txBody>
+      </p:sp>
+      <p:sp>
+        <p:nvSpPr>
+          <p:cNvPr id="14" name="Rectángulo: esquinas redondeadas 13">
+            <a:extLst>
+              <a:ext uri="{FF2B5EF4-FFF2-40B4-BE49-F238E27FC236}">
+                <a16:creationId xmlns:a16="http://schemas.microsoft.com/office/drawing/2014/main" id="{F7D9D9AE-24A7-4330-8AF2-7500A4BD37BE}"/>
+              </a:ext>
+            </a:extLst>
+          </p:cNvPr>
+          <p:cNvSpPr/>
+          <p:nvPr/>
+        </p:nvSpPr>
+        <p:spPr>
+          <a:xfrm>
+            <a:off x="5143810" y="4239624"/>
+            <a:ext cx="2968668" cy="369941"/>
+          </a:xfrm>
+          <a:prstGeom prst="roundRect">
+            <a:avLst/>
+          </a:prstGeom>
+          <a:solidFill>
+            <a:srgbClr val="FFFFFF"/>
+          </a:solidFill>
+        </p:spPr>
+        <p:style>
+          <a:lnRef idx="2">
+            <a:schemeClr val="accent1">
+              <a:shade val="50000"/>
+            </a:schemeClr>
+          </a:lnRef>
+          <a:fillRef idx="1">
+            <a:schemeClr val="accent1"/>
+          </a:fillRef>
+          <a:effectRef idx="0">
+            <a:schemeClr val="accent1"/>
+          </a:effectRef>
+          <a:fontRef idx="minor">
+            <a:schemeClr val="lt1"/>
+          </a:fontRef>
+        </p:style>
+        <p:txBody>
+          <a:bodyPr rtlCol="0" anchor="ctr"/>
+          <a:lstStyle/>
+          <a:p>
+            <a:pPr algn="ctr"/>
+            <a:endParaRPr lang="es-BO" dirty="0"/>
+          </a:p>
+        </p:txBody>
+      </p:sp>
+      <p:sp>
+        <p:nvSpPr>
+          <p:cNvPr id="15" name="Rectángulo: esquinas redondeadas 14">
+            <a:extLst>
+              <a:ext uri="{FF2B5EF4-FFF2-40B4-BE49-F238E27FC236}">
+                <a16:creationId xmlns:a16="http://schemas.microsoft.com/office/drawing/2014/main" id="{D5F68C99-14DE-4B01-A6CF-AE746E3AA6BF}"/>
+              </a:ext>
+            </a:extLst>
+          </p:cNvPr>
+          <p:cNvSpPr/>
+          <p:nvPr/>
+        </p:nvSpPr>
+        <p:spPr>
+          <a:xfrm>
+            <a:off x="5143810" y="4730407"/>
+            <a:ext cx="2968668" cy="369941"/>
+          </a:xfrm>
+          <a:prstGeom prst="roundRect">
+            <a:avLst/>
+          </a:prstGeom>
+          <a:solidFill>
+            <a:srgbClr val="FFFFFF"/>
+          </a:solidFill>
+        </p:spPr>
+        <p:style>
+          <a:lnRef idx="2">
+            <a:schemeClr val="accent1">
+              <a:shade val="50000"/>
+            </a:schemeClr>
+          </a:lnRef>
+          <a:fillRef idx="1">
+            <a:schemeClr val="accent1"/>
+          </a:fillRef>
+          <a:effectRef idx="0">
+            <a:schemeClr val="accent1"/>
+          </a:effectRef>
+          <a:fontRef idx="minor">
+            <a:schemeClr val="lt1"/>
+          </a:fontRef>
+        </p:style>
+        <p:txBody>
+          <a:bodyPr rtlCol="0" anchor="ctr"/>
+          <a:lstStyle/>
+          <a:p>
+            <a:pPr algn="ctr"/>
+            <a:endParaRPr lang="es-BO" dirty="0"/>
+          </a:p>
+        </p:txBody>
+      </p:sp>
+      <p:sp>
+        <p:nvSpPr>
+          <p:cNvPr id="16" name="Rectángulo: esquinas redondeadas 15">
+            <a:extLst>
+              <a:ext uri="{FF2B5EF4-FFF2-40B4-BE49-F238E27FC236}">
+                <a16:creationId xmlns:a16="http://schemas.microsoft.com/office/drawing/2014/main" id="{475D5014-B77D-4317-ADD4-E1D24CCA2C2A}"/>
+              </a:ext>
+            </a:extLst>
+          </p:cNvPr>
+          <p:cNvSpPr/>
+          <p:nvPr/>
+        </p:nvSpPr>
+        <p:spPr>
+          <a:xfrm>
+            <a:off x="5143810" y="5204199"/>
+            <a:ext cx="2968668" cy="369941"/>
+          </a:xfrm>
+          <a:prstGeom prst="roundRect">
+            <a:avLst/>
+          </a:prstGeom>
+          <a:solidFill>
+            <a:srgbClr val="FFFFFF"/>
+          </a:solidFill>
+        </p:spPr>
+        <p:style>
+          <a:lnRef idx="2">
+            <a:schemeClr val="accent1">
+              <a:shade val="50000"/>
+            </a:schemeClr>
+          </a:lnRef>
+          <a:fillRef idx="1">
+            <a:schemeClr val="accent1"/>
+          </a:fillRef>
+          <a:effectRef idx="0">
+            <a:schemeClr val="accent1"/>
+          </a:effectRef>
+          <a:fontRef idx="minor">
+            <a:schemeClr val="lt1"/>
+          </a:fontRef>
+        </p:style>
+        <p:txBody>
+          <a:bodyPr rtlCol="0" anchor="ctr"/>
+          <a:lstStyle/>
+          <a:p>
+            <a:pPr algn="ctr"/>
+            <a:endParaRPr lang="es-BO" dirty="0"/>
+          </a:p>
+        </p:txBody>
+      </p:sp>
+      <p:sp>
+        <p:nvSpPr>
+          <p:cNvPr id="17" name="Rectángulo: esquinas redondeadas 16">
+            <a:hlinkClick r:id="rId2" action="ppaction://hlinksldjump"/>
+            <a:extLst>
+              <a:ext uri="{FF2B5EF4-FFF2-40B4-BE49-F238E27FC236}">
+                <a16:creationId xmlns:a16="http://schemas.microsoft.com/office/drawing/2014/main" id="{8E6D5368-FED0-40F4-9030-55A4D1E6A68C}"/>
+              </a:ext>
+            </a:extLst>
+          </p:cNvPr>
+          <p:cNvSpPr/>
+          <p:nvPr/>
+        </p:nvSpPr>
+        <p:spPr>
+          <a:xfrm>
+            <a:off x="7763068" y="5778473"/>
+            <a:ext cx="2129425" cy="461665"/>
+          </a:xfrm>
+          <a:prstGeom prst="roundRect">
+            <a:avLst/>
+          </a:prstGeom>
+          <a:solidFill>
+            <a:srgbClr val="002060"/>
+          </a:solidFill>
+        </p:spPr>
+        <p:style>
+          <a:lnRef idx="2">
+            <a:schemeClr val="accent1">
+              <a:shade val="50000"/>
+            </a:schemeClr>
+          </a:lnRef>
+          <a:fillRef idx="1">
+            <a:schemeClr val="accent1"/>
+          </a:fillRef>
+          <a:effectRef idx="0">
+            <a:schemeClr val="accent1"/>
+          </a:effectRef>
+          <a:fontRef idx="minor">
+            <a:schemeClr val="lt1"/>
+          </a:fontRef>
+        </p:style>
+        <p:txBody>
+          <a:bodyPr rtlCol="0" anchor="ctr"/>
+          <a:lstStyle/>
+          <a:p>
+            <a:pPr algn="ctr"/>
+            <a:r>
+              <a:rPr lang="es-MX" dirty="0">
+                <a:solidFill>
+                  <a:schemeClr val="bg1"/>
+                </a:solidFill>
+              </a:rPr>
+              <a:t>Guardar</a:t>
+            </a:r>
+            <a:endParaRPr lang="es-BO" dirty="0">
+              <a:solidFill>
+                <a:schemeClr val="bg1"/>
+              </a:solidFill>
+            </a:endParaRPr>
+          </a:p>
+        </p:txBody>
+      </p:sp>
+      <p:sp>
+        <p:nvSpPr>
+          <p:cNvPr id="18" name="Rectángulo: esquinas redondeadas 17">
+            <a:hlinkClick r:id="rId2" action="ppaction://hlinksldjump"/>
+            <a:extLst>
+              <a:ext uri="{FF2B5EF4-FFF2-40B4-BE49-F238E27FC236}">
+                <a16:creationId xmlns:a16="http://schemas.microsoft.com/office/drawing/2014/main" id="{928E53B0-777A-486A-A1C3-070E545F9595}"/>
+              </a:ext>
+            </a:extLst>
+          </p:cNvPr>
+          <p:cNvSpPr/>
+          <p:nvPr/>
+        </p:nvSpPr>
+        <p:spPr>
+          <a:xfrm>
+            <a:off x="5394385" y="5778473"/>
+            <a:ext cx="2129425" cy="461665"/>
+          </a:xfrm>
+          <a:prstGeom prst="roundRect">
+            <a:avLst/>
+          </a:prstGeom>
+          <a:solidFill>
+            <a:srgbClr val="002060"/>
+          </a:solidFill>
+        </p:spPr>
+        <p:style>
+          <a:lnRef idx="2">
+            <a:schemeClr val="accent1">
+              <a:shade val="50000"/>
+            </a:schemeClr>
+          </a:lnRef>
+          <a:fillRef idx="1">
+            <a:schemeClr val="accent1"/>
+          </a:fillRef>
+          <a:effectRef idx="0">
+            <a:schemeClr val="accent1"/>
+          </a:effectRef>
+          <a:fontRef idx="minor">
+            <a:schemeClr val="lt1"/>
+          </a:fontRef>
+        </p:style>
+        <p:txBody>
+          <a:bodyPr rtlCol="0" anchor="ctr"/>
+          <a:lstStyle/>
+          <a:p>
+            <a:pPr algn="ctr"/>
+            <a:r>
+              <a:rPr lang="es-MX" dirty="0">
+                <a:solidFill>
+                  <a:schemeClr val="bg1"/>
+                </a:solidFill>
+              </a:rPr>
+              <a:t>Cancelar</a:t>
+            </a:r>
+            <a:endParaRPr lang="es-BO" dirty="0">
+              <a:solidFill>
+                <a:schemeClr val="bg1"/>
+              </a:solidFill>
+            </a:endParaRPr>
+          </a:p>
+        </p:txBody>
+      </p:sp>
+      <p:sp>
+        <p:nvSpPr>
+          <p:cNvPr id="21" name="CuadroTexto 20">
+            <a:extLst>
+              <a:ext uri="{FF2B5EF4-FFF2-40B4-BE49-F238E27FC236}">
+                <a16:creationId xmlns:a16="http://schemas.microsoft.com/office/drawing/2014/main" id="{0933030A-E203-47DE-916D-05A69D802400}"/>
+              </a:ext>
+            </a:extLst>
+          </p:cNvPr>
+          <p:cNvSpPr txBox="1"/>
+          <p:nvPr/>
+        </p:nvSpPr>
+        <p:spPr>
+          <a:xfrm>
+            <a:off x="1052186" y="413359"/>
+            <a:ext cx="3181611" cy="400110"/>
+          </a:xfrm>
+          <a:prstGeom prst="rect">
+            <a:avLst/>
+          </a:prstGeom>
+          <a:noFill/>
+        </p:spPr>
+        <p:txBody>
+          <a:bodyPr wrap="square" rtlCol="0">
+            <a:spAutoFit/>
+          </a:bodyPr>
+          <a:lstStyle/>
+          <a:p>
+            <a:r>
+              <a:rPr lang="es-MX" sz="2000" b="1" dirty="0"/>
+              <a:t>Nueva Suscripción</a:t>
+            </a:r>
+          </a:p>
+        </p:txBody>
+      </p:sp>
     </p:spTree>
     <p:extLst>
       <p:ext uri="{BB962C8B-B14F-4D97-AF65-F5344CB8AC3E}">
-        <p14:creationId xmlns:p14="http://schemas.microsoft.com/office/powerpoint/2010/main" val="419573800"/>
+        <p14:creationId xmlns:p14="http://schemas.microsoft.com/office/powerpoint/2010/main" val="3334916834"/>
       </p:ext>
     </p:extLst>
   </p:cSld>
@@ -4454,30 +4746,30 @@
           <a:p>
             <a:r>
               <a:rPr lang="es-MX" sz="2000" b="1" dirty="0"/>
-              <a:t>Realizar Pago</a:t>
-            </a:r>
-          </a:p>
-        </p:txBody>
-      </p:sp>
-      <p:sp>
-        <p:nvSpPr>
-          <p:cNvPr id="28" name="Rectángulo 27">
+              <a:t>Pagos</a:t>
+            </a:r>
+          </a:p>
+        </p:txBody>
+      </p:sp>
+      <p:sp>
+        <p:nvSpPr>
+          <p:cNvPr id="25" name="Rectángulo: esquinas redondeadas 24">
             <a:hlinkClick r:id="rId2" action="ppaction://hlinksldjump"/>
             <a:extLst>
               <a:ext uri="{FF2B5EF4-FFF2-40B4-BE49-F238E27FC236}">
-                <a16:creationId xmlns:a16="http://schemas.microsoft.com/office/drawing/2014/main" id="{2C9359BB-3DE2-482D-B0F7-CD4CACC6243A}"/>
-              </a:ext>
-            </a:extLst>
-          </p:cNvPr>
-          <p:cNvSpPr/>
-          <p:nvPr/>
-        </p:nvSpPr>
-        <p:spPr>
-          <a:xfrm>
-            <a:off x="4120190" y="2382381"/>
-            <a:ext cx="1924101" cy="538619"/>
-          </a:xfrm>
-          <a:prstGeom prst="rect">
+                <a16:creationId xmlns:a16="http://schemas.microsoft.com/office/drawing/2014/main" id="{F7D93318-5266-4B6B-88B3-2ABF21E11FC3}"/>
+              </a:ext>
+            </a:extLst>
+          </p:cNvPr>
+          <p:cNvSpPr/>
+          <p:nvPr/>
+        </p:nvSpPr>
+        <p:spPr>
+          <a:xfrm>
+            <a:off x="7093304" y="2930746"/>
+            <a:ext cx="2129425" cy="461665"/>
+          </a:xfrm>
+          <a:prstGeom prst="roundRect">
             <a:avLst/>
           </a:prstGeom>
           <a:solidFill>
@@ -4511,7 +4803,7 @@
                   <a:schemeClr val="bg1"/>
                 </a:solidFill>
               </a:rPr>
-              <a:t>Clientes</a:t>
+              <a:t>Buscar</a:t>
             </a:r>
             <a:endParaRPr lang="es-BO" dirty="0">
               <a:solidFill>
@@ -4523,27 +4815,86 @@
       </p:sp>
       <p:sp>
         <p:nvSpPr>
-          <p:cNvPr id="29" name="Rectángulo 28">
-            <a:hlinkClick r:id="rId3" action="ppaction://hlinksldjump"/>
-            <a:extLst>
-              <a:ext uri="{FF2B5EF4-FFF2-40B4-BE49-F238E27FC236}">
-                <a16:creationId xmlns:a16="http://schemas.microsoft.com/office/drawing/2014/main" id="{E91CA01D-11DA-4AE3-B73C-6F43BDC9CE1B}"/>
-              </a:ext>
-            </a:extLst>
-          </p:cNvPr>
-          <p:cNvSpPr/>
-          <p:nvPr/>
-        </p:nvSpPr>
-        <p:spPr>
-          <a:xfrm>
-            <a:off x="6044291" y="2382381"/>
-            <a:ext cx="1924101" cy="538619"/>
+          <p:cNvPr id="32" name="Rectángulo 31">
+            <a:extLst>
+              <a:ext uri="{FF2B5EF4-FFF2-40B4-BE49-F238E27FC236}">
+                <a16:creationId xmlns:a16="http://schemas.microsoft.com/office/drawing/2014/main" id="{BF288508-8540-4DC4-8A0B-1D72AD5F4CBF}"/>
+              </a:ext>
+            </a:extLst>
+          </p:cNvPr>
+          <p:cNvSpPr/>
+          <p:nvPr/>
+        </p:nvSpPr>
+        <p:spPr>
+          <a:xfrm>
+            <a:off x="3054104" y="2926477"/>
+            <a:ext cx="896720" cy="400110"/>
           </a:xfrm>
           <a:prstGeom prst="rect">
             <a:avLst/>
           </a:prstGeom>
+          <a:noFill/>
+        </p:spPr>
+        <p:txBody>
+          <a:bodyPr wrap="none" lIns="91440" tIns="45720" rIns="91440" bIns="45720">
+            <a:spAutoFit/>
+          </a:bodyPr>
+          <a:lstStyle/>
+          <a:p>
+            <a:pPr algn="ctr"/>
+            <a:r>
+              <a:rPr lang="es-ES" sz="2000" dirty="0">
+                <a:ln w="0"/>
+                <a:effectLst>
+                  <a:outerShdw blurRad="38100" dist="19050" dir="2700000" algn="tl" rotWithShape="0">
+                    <a:schemeClr val="dk1">
+                      <a:alpha val="40000"/>
+                    </a:schemeClr>
+                  </a:outerShdw>
+                </a:effectLst>
+                <a:latin typeface="+mj-lt"/>
+              </a:rPr>
+              <a:t>Código</a:t>
+            </a:r>
+            <a:endParaRPr lang="es-ES" sz="5400" b="0" cap="none" spc="0" dirty="0">
+              <a:ln w="0"/>
+              <a:solidFill>
+                <a:schemeClr val="tx1"/>
+              </a:solidFill>
+              <a:effectLst>
+                <a:outerShdw blurRad="38100" dist="19050" dir="2700000" algn="tl" rotWithShape="0">
+                  <a:schemeClr val="dk1">
+                    <a:alpha val="40000"/>
+                  </a:schemeClr>
+                </a:outerShdw>
+              </a:effectLst>
+              <a:latin typeface="+mj-lt"/>
+            </a:endParaRPr>
+          </a:p>
+        </p:txBody>
+      </p:sp>
+      <p:sp>
+        <p:nvSpPr>
+          <p:cNvPr id="33" name="Rectángulo: esquinas redondeadas 32">
+            <a:extLst>
+              <a:ext uri="{FF2B5EF4-FFF2-40B4-BE49-F238E27FC236}">
+                <a16:creationId xmlns:a16="http://schemas.microsoft.com/office/drawing/2014/main" id="{FDABF885-7EBF-40E2-9A44-3AC669975519}"/>
+              </a:ext>
+            </a:extLst>
+          </p:cNvPr>
+          <p:cNvSpPr/>
+          <p:nvPr/>
+        </p:nvSpPr>
+        <p:spPr>
+          <a:xfrm>
+            <a:off x="4037730" y="2956646"/>
+            <a:ext cx="2968668" cy="369941"/>
+          </a:xfrm>
+          <a:prstGeom prst="roundRect">
+            <a:avLst/>
+          </a:prstGeom>
           <a:solidFill>
-            <a:srgbClr val="002060"/>
+            <a:srgbClr val="FFFFFF"/>
           </a:solidFill>
         </p:spPr>
         <p:style>
@@ -4567,145 +4918,25 @@
           <a:lstStyle/>
           <a:p>
             <a:pPr algn="ctr"/>
-            <a:r>
-              <a:rPr lang="es-MX" dirty="0"/>
-              <a:t>Servicios</a:t>
-            </a:r>
             <a:endParaRPr lang="es-BO" dirty="0"/>
           </a:p>
         </p:txBody>
       </p:sp>
       <p:sp>
         <p:nvSpPr>
-          <p:cNvPr id="30" name="Rectángulo 29">
-            <a:hlinkClick r:id="rId4" action="ppaction://hlinksldjump"/>
-            <a:extLst>
-              <a:ext uri="{FF2B5EF4-FFF2-40B4-BE49-F238E27FC236}">
-                <a16:creationId xmlns:a16="http://schemas.microsoft.com/office/drawing/2014/main" id="{71D926D6-9BB2-46A8-937E-5070822B2168}"/>
-              </a:ext>
-            </a:extLst>
-          </p:cNvPr>
-          <p:cNvSpPr/>
-          <p:nvPr/>
-        </p:nvSpPr>
-        <p:spPr>
-          <a:xfrm>
-            <a:off x="7968392" y="2382381"/>
-            <a:ext cx="1924101" cy="538619"/>
-          </a:xfrm>
-          <a:prstGeom prst="rect">
-            <a:avLst/>
-          </a:prstGeom>
-          <a:solidFill>
-            <a:srgbClr val="002060"/>
-          </a:solidFill>
-        </p:spPr>
-        <p:style>
-          <a:lnRef idx="2">
-            <a:schemeClr val="accent1">
-              <a:shade val="50000"/>
-            </a:schemeClr>
-          </a:lnRef>
-          <a:fillRef idx="1">
-            <a:schemeClr val="accent1"/>
-          </a:fillRef>
-          <a:effectRef idx="0">
-            <a:schemeClr val="accent1"/>
-          </a:effectRef>
-          <a:fontRef idx="minor">
-            <a:schemeClr val="lt1"/>
-          </a:fontRef>
-        </p:style>
-        <p:txBody>
-          <a:bodyPr rtlCol="0" anchor="ctr"/>
-          <a:lstStyle/>
-          <a:p>
-            <a:pPr algn="ctr"/>
-            <a:r>
-              <a:rPr lang="es-MX" dirty="0"/>
-              <a:t>Pagar</a:t>
-            </a:r>
-            <a:endParaRPr lang="es-BO" dirty="0"/>
-          </a:p>
-        </p:txBody>
-      </p:sp>
-      <p:sp>
-        <p:nvSpPr>
-          <p:cNvPr id="31" name="Rectángulo 30">
-            <a:hlinkClick r:id="rId5" action="ppaction://hlinksldjump"/>
-            <a:extLst>
-              <a:ext uri="{FF2B5EF4-FFF2-40B4-BE49-F238E27FC236}">
-                <a16:creationId xmlns:a16="http://schemas.microsoft.com/office/drawing/2014/main" id="{0446A4AB-303E-496F-A628-9FA905CFC372}"/>
-              </a:ext>
-            </a:extLst>
-          </p:cNvPr>
-          <p:cNvSpPr/>
-          <p:nvPr/>
-        </p:nvSpPr>
-        <p:spPr>
-          <a:xfrm>
-            <a:off x="2196089" y="2382380"/>
-            <a:ext cx="1924101" cy="538619"/>
-          </a:xfrm>
-          <a:prstGeom prst="rect">
-            <a:avLst/>
-          </a:prstGeom>
-          <a:solidFill>
-            <a:srgbClr val="002060"/>
-          </a:solidFill>
-        </p:spPr>
-        <p:style>
-          <a:lnRef idx="2">
-            <a:schemeClr val="accent1">
-              <a:shade val="50000"/>
-            </a:schemeClr>
-          </a:lnRef>
-          <a:fillRef idx="1">
-            <a:schemeClr val="accent1"/>
-          </a:fillRef>
-          <a:effectRef idx="0">
-            <a:schemeClr val="accent1"/>
-          </a:effectRef>
-          <a:fontRef idx="minor">
-            <a:schemeClr val="lt1"/>
-          </a:fontRef>
-        </p:style>
-        <p:txBody>
-          <a:bodyPr rtlCol="0" anchor="ctr"/>
-          <a:lstStyle/>
-          <a:p>
-            <a:pPr algn="ctr"/>
-            <a:r>
-              <a:rPr lang="es-MX" dirty="0">
-                <a:solidFill>
-                  <a:schemeClr val="bg1"/>
-                </a:solidFill>
-              </a:rPr>
-              <a:t>Menú</a:t>
-            </a:r>
-            <a:endParaRPr lang="es-BO" dirty="0">
-              <a:solidFill>
-                <a:schemeClr val="bg1"/>
-              </a:solidFill>
-            </a:endParaRPr>
-          </a:p>
-        </p:txBody>
-      </p:sp>
-      <p:sp>
-        <p:nvSpPr>
-          <p:cNvPr id="12" name="Rectángulo 11">
-            <a:extLst>
-              <a:ext uri="{FF2B5EF4-FFF2-40B4-BE49-F238E27FC236}">
-                <a16:creationId xmlns:a16="http://schemas.microsoft.com/office/drawing/2014/main" id="{AE676555-AFA2-46E2-8F59-642F4687664E}"/>
-              </a:ext>
-            </a:extLst>
-          </p:cNvPr>
-          <p:cNvSpPr/>
-          <p:nvPr/>
-        </p:nvSpPr>
-        <p:spPr>
-          <a:xfrm>
-            <a:off x="3834302" y="3642522"/>
+          <p:cNvPr id="23" name="Rectángulo 22">
+            <a:extLst>
+              <a:ext uri="{FF2B5EF4-FFF2-40B4-BE49-F238E27FC236}">
+                <a16:creationId xmlns:a16="http://schemas.microsoft.com/office/drawing/2014/main" id="{8B03D89F-3AAC-4715-8457-D87B145ED1A5}"/>
+              </a:ext>
+            </a:extLst>
+          </p:cNvPr>
+          <p:cNvSpPr/>
+          <p:nvPr/>
+        </p:nvSpPr>
+        <p:spPr>
+          <a:xfrm>
+            <a:off x="3491587" y="3800835"/>
             <a:ext cx="901017" cy="400110"/>
           </a:xfrm>
           <a:prstGeom prst="rect">
@@ -4770,20 +5001,20 @@
       </p:sp>
       <p:sp>
         <p:nvSpPr>
-          <p:cNvPr id="13" name="Rectángulo 12">
-            <a:extLst>
-              <a:ext uri="{FF2B5EF4-FFF2-40B4-BE49-F238E27FC236}">
-                <a16:creationId xmlns:a16="http://schemas.microsoft.com/office/drawing/2014/main" id="{66ADAF2F-DEA0-46D0-BBD4-E2E37DCD1944}"/>
-              </a:ext>
-            </a:extLst>
-          </p:cNvPr>
-          <p:cNvSpPr/>
-          <p:nvPr/>
-        </p:nvSpPr>
-        <p:spPr>
-          <a:xfrm>
-            <a:off x="3811438" y="4142737"/>
-            <a:ext cx="896720" cy="400110"/>
+          <p:cNvPr id="24" name="Rectángulo 23">
+            <a:extLst>
+              <a:ext uri="{FF2B5EF4-FFF2-40B4-BE49-F238E27FC236}">
+                <a16:creationId xmlns:a16="http://schemas.microsoft.com/office/drawing/2014/main" id="{5A24D694-BA19-49E9-A064-C8A9DBEF3F83}"/>
+              </a:ext>
+            </a:extLst>
+          </p:cNvPr>
+          <p:cNvSpPr/>
+          <p:nvPr/>
+        </p:nvSpPr>
+        <p:spPr>
+          <a:xfrm>
+            <a:off x="3491587" y="4301050"/>
+            <a:ext cx="1092287" cy="400110"/>
           </a:xfrm>
           <a:prstGeom prst="rect">
             <a:avLst/>
@@ -4812,7 +5043,7 @@
                 </a:effectLst>
                 <a:latin typeface="+mj-lt"/>
               </a:rPr>
-              <a:t>Código</a:t>
+              <a:t>Código C</a:t>
             </a:r>
             <a:endParaRPr lang="es-ES" sz="5400" b="0" cap="none" spc="0" dirty="0">
               <a:ln w="0"/>
@@ -4833,19 +5064,19 @@
       </p:sp>
       <p:sp>
         <p:nvSpPr>
-          <p:cNvPr id="14" name="Rectángulo 13">
-            <a:extLst>
-              <a:ext uri="{FF2B5EF4-FFF2-40B4-BE49-F238E27FC236}">
-                <a16:creationId xmlns:a16="http://schemas.microsoft.com/office/drawing/2014/main" id="{ABF300B1-65BD-42B5-9AD8-9FDAB1696F02}"/>
-              </a:ext>
-            </a:extLst>
-          </p:cNvPr>
-          <p:cNvSpPr/>
-          <p:nvPr/>
-        </p:nvSpPr>
-        <p:spPr>
-          <a:xfrm>
-            <a:off x="3896044" y="4610696"/>
+          <p:cNvPr id="26" name="Rectángulo 25">
+            <a:extLst>
+              <a:ext uri="{FF2B5EF4-FFF2-40B4-BE49-F238E27FC236}">
+                <a16:creationId xmlns:a16="http://schemas.microsoft.com/office/drawing/2014/main" id="{070D5616-7675-41FE-86F1-9FFB6F5C0DE9}"/>
+              </a:ext>
+            </a:extLst>
+          </p:cNvPr>
+          <p:cNvSpPr/>
+          <p:nvPr/>
+        </p:nvSpPr>
+        <p:spPr>
+          <a:xfrm>
+            <a:off x="3516722" y="4769009"/>
             <a:ext cx="675506" cy="400110"/>
           </a:xfrm>
           <a:prstGeom prst="rect">
@@ -4896,19 +5127,19 @@
       </p:sp>
       <p:sp>
         <p:nvSpPr>
-          <p:cNvPr id="15" name="Rectángulo: esquinas redondeadas 14">
-            <a:extLst>
-              <a:ext uri="{FF2B5EF4-FFF2-40B4-BE49-F238E27FC236}">
-                <a16:creationId xmlns:a16="http://schemas.microsoft.com/office/drawing/2014/main" id="{DD95A902-E63D-4A12-B65D-22E6EEAB9B5B}"/>
-              </a:ext>
-            </a:extLst>
-          </p:cNvPr>
-          <p:cNvSpPr/>
-          <p:nvPr/>
-        </p:nvSpPr>
-        <p:spPr>
-          <a:xfrm>
-            <a:off x="4853480" y="3642522"/>
+          <p:cNvPr id="34" name="Rectángulo: esquinas redondeadas 33">
+            <a:extLst>
+              <a:ext uri="{FF2B5EF4-FFF2-40B4-BE49-F238E27FC236}">
+                <a16:creationId xmlns:a16="http://schemas.microsoft.com/office/drawing/2014/main" id="{79ABDE64-A945-4C36-BBB7-E1823860DB96}"/>
+              </a:ext>
+            </a:extLst>
+          </p:cNvPr>
+          <p:cNvSpPr/>
+          <p:nvPr/>
+        </p:nvSpPr>
+        <p:spPr>
+          <a:xfrm>
+            <a:off x="4631412" y="3800835"/>
             <a:ext cx="2968668" cy="369941"/>
           </a:xfrm>
           <a:prstGeom prst="roundRect">
@@ -4945,19 +5176,19 @@
       </p:sp>
       <p:sp>
         <p:nvSpPr>
-          <p:cNvPr id="16" name="Rectángulo: esquinas redondeadas 15">
-            <a:extLst>
-              <a:ext uri="{FF2B5EF4-FFF2-40B4-BE49-F238E27FC236}">
-                <a16:creationId xmlns:a16="http://schemas.microsoft.com/office/drawing/2014/main" id="{F426A1A8-EACF-4F7E-A969-2246BDEAC2C5}"/>
-              </a:ext>
-            </a:extLst>
-          </p:cNvPr>
-          <p:cNvSpPr/>
-          <p:nvPr/>
-        </p:nvSpPr>
-        <p:spPr>
-          <a:xfrm>
-            <a:off x="4853480" y="4121598"/>
+          <p:cNvPr id="35" name="Rectángulo: esquinas redondeadas 34">
+            <a:extLst>
+              <a:ext uri="{FF2B5EF4-FFF2-40B4-BE49-F238E27FC236}">
+                <a16:creationId xmlns:a16="http://schemas.microsoft.com/office/drawing/2014/main" id="{89140410-BB12-497D-98B5-F90503BED627}"/>
+              </a:ext>
+            </a:extLst>
+          </p:cNvPr>
+          <p:cNvSpPr/>
+          <p:nvPr/>
+        </p:nvSpPr>
+        <p:spPr>
+          <a:xfrm>
+            <a:off x="4631412" y="4279911"/>
             <a:ext cx="2968668" cy="369941"/>
           </a:xfrm>
           <a:prstGeom prst="roundRect">
@@ -4994,19 +5225,19 @@
       </p:sp>
       <p:sp>
         <p:nvSpPr>
-          <p:cNvPr id="17" name="Rectángulo: esquinas redondeadas 16">
-            <a:extLst>
-              <a:ext uri="{FF2B5EF4-FFF2-40B4-BE49-F238E27FC236}">
-                <a16:creationId xmlns:a16="http://schemas.microsoft.com/office/drawing/2014/main" id="{D4324434-D54C-4105-9DBD-79C4B8BFE5E3}"/>
-              </a:ext>
-            </a:extLst>
-          </p:cNvPr>
-          <p:cNvSpPr/>
-          <p:nvPr/>
-        </p:nvSpPr>
-        <p:spPr>
-          <a:xfrm>
-            <a:off x="4853480" y="4610696"/>
+          <p:cNvPr id="36" name="Rectángulo: esquinas redondeadas 35">
+            <a:extLst>
+              <a:ext uri="{FF2B5EF4-FFF2-40B4-BE49-F238E27FC236}">
+                <a16:creationId xmlns:a16="http://schemas.microsoft.com/office/drawing/2014/main" id="{510C27F9-78E5-4990-8C53-3CF7A2A13CF7}"/>
+              </a:ext>
+            </a:extLst>
+          </p:cNvPr>
+          <p:cNvSpPr/>
+          <p:nvPr/>
+        </p:nvSpPr>
+        <p:spPr>
+          <a:xfrm>
+            <a:off x="4631412" y="4769009"/>
             <a:ext cx="2968668" cy="369941"/>
           </a:xfrm>
           <a:prstGeom prst="roundRect">
@@ -5043,20 +5274,20 @@
       </p:sp>
       <p:sp>
         <p:nvSpPr>
-          <p:cNvPr id="18" name="Rectángulo: esquinas redondeadas 17">
-            <a:hlinkClick r:id="rId6" action="ppaction://hlinksldjump"/>
-            <a:extLst>
-              <a:ext uri="{FF2B5EF4-FFF2-40B4-BE49-F238E27FC236}">
-                <a16:creationId xmlns:a16="http://schemas.microsoft.com/office/drawing/2014/main" id="{3CEF80E7-CFD3-4DA8-A103-387A5987F6EB}"/>
-              </a:ext>
-            </a:extLst>
-          </p:cNvPr>
-          <p:cNvSpPr/>
-          <p:nvPr/>
-        </p:nvSpPr>
-        <p:spPr>
-          <a:xfrm>
-            <a:off x="6492253" y="5129963"/>
+          <p:cNvPr id="37" name="Rectángulo: esquinas redondeadas 36">
+            <a:hlinkClick r:id="" action="ppaction://noaction"/>
+            <a:extLst>
+              <a:ext uri="{FF2B5EF4-FFF2-40B4-BE49-F238E27FC236}">
+                <a16:creationId xmlns:a16="http://schemas.microsoft.com/office/drawing/2014/main" id="{5969F583-FA85-4536-B187-0F100646BF61}"/>
+              </a:ext>
+            </a:extLst>
+          </p:cNvPr>
+          <p:cNvSpPr/>
+          <p:nvPr/>
+        </p:nvSpPr>
+        <p:spPr>
+          <a:xfrm>
+            <a:off x="6270185" y="5288276"/>
             <a:ext cx="2129425" cy="461665"/>
           </a:xfrm>
           <a:prstGeom prst="roundRect">
@@ -5105,20 +5336,20 @@
       </p:sp>
       <p:sp>
         <p:nvSpPr>
-          <p:cNvPr id="19" name="Rectángulo: esquinas redondeadas 18">
-            <a:hlinkClick r:id="rId7" action="ppaction://hlinksldjump"/>
-            <a:extLst>
-              <a:ext uri="{FF2B5EF4-FFF2-40B4-BE49-F238E27FC236}">
-                <a16:creationId xmlns:a16="http://schemas.microsoft.com/office/drawing/2014/main" id="{8C7F91B9-E9DF-42CF-BCDD-F96026FDB40A}"/>
-              </a:ext>
-            </a:extLst>
-          </p:cNvPr>
-          <p:cNvSpPr/>
-          <p:nvPr/>
-        </p:nvSpPr>
-        <p:spPr>
-          <a:xfrm>
-            <a:off x="4233797" y="5129963"/>
+          <p:cNvPr id="39" name="Rectángulo: esquinas redondeadas 38">
+            <a:hlinkClick r:id="rId3" action="ppaction://hlinksldjump"/>
+            <a:extLst>
+              <a:ext uri="{FF2B5EF4-FFF2-40B4-BE49-F238E27FC236}">
+                <a16:creationId xmlns:a16="http://schemas.microsoft.com/office/drawing/2014/main" id="{BD12DBD7-0A41-4D75-A328-DC844229D095}"/>
+              </a:ext>
+            </a:extLst>
+          </p:cNvPr>
+          <p:cNvSpPr/>
+          <p:nvPr/>
+        </p:nvSpPr>
+        <p:spPr>
+          <a:xfrm>
+            <a:off x="3998734" y="5298622"/>
             <a:ext cx="2129425" cy="461665"/>
           </a:xfrm>
           <a:prstGeom prst="roundRect">
@@ -5155,7 +5386,7 @@
                   <a:schemeClr val="bg1"/>
                 </a:solidFill>
               </a:rPr>
-              <a:t>Listado de deuda</a:t>
+              <a:t>Volver</a:t>
             </a:r>
             <a:endParaRPr lang="es-BO" dirty="0">
               <a:solidFill>
@@ -5168,1045 +5399,7 @@
     </p:spTree>
     <p:extLst>
       <p:ext uri="{BB962C8B-B14F-4D97-AF65-F5344CB8AC3E}">
-        <p14:creationId xmlns:p14="http://schemas.microsoft.com/office/powerpoint/2010/main" val="423434780"/>
-      </p:ext>
-    </p:extLst>
-  </p:cSld>
-  <p:clrMapOvr>
-    <a:masterClrMapping/>
-  </p:clrMapOvr>
-</p:sld>
-</file>
-
-<file path=ppt/slides/slide12.xml><?xml version="1.0" encoding="utf-8"?>
-<p:sld xmlns:a="http://schemas.openxmlformats.org/drawingml/2006/main" xmlns:r="http://schemas.openxmlformats.org/officeDocument/2006/relationships" xmlns:p="http://schemas.openxmlformats.org/presentationml/2006/main">
-  <p:cSld>
-    <p:spTree>
-      <p:nvGrpSpPr>
-        <p:cNvPr id="1" name=""/>
-        <p:cNvGrpSpPr/>
-        <p:nvPr/>
-      </p:nvGrpSpPr>
-      <p:grpSpPr>
-        <a:xfrm>
-          <a:off x="0" y="0"/>
-          <a:ext cx="0" cy="0"/>
-          <a:chOff x="0" y="0"/>
-          <a:chExt cx="0" cy="0"/>
-        </a:xfrm>
-      </p:grpSpPr>
-      <p:sp>
-        <p:nvSpPr>
-          <p:cNvPr id="27" name="Rectángulo 26">
-            <a:extLst>
-              <a:ext uri="{FF2B5EF4-FFF2-40B4-BE49-F238E27FC236}">
-                <a16:creationId xmlns:a16="http://schemas.microsoft.com/office/drawing/2014/main" id="{DA43E656-8B1F-4501-B84C-C3D8D86D18BE}"/>
-              </a:ext>
-            </a:extLst>
-          </p:cNvPr>
-          <p:cNvSpPr/>
-          <p:nvPr/>
-        </p:nvSpPr>
-        <p:spPr>
-          <a:xfrm>
-            <a:off x="1959428" y="1828800"/>
-            <a:ext cx="8186057" cy="4634630"/>
-          </a:xfrm>
-          <a:prstGeom prst="rect">
-            <a:avLst/>
-          </a:prstGeom>
-          <a:solidFill>
-            <a:srgbClr val="E0E0E0"/>
-          </a:solidFill>
-        </p:spPr>
-        <p:style>
-          <a:lnRef idx="2">
-            <a:schemeClr val="accent1">
-              <a:shade val="50000"/>
-            </a:schemeClr>
-          </a:lnRef>
-          <a:fillRef idx="1">
-            <a:schemeClr val="accent1"/>
-          </a:fillRef>
-          <a:effectRef idx="0">
-            <a:schemeClr val="accent1"/>
-          </a:effectRef>
-          <a:fontRef idx="minor">
-            <a:schemeClr val="lt1"/>
-          </a:fontRef>
-        </p:style>
-        <p:txBody>
-          <a:bodyPr rtlCol="0" anchor="ctr"/>
-          <a:lstStyle/>
-          <a:p>
-            <a:pPr algn="ctr"/>
-            <a:endParaRPr lang="es-BO"/>
-          </a:p>
-        </p:txBody>
-      </p:sp>
-      <p:sp>
-        <p:nvSpPr>
-          <p:cNvPr id="4" name="CuadroTexto 3">
-            <a:extLst>
-              <a:ext uri="{FF2B5EF4-FFF2-40B4-BE49-F238E27FC236}">
-                <a16:creationId xmlns:a16="http://schemas.microsoft.com/office/drawing/2014/main" id="{BB32188C-1FEA-42B0-BD6B-0E06F06D4C94}"/>
-              </a:ext>
-            </a:extLst>
-          </p:cNvPr>
-          <p:cNvSpPr txBox="1"/>
-          <p:nvPr/>
-        </p:nvSpPr>
-        <p:spPr>
-          <a:xfrm>
-            <a:off x="1052186" y="413359"/>
-            <a:ext cx="3181611" cy="400110"/>
-          </a:xfrm>
-          <a:prstGeom prst="rect">
-            <a:avLst/>
-          </a:prstGeom>
-          <a:noFill/>
-        </p:spPr>
-        <p:txBody>
-          <a:bodyPr wrap="square" rtlCol="0">
-            <a:spAutoFit/>
-          </a:bodyPr>
-          <a:lstStyle/>
-          <a:p>
-            <a:r>
-              <a:rPr lang="es-MX" sz="2000" b="1" dirty="0"/>
-              <a:t>Consultar deuda</a:t>
-            </a:r>
-          </a:p>
-        </p:txBody>
-      </p:sp>
-      <p:sp>
-        <p:nvSpPr>
-          <p:cNvPr id="28" name="Rectángulo 27">
-            <a:hlinkClick r:id="rId2" action="ppaction://hlinksldjump"/>
-            <a:extLst>
-              <a:ext uri="{FF2B5EF4-FFF2-40B4-BE49-F238E27FC236}">
-                <a16:creationId xmlns:a16="http://schemas.microsoft.com/office/drawing/2014/main" id="{2C9359BB-3DE2-482D-B0F7-CD4CACC6243A}"/>
-              </a:ext>
-            </a:extLst>
-          </p:cNvPr>
-          <p:cNvSpPr/>
-          <p:nvPr/>
-        </p:nvSpPr>
-        <p:spPr>
-          <a:xfrm>
-            <a:off x="4120190" y="2382381"/>
-            <a:ext cx="1924101" cy="538619"/>
-          </a:xfrm>
-          <a:prstGeom prst="rect">
-            <a:avLst/>
-          </a:prstGeom>
-          <a:solidFill>
-            <a:srgbClr val="002060"/>
-          </a:solidFill>
-        </p:spPr>
-        <p:style>
-          <a:lnRef idx="2">
-            <a:schemeClr val="accent1">
-              <a:shade val="50000"/>
-            </a:schemeClr>
-          </a:lnRef>
-          <a:fillRef idx="1">
-            <a:schemeClr val="accent1"/>
-          </a:fillRef>
-          <a:effectRef idx="0">
-            <a:schemeClr val="accent1"/>
-          </a:effectRef>
-          <a:fontRef idx="minor">
-            <a:schemeClr val="lt1"/>
-          </a:fontRef>
-        </p:style>
-        <p:txBody>
-          <a:bodyPr rtlCol="0" anchor="ctr"/>
-          <a:lstStyle/>
-          <a:p>
-            <a:pPr algn="ctr"/>
-            <a:r>
-              <a:rPr lang="es-MX" dirty="0">
-                <a:solidFill>
-                  <a:schemeClr val="bg1"/>
-                </a:solidFill>
-              </a:rPr>
-              <a:t>Clientes</a:t>
-            </a:r>
-            <a:endParaRPr lang="es-BO" dirty="0">
-              <a:solidFill>
-                <a:schemeClr val="bg1"/>
-              </a:solidFill>
-            </a:endParaRPr>
-          </a:p>
-        </p:txBody>
-      </p:sp>
-      <p:sp>
-        <p:nvSpPr>
-          <p:cNvPr id="29" name="Rectángulo 28">
-            <a:hlinkClick r:id="rId3" action="ppaction://hlinksldjump"/>
-            <a:extLst>
-              <a:ext uri="{FF2B5EF4-FFF2-40B4-BE49-F238E27FC236}">
-                <a16:creationId xmlns:a16="http://schemas.microsoft.com/office/drawing/2014/main" id="{E91CA01D-11DA-4AE3-B73C-6F43BDC9CE1B}"/>
-              </a:ext>
-            </a:extLst>
-          </p:cNvPr>
-          <p:cNvSpPr/>
-          <p:nvPr/>
-        </p:nvSpPr>
-        <p:spPr>
-          <a:xfrm>
-            <a:off x="6044291" y="2382381"/>
-            <a:ext cx="1924101" cy="538619"/>
-          </a:xfrm>
-          <a:prstGeom prst="rect">
-            <a:avLst/>
-          </a:prstGeom>
-          <a:solidFill>
-            <a:srgbClr val="002060"/>
-          </a:solidFill>
-        </p:spPr>
-        <p:style>
-          <a:lnRef idx="2">
-            <a:schemeClr val="accent1">
-              <a:shade val="50000"/>
-            </a:schemeClr>
-          </a:lnRef>
-          <a:fillRef idx="1">
-            <a:schemeClr val="accent1"/>
-          </a:fillRef>
-          <a:effectRef idx="0">
-            <a:schemeClr val="accent1"/>
-          </a:effectRef>
-          <a:fontRef idx="minor">
-            <a:schemeClr val="lt1"/>
-          </a:fontRef>
-        </p:style>
-        <p:txBody>
-          <a:bodyPr rtlCol="0" anchor="ctr"/>
-          <a:lstStyle/>
-          <a:p>
-            <a:pPr algn="ctr"/>
-            <a:r>
-              <a:rPr lang="es-MX" dirty="0"/>
-              <a:t>Servicios</a:t>
-            </a:r>
-            <a:endParaRPr lang="es-BO" dirty="0"/>
-          </a:p>
-        </p:txBody>
-      </p:sp>
-      <p:sp>
-        <p:nvSpPr>
-          <p:cNvPr id="30" name="Rectángulo 29">
-            <a:hlinkClick r:id="rId4" action="ppaction://hlinksldjump"/>
-            <a:extLst>
-              <a:ext uri="{FF2B5EF4-FFF2-40B4-BE49-F238E27FC236}">
-                <a16:creationId xmlns:a16="http://schemas.microsoft.com/office/drawing/2014/main" id="{71D926D6-9BB2-46A8-937E-5070822B2168}"/>
-              </a:ext>
-            </a:extLst>
-          </p:cNvPr>
-          <p:cNvSpPr/>
-          <p:nvPr/>
-        </p:nvSpPr>
-        <p:spPr>
-          <a:xfrm>
-            <a:off x="7968392" y="2382381"/>
-            <a:ext cx="1924101" cy="538619"/>
-          </a:xfrm>
-          <a:prstGeom prst="rect">
-            <a:avLst/>
-          </a:prstGeom>
-          <a:solidFill>
-            <a:srgbClr val="002060"/>
-          </a:solidFill>
-        </p:spPr>
-        <p:style>
-          <a:lnRef idx="2">
-            <a:schemeClr val="accent1">
-              <a:shade val="50000"/>
-            </a:schemeClr>
-          </a:lnRef>
-          <a:fillRef idx="1">
-            <a:schemeClr val="accent1"/>
-          </a:fillRef>
-          <a:effectRef idx="0">
-            <a:schemeClr val="accent1"/>
-          </a:effectRef>
-          <a:fontRef idx="minor">
-            <a:schemeClr val="lt1"/>
-          </a:fontRef>
-        </p:style>
-        <p:txBody>
-          <a:bodyPr rtlCol="0" anchor="ctr"/>
-          <a:lstStyle/>
-          <a:p>
-            <a:pPr algn="ctr"/>
-            <a:r>
-              <a:rPr lang="es-MX" dirty="0"/>
-              <a:t>Pagar</a:t>
-            </a:r>
-            <a:endParaRPr lang="es-BO" dirty="0"/>
-          </a:p>
-        </p:txBody>
-      </p:sp>
-      <p:sp>
-        <p:nvSpPr>
-          <p:cNvPr id="31" name="Rectángulo 30">
-            <a:hlinkClick r:id="rId5" action="ppaction://hlinksldjump"/>
-            <a:extLst>
-              <a:ext uri="{FF2B5EF4-FFF2-40B4-BE49-F238E27FC236}">
-                <a16:creationId xmlns:a16="http://schemas.microsoft.com/office/drawing/2014/main" id="{0446A4AB-303E-496F-A628-9FA905CFC372}"/>
-              </a:ext>
-            </a:extLst>
-          </p:cNvPr>
-          <p:cNvSpPr/>
-          <p:nvPr/>
-        </p:nvSpPr>
-        <p:spPr>
-          <a:xfrm>
-            <a:off x="2196089" y="2382380"/>
-            <a:ext cx="1924101" cy="538619"/>
-          </a:xfrm>
-          <a:prstGeom prst="rect">
-            <a:avLst/>
-          </a:prstGeom>
-          <a:solidFill>
-            <a:srgbClr val="002060"/>
-          </a:solidFill>
-        </p:spPr>
-        <p:style>
-          <a:lnRef idx="2">
-            <a:schemeClr val="accent1">
-              <a:shade val="50000"/>
-            </a:schemeClr>
-          </a:lnRef>
-          <a:fillRef idx="1">
-            <a:schemeClr val="accent1"/>
-          </a:fillRef>
-          <a:effectRef idx="0">
-            <a:schemeClr val="accent1"/>
-          </a:effectRef>
-          <a:fontRef idx="minor">
-            <a:schemeClr val="lt1"/>
-          </a:fontRef>
-        </p:style>
-        <p:txBody>
-          <a:bodyPr rtlCol="0" anchor="ctr"/>
-          <a:lstStyle/>
-          <a:p>
-            <a:pPr algn="ctr"/>
-            <a:r>
-              <a:rPr lang="es-MX" dirty="0">
-                <a:solidFill>
-                  <a:schemeClr val="bg1"/>
-                </a:solidFill>
-              </a:rPr>
-              <a:t>Menú</a:t>
-            </a:r>
-            <a:endParaRPr lang="es-BO" dirty="0">
-              <a:solidFill>
-                <a:schemeClr val="bg1"/>
-              </a:solidFill>
-            </a:endParaRPr>
-          </a:p>
-        </p:txBody>
-      </p:sp>
-      <p:sp>
-        <p:nvSpPr>
-          <p:cNvPr id="12" name="Rectángulo 11">
-            <a:extLst>
-              <a:ext uri="{FF2B5EF4-FFF2-40B4-BE49-F238E27FC236}">
-                <a16:creationId xmlns:a16="http://schemas.microsoft.com/office/drawing/2014/main" id="{AE676555-AFA2-46E2-8F59-642F4687664E}"/>
-              </a:ext>
-            </a:extLst>
-          </p:cNvPr>
-          <p:cNvSpPr/>
-          <p:nvPr/>
-        </p:nvSpPr>
-        <p:spPr>
-          <a:xfrm>
-            <a:off x="3877488" y="3642522"/>
-            <a:ext cx="814647" cy="400110"/>
-          </a:xfrm>
-          <a:prstGeom prst="rect">
-            <a:avLst/>
-          </a:prstGeom>
-          <a:noFill/>
-        </p:spPr>
-        <p:txBody>
-          <a:bodyPr wrap="none" lIns="91440" tIns="45720" rIns="91440" bIns="45720">
-            <a:spAutoFit/>
-          </a:bodyPr>
-          <a:lstStyle/>
-          <a:p>
-            <a:pPr algn="ctr"/>
-            <a:r>
-              <a:rPr lang="es-ES" sz="2000" dirty="0">
-                <a:ln w="0"/>
-                <a:effectLst>
-                  <a:outerShdw blurRad="38100" dist="19050" dir="2700000" algn="tl" rotWithShape="0">
-                    <a:schemeClr val="dk1">
-                      <a:alpha val="40000"/>
-                    </a:schemeClr>
-                  </a:outerShdw>
-                </a:effectLst>
-                <a:latin typeface="+mj-lt"/>
-              </a:rPr>
-              <a:t>Mes 1</a:t>
-            </a:r>
-            <a:endParaRPr lang="es-ES" sz="5400" b="0" cap="none" spc="0" dirty="0">
-              <a:ln w="0"/>
-              <a:solidFill>
-                <a:schemeClr val="tx1"/>
-              </a:solidFill>
-              <a:effectLst>
-                <a:outerShdw blurRad="38100" dist="19050" dir="2700000" algn="tl" rotWithShape="0">
-                  <a:schemeClr val="dk1">
-                    <a:alpha val="40000"/>
-                  </a:schemeClr>
-                </a:outerShdw>
-              </a:effectLst>
-              <a:latin typeface="+mj-lt"/>
-            </a:endParaRPr>
-          </a:p>
-        </p:txBody>
-      </p:sp>
-      <p:sp>
-        <p:nvSpPr>
-          <p:cNvPr id="13" name="Rectángulo 12">
-            <a:extLst>
-              <a:ext uri="{FF2B5EF4-FFF2-40B4-BE49-F238E27FC236}">
-                <a16:creationId xmlns:a16="http://schemas.microsoft.com/office/drawing/2014/main" id="{66ADAF2F-DEA0-46D0-BBD4-E2E37DCD1944}"/>
-              </a:ext>
-            </a:extLst>
-          </p:cNvPr>
-          <p:cNvSpPr/>
-          <p:nvPr/>
-        </p:nvSpPr>
-        <p:spPr>
-          <a:xfrm>
-            <a:off x="3877488" y="4121598"/>
-            <a:ext cx="814647" cy="400110"/>
-          </a:xfrm>
-          <a:prstGeom prst="rect">
-            <a:avLst/>
-          </a:prstGeom>
-          <a:noFill/>
-        </p:spPr>
-        <p:txBody>
-          <a:bodyPr wrap="none" lIns="91440" tIns="45720" rIns="91440" bIns="45720">
-            <a:spAutoFit/>
-          </a:bodyPr>
-          <a:lstStyle/>
-          <a:p>
-            <a:pPr algn="ctr"/>
-            <a:r>
-              <a:rPr lang="es-ES" sz="2000" b="0" cap="none" spc="0" dirty="0">
-                <a:ln w="0"/>
-                <a:solidFill>
-                  <a:schemeClr val="tx1"/>
-                </a:solidFill>
-                <a:effectLst>
-                  <a:outerShdw blurRad="38100" dist="19050" dir="2700000" algn="tl" rotWithShape="0">
-                    <a:schemeClr val="dk1">
-                      <a:alpha val="40000"/>
-                    </a:schemeClr>
-                  </a:outerShdw>
-                </a:effectLst>
-                <a:latin typeface="+mj-lt"/>
-              </a:rPr>
-              <a:t>Mes 2</a:t>
-            </a:r>
-            <a:endParaRPr lang="es-ES" sz="5400" b="0" cap="none" spc="0" dirty="0">
-              <a:ln w="0"/>
-              <a:solidFill>
-                <a:schemeClr val="tx1"/>
-              </a:solidFill>
-              <a:effectLst>
-                <a:outerShdw blurRad="38100" dist="19050" dir="2700000" algn="tl" rotWithShape="0">
-                  <a:schemeClr val="dk1">
-                    <a:alpha val="40000"/>
-                  </a:schemeClr>
-                </a:outerShdw>
-              </a:effectLst>
-              <a:latin typeface="+mj-lt"/>
-            </a:endParaRPr>
-          </a:p>
-        </p:txBody>
-      </p:sp>
-      <p:sp>
-        <p:nvSpPr>
-          <p:cNvPr id="14" name="Rectángulo 13">
-            <a:extLst>
-              <a:ext uri="{FF2B5EF4-FFF2-40B4-BE49-F238E27FC236}">
-                <a16:creationId xmlns:a16="http://schemas.microsoft.com/office/drawing/2014/main" id="{ABF300B1-65BD-42B5-9AD8-9FDAB1696F02}"/>
-              </a:ext>
-            </a:extLst>
-          </p:cNvPr>
-          <p:cNvSpPr/>
-          <p:nvPr/>
-        </p:nvSpPr>
-        <p:spPr>
-          <a:xfrm>
-            <a:off x="3877488" y="4610696"/>
-            <a:ext cx="817853" cy="400110"/>
-          </a:xfrm>
-          <a:prstGeom prst="rect">
-            <a:avLst/>
-          </a:prstGeom>
-          <a:noFill/>
-        </p:spPr>
-        <p:txBody>
-          <a:bodyPr wrap="none" lIns="91440" tIns="45720" rIns="91440" bIns="45720">
-            <a:spAutoFit/>
-          </a:bodyPr>
-          <a:lstStyle/>
-          <a:p>
-            <a:pPr algn="ctr"/>
-            <a:r>
-              <a:rPr lang="es-ES" sz="2000" dirty="0">
-                <a:ln w="0"/>
-                <a:effectLst>
-                  <a:outerShdw blurRad="38100" dist="19050" dir="2700000" algn="tl" rotWithShape="0">
-                    <a:schemeClr val="dk1">
-                      <a:alpha val="40000"/>
-                    </a:schemeClr>
-                  </a:outerShdw>
-                </a:effectLst>
-                <a:latin typeface="+mj-lt"/>
-              </a:rPr>
-              <a:t>Mes n</a:t>
-            </a:r>
-            <a:endParaRPr lang="es-ES" sz="5400" b="0" cap="none" spc="0" dirty="0">
-              <a:ln w="0"/>
-              <a:solidFill>
-                <a:schemeClr val="tx1"/>
-              </a:solidFill>
-              <a:effectLst>
-                <a:outerShdw blurRad="38100" dist="19050" dir="2700000" algn="tl" rotWithShape="0">
-                  <a:schemeClr val="dk1">
-                    <a:alpha val="40000"/>
-                  </a:schemeClr>
-                </a:outerShdw>
-              </a:effectLst>
-              <a:latin typeface="+mj-lt"/>
-            </a:endParaRPr>
-          </a:p>
-        </p:txBody>
-      </p:sp>
-      <p:sp>
-        <p:nvSpPr>
-          <p:cNvPr id="15" name="Rectángulo: esquinas redondeadas 14">
-            <a:extLst>
-              <a:ext uri="{FF2B5EF4-FFF2-40B4-BE49-F238E27FC236}">
-                <a16:creationId xmlns:a16="http://schemas.microsoft.com/office/drawing/2014/main" id="{DD95A902-E63D-4A12-B65D-22E6EEAB9B5B}"/>
-              </a:ext>
-            </a:extLst>
-          </p:cNvPr>
-          <p:cNvSpPr/>
-          <p:nvPr/>
-        </p:nvSpPr>
-        <p:spPr>
-          <a:xfrm>
-            <a:off x="4853480" y="3642522"/>
-            <a:ext cx="2968668" cy="369941"/>
-          </a:xfrm>
-          <a:prstGeom prst="roundRect">
-            <a:avLst/>
-          </a:prstGeom>
-          <a:solidFill>
-            <a:srgbClr val="FFFFFF"/>
-          </a:solidFill>
-        </p:spPr>
-        <p:style>
-          <a:lnRef idx="2">
-            <a:schemeClr val="accent1">
-              <a:shade val="50000"/>
-            </a:schemeClr>
-          </a:lnRef>
-          <a:fillRef idx="1">
-            <a:schemeClr val="accent1"/>
-          </a:fillRef>
-          <a:effectRef idx="0">
-            <a:schemeClr val="accent1"/>
-          </a:effectRef>
-          <a:fontRef idx="minor">
-            <a:schemeClr val="lt1"/>
-          </a:fontRef>
-        </p:style>
-        <p:txBody>
-          <a:bodyPr rtlCol="0" anchor="ctr"/>
-          <a:lstStyle/>
-          <a:p>
-            <a:pPr algn="ctr"/>
-            <a:endParaRPr lang="es-BO" dirty="0"/>
-          </a:p>
-        </p:txBody>
-      </p:sp>
-      <p:sp>
-        <p:nvSpPr>
-          <p:cNvPr id="16" name="Rectángulo: esquinas redondeadas 15">
-            <a:extLst>
-              <a:ext uri="{FF2B5EF4-FFF2-40B4-BE49-F238E27FC236}">
-                <a16:creationId xmlns:a16="http://schemas.microsoft.com/office/drawing/2014/main" id="{F426A1A8-EACF-4F7E-A969-2246BDEAC2C5}"/>
-              </a:ext>
-            </a:extLst>
-          </p:cNvPr>
-          <p:cNvSpPr/>
-          <p:nvPr/>
-        </p:nvSpPr>
-        <p:spPr>
-          <a:xfrm>
-            <a:off x="4853480" y="4121598"/>
-            <a:ext cx="2968668" cy="369941"/>
-          </a:xfrm>
-          <a:prstGeom prst="roundRect">
-            <a:avLst/>
-          </a:prstGeom>
-          <a:solidFill>
-            <a:srgbClr val="FFFFFF"/>
-          </a:solidFill>
-        </p:spPr>
-        <p:style>
-          <a:lnRef idx="2">
-            <a:schemeClr val="accent1">
-              <a:shade val="50000"/>
-            </a:schemeClr>
-          </a:lnRef>
-          <a:fillRef idx="1">
-            <a:schemeClr val="accent1"/>
-          </a:fillRef>
-          <a:effectRef idx="0">
-            <a:schemeClr val="accent1"/>
-          </a:effectRef>
-          <a:fontRef idx="minor">
-            <a:schemeClr val="lt1"/>
-          </a:fontRef>
-        </p:style>
-        <p:txBody>
-          <a:bodyPr rtlCol="0" anchor="ctr"/>
-          <a:lstStyle/>
-          <a:p>
-            <a:pPr algn="ctr"/>
-            <a:endParaRPr lang="es-BO" dirty="0"/>
-          </a:p>
-        </p:txBody>
-      </p:sp>
-      <p:sp>
-        <p:nvSpPr>
-          <p:cNvPr id="17" name="Rectángulo: esquinas redondeadas 16">
-            <a:extLst>
-              <a:ext uri="{FF2B5EF4-FFF2-40B4-BE49-F238E27FC236}">
-                <a16:creationId xmlns:a16="http://schemas.microsoft.com/office/drawing/2014/main" id="{D4324434-D54C-4105-9DBD-79C4B8BFE5E3}"/>
-              </a:ext>
-            </a:extLst>
-          </p:cNvPr>
-          <p:cNvSpPr/>
-          <p:nvPr/>
-        </p:nvSpPr>
-        <p:spPr>
-          <a:xfrm>
-            <a:off x="4853480" y="4610696"/>
-            <a:ext cx="2968668" cy="369941"/>
-          </a:xfrm>
-          <a:prstGeom prst="roundRect">
-            <a:avLst/>
-          </a:prstGeom>
-          <a:solidFill>
-            <a:srgbClr val="FFFFFF"/>
-          </a:solidFill>
-        </p:spPr>
-        <p:style>
-          <a:lnRef idx="2">
-            <a:schemeClr val="accent1">
-              <a:shade val="50000"/>
-            </a:schemeClr>
-          </a:lnRef>
-          <a:fillRef idx="1">
-            <a:schemeClr val="accent1"/>
-          </a:fillRef>
-          <a:effectRef idx="0">
-            <a:schemeClr val="accent1"/>
-          </a:effectRef>
-          <a:fontRef idx="minor">
-            <a:schemeClr val="lt1"/>
-          </a:fontRef>
-        </p:style>
-        <p:txBody>
-          <a:bodyPr rtlCol="0" anchor="ctr"/>
-          <a:lstStyle/>
-          <a:p>
-            <a:pPr algn="ctr"/>
-            <a:endParaRPr lang="es-BO" dirty="0"/>
-          </a:p>
-        </p:txBody>
-      </p:sp>
-      <p:sp>
-        <p:nvSpPr>
-          <p:cNvPr id="18" name="Rectángulo: esquinas redondeadas 17">
-            <a:hlinkClick r:id="rId6" action="ppaction://hlinksldjump"/>
-            <a:extLst>
-              <a:ext uri="{FF2B5EF4-FFF2-40B4-BE49-F238E27FC236}">
-                <a16:creationId xmlns:a16="http://schemas.microsoft.com/office/drawing/2014/main" id="{3CEF80E7-CFD3-4DA8-A103-387A5987F6EB}"/>
-              </a:ext>
-            </a:extLst>
-          </p:cNvPr>
-          <p:cNvSpPr/>
-          <p:nvPr/>
-        </p:nvSpPr>
-        <p:spPr>
-          <a:xfrm>
-            <a:off x="6492253" y="5129963"/>
-            <a:ext cx="2129425" cy="461665"/>
-          </a:xfrm>
-          <a:prstGeom prst="roundRect">
-            <a:avLst/>
-          </a:prstGeom>
-          <a:solidFill>
-            <a:srgbClr val="002060"/>
-          </a:solidFill>
-        </p:spPr>
-        <p:style>
-          <a:lnRef idx="2">
-            <a:schemeClr val="accent1">
-              <a:shade val="50000"/>
-            </a:schemeClr>
-          </a:lnRef>
-          <a:fillRef idx="1">
-            <a:schemeClr val="accent1"/>
-          </a:fillRef>
-          <a:effectRef idx="0">
-            <a:schemeClr val="accent1"/>
-          </a:effectRef>
-          <a:fontRef idx="minor">
-            <a:schemeClr val="lt1"/>
-          </a:fontRef>
-        </p:style>
-        <p:txBody>
-          <a:bodyPr rtlCol="0" anchor="ctr"/>
-          <a:lstStyle/>
-          <a:p>
-            <a:pPr algn="ctr"/>
-            <a:r>
-              <a:rPr lang="es-MX" dirty="0">
-                <a:solidFill>
-                  <a:schemeClr val="bg1"/>
-                </a:solidFill>
-              </a:rPr>
-              <a:t>Volver</a:t>
-            </a:r>
-            <a:endParaRPr lang="es-BO" dirty="0">
-              <a:solidFill>
-                <a:schemeClr val="bg1"/>
-              </a:solidFill>
-            </a:endParaRPr>
-          </a:p>
-        </p:txBody>
-      </p:sp>
-    </p:spTree>
-    <p:extLst>
-      <p:ext uri="{BB962C8B-B14F-4D97-AF65-F5344CB8AC3E}">
-        <p14:creationId xmlns:p14="http://schemas.microsoft.com/office/powerpoint/2010/main" val="883465266"/>
-      </p:ext>
-    </p:extLst>
-  </p:cSld>
-  <p:clrMapOvr>
-    <a:masterClrMapping/>
-  </p:clrMapOvr>
-</p:sld>
-</file>
-
-<file path=ppt/slides/slide13.xml><?xml version="1.0" encoding="utf-8"?>
-<p:sld xmlns:a="http://schemas.openxmlformats.org/drawingml/2006/main" xmlns:r="http://schemas.openxmlformats.org/officeDocument/2006/relationships" xmlns:p="http://schemas.openxmlformats.org/presentationml/2006/main">
-  <p:cSld>
-    <p:spTree>
-      <p:nvGrpSpPr>
-        <p:cNvPr id="1" name=""/>
-        <p:cNvGrpSpPr/>
-        <p:nvPr/>
-      </p:nvGrpSpPr>
-      <p:grpSpPr>
-        <a:xfrm>
-          <a:off x="0" y="0"/>
-          <a:ext cx="0" cy="0"/>
-          <a:chOff x="0" y="0"/>
-          <a:chExt cx="0" cy="0"/>
-        </a:xfrm>
-      </p:grpSpPr>
-      <p:sp>
-        <p:nvSpPr>
-          <p:cNvPr id="21" name="Rectángulo 20">
-            <a:extLst>
-              <a:ext uri="{FF2B5EF4-FFF2-40B4-BE49-F238E27FC236}">
-                <a16:creationId xmlns:a16="http://schemas.microsoft.com/office/drawing/2014/main" id="{E62F1955-4886-495B-B3A5-9204817AD2B2}"/>
-              </a:ext>
-            </a:extLst>
-          </p:cNvPr>
-          <p:cNvSpPr/>
-          <p:nvPr/>
-        </p:nvSpPr>
-        <p:spPr>
-          <a:xfrm>
-            <a:off x="1959428" y="1729839"/>
-            <a:ext cx="8186057" cy="4733591"/>
-          </a:xfrm>
-          <a:prstGeom prst="rect">
-            <a:avLst/>
-          </a:prstGeom>
-          <a:solidFill>
-            <a:srgbClr val="E0E0E0"/>
-          </a:solidFill>
-        </p:spPr>
-        <p:style>
-          <a:lnRef idx="2">
-            <a:schemeClr val="accent1">
-              <a:shade val="50000"/>
-            </a:schemeClr>
-          </a:lnRef>
-          <a:fillRef idx="1">
-            <a:schemeClr val="accent1"/>
-          </a:fillRef>
-          <a:effectRef idx="0">
-            <a:schemeClr val="accent1"/>
-          </a:effectRef>
-          <a:fontRef idx="minor">
-            <a:schemeClr val="lt1"/>
-          </a:fontRef>
-        </p:style>
-        <p:txBody>
-          <a:bodyPr rtlCol="0" anchor="ctr"/>
-          <a:lstStyle/>
-          <a:p>
-            <a:pPr algn="ctr"/>
-            <a:endParaRPr lang="es-BO"/>
-          </a:p>
-        </p:txBody>
-      </p:sp>
-      <p:sp>
-        <p:nvSpPr>
-          <p:cNvPr id="20" name="CuadroTexto 19">
-            <a:extLst>
-              <a:ext uri="{FF2B5EF4-FFF2-40B4-BE49-F238E27FC236}">
-                <a16:creationId xmlns:a16="http://schemas.microsoft.com/office/drawing/2014/main" id="{BEF01F74-BECA-48F3-BD80-9D6EC810A60A}"/>
-              </a:ext>
-            </a:extLst>
-          </p:cNvPr>
-          <p:cNvSpPr txBox="1"/>
-          <p:nvPr/>
-        </p:nvSpPr>
-        <p:spPr>
-          <a:xfrm>
-            <a:off x="3048000" y="1939115"/>
-            <a:ext cx="6096000" cy="4524315"/>
-          </a:xfrm>
-          <a:prstGeom prst="rect">
-            <a:avLst/>
-          </a:prstGeom>
-          <a:noFill/>
-        </p:spPr>
-        <p:txBody>
-          <a:bodyPr wrap="square">
-            <a:spAutoFit/>
-          </a:bodyPr>
-          <a:lstStyle/>
-          <a:p>
-            <a:r>
-              <a:rPr lang="es-BO" dirty="0"/>
-              <a:t>Proveedor:      </a:t>
-            </a:r>
-            <a:r>
-              <a:rPr lang="es-BO" dirty="0" err="1"/>
-              <a:t>StreamingService</a:t>
-            </a:r>
-            <a:r>
-              <a:rPr lang="es-BO" dirty="0"/>
-              <a:t> Inc.</a:t>
-            </a:r>
-          </a:p>
-          <a:p>
-            <a:r>
-              <a:rPr lang="es-BO" dirty="0"/>
-              <a:t>Cliente:        Israel Ordoñez</a:t>
-            </a:r>
-          </a:p>
-          <a:p>
-            <a:r>
-              <a:rPr lang="es-BO" dirty="0"/>
-              <a:t>Factura No.:    00123</a:t>
-            </a:r>
-          </a:p>
-          <a:p>
-            <a:r>
-              <a:rPr lang="es-BO" dirty="0"/>
-              <a:t>Fecha de emisión: 01/07/2024</a:t>
-            </a:r>
-          </a:p>
-          <a:p>
-            <a:endParaRPr lang="es-BO" dirty="0"/>
-          </a:p>
-          <a:p>
-            <a:r>
-              <a:rPr lang="es-BO" b="1" u="sng" dirty="0"/>
-              <a:t>Descripción del Servicio:</a:t>
-            </a:r>
-          </a:p>
-          <a:p>
-            <a:r>
-              <a:rPr lang="es-BO" dirty="0"/>
-              <a:t>Servicio:       Plan Familiar</a:t>
-            </a:r>
-          </a:p>
-          <a:p>
-            <a:r>
-              <a:rPr lang="es-BO" dirty="0"/>
-              <a:t>Periodo:        01/07/2024 - 31/07/2024</a:t>
-            </a:r>
-          </a:p>
-          <a:p>
-            <a:r>
-              <a:rPr lang="es-BO" dirty="0"/>
-              <a:t>Frecuencia:     Mensual</a:t>
-            </a:r>
-          </a:p>
-          <a:p>
-            <a:r>
-              <a:rPr lang="es-BO" dirty="0"/>
-              <a:t>Monto:          0.00</a:t>
-            </a:r>
-          </a:p>
-          <a:p>
-            <a:endParaRPr lang="es-BO" dirty="0"/>
-          </a:p>
-          <a:p>
-            <a:r>
-              <a:rPr lang="es-BO" b="1" u="sng" dirty="0"/>
-              <a:t>Desglose de Pagos y Deudas:</a:t>
-            </a:r>
-          </a:p>
-          <a:p>
-            <a:r>
-              <a:rPr lang="es-BO" dirty="0"/>
-              <a:t>Deuda pendiente:    0.00</a:t>
-            </a:r>
-          </a:p>
-          <a:p>
-            <a:r>
-              <a:rPr lang="es-BO" dirty="0"/>
-              <a:t>Monto del periodo:  0.00</a:t>
-            </a:r>
-          </a:p>
-          <a:p>
-            <a:r>
-              <a:rPr lang="es-BO" dirty="0"/>
-              <a:t>TOTAL A PAGAR:  0.00</a:t>
-            </a:r>
-          </a:p>
-          <a:p>
-            <a:endParaRPr lang="es-BO" dirty="0"/>
-          </a:p>
-        </p:txBody>
-      </p:sp>
-      <p:sp>
-        <p:nvSpPr>
-          <p:cNvPr id="4" name="CuadroTexto 3">
-            <a:extLst>
-              <a:ext uri="{FF2B5EF4-FFF2-40B4-BE49-F238E27FC236}">
-                <a16:creationId xmlns:a16="http://schemas.microsoft.com/office/drawing/2014/main" id="{BB32188C-1FEA-42B0-BD6B-0E06F06D4C94}"/>
-              </a:ext>
-            </a:extLst>
-          </p:cNvPr>
-          <p:cNvSpPr txBox="1"/>
-          <p:nvPr/>
-        </p:nvSpPr>
-        <p:spPr>
-          <a:xfrm>
-            <a:off x="1052186" y="413359"/>
-            <a:ext cx="3181611" cy="400110"/>
-          </a:xfrm>
-          <a:prstGeom prst="rect">
-            <a:avLst/>
-          </a:prstGeom>
-          <a:noFill/>
-        </p:spPr>
-        <p:txBody>
-          <a:bodyPr wrap="square" rtlCol="0">
-            <a:spAutoFit/>
-          </a:bodyPr>
-          <a:lstStyle/>
-          <a:p>
-            <a:r>
-              <a:rPr lang="es-MX" sz="2000" b="1" dirty="0"/>
-              <a:t>Imprimir Factura</a:t>
-            </a:r>
-          </a:p>
-        </p:txBody>
-      </p:sp>
-      <p:sp>
-        <p:nvSpPr>
-          <p:cNvPr id="18" name="Rectángulo: esquinas redondeadas 17">
-            <a:hlinkClick r:id="rId2" action="ppaction://hlinksldjump"/>
-            <a:extLst>
-              <a:ext uri="{FF2B5EF4-FFF2-40B4-BE49-F238E27FC236}">
-                <a16:creationId xmlns:a16="http://schemas.microsoft.com/office/drawing/2014/main" id="{3CEF80E7-CFD3-4DA8-A103-387A5987F6EB}"/>
-              </a:ext>
-            </a:extLst>
-          </p:cNvPr>
-          <p:cNvSpPr/>
-          <p:nvPr/>
-        </p:nvSpPr>
-        <p:spPr>
-          <a:xfrm>
-            <a:off x="7014575" y="5933398"/>
-            <a:ext cx="2129425" cy="461665"/>
-          </a:xfrm>
-          <a:prstGeom prst="roundRect">
-            <a:avLst/>
-          </a:prstGeom>
-          <a:solidFill>
-            <a:srgbClr val="002060"/>
-          </a:solidFill>
-        </p:spPr>
-        <p:style>
-          <a:lnRef idx="2">
-            <a:schemeClr val="accent1">
-              <a:shade val="50000"/>
-            </a:schemeClr>
-          </a:lnRef>
-          <a:fillRef idx="1">
-            <a:schemeClr val="accent1"/>
-          </a:fillRef>
-          <a:effectRef idx="0">
-            <a:schemeClr val="accent1"/>
-          </a:effectRef>
-          <a:fontRef idx="minor">
-            <a:schemeClr val="lt1"/>
-          </a:fontRef>
-        </p:style>
-        <p:txBody>
-          <a:bodyPr rtlCol="0" anchor="ctr"/>
-          <a:lstStyle/>
-          <a:p>
-            <a:pPr algn="ctr"/>
-            <a:r>
-              <a:rPr lang="es-MX" dirty="0">
-                <a:solidFill>
-                  <a:schemeClr val="bg1"/>
-                </a:solidFill>
-              </a:rPr>
-              <a:t>Imprimir Factura</a:t>
-            </a:r>
-            <a:endParaRPr lang="es-BO" dirty="0">
-              <a:solidFill>
-                <a:schemeClr val="bg1"/>
-              </a:solidFill>
-            </a:endParaRPr>
-          </a:p>
-        </p:txBody>
-      </p:sp>
-    </p:spTree>
-    <p:extLst>
-      <p:ext uri="{BB962C8B-B14F-4D97-AF65-F5344CB8AC3E}">
-        <p14:creationId xmlns:p14="http://schemas.microsoft.com/office/powerpoint/2010/main" val="2420002074"/>
+        <p14:creationId xmlns:p14="http://schemas.microsoft.com/office/powerpoint/2010/main" val="419573800"/>
       </p:ext>
     </p:extLst>
   </p:cSld>
@@ -6373,8 +5566,8 @@
         </p:nvSpPr>
         <p:spPr>
           <a:xfrm>
-            <a:off x="3556912" y="2891211"/>
-            <a:ext cx="896720" cy="400110"/>
+            <a:off x="3458968" y="3585482"/>
+            <a:ext cx="978153" cy="400110"/>
           </a:xfrm>
           <a:prstGeom prst="rect">
             <a:avLst/>
@@ -6389,8 +5582,11 @@
           <a:p>
             <a:pPr algn="ctr"/>
             <a:r>
-              <a:rPr lang="es-ES" sz="2000" dirty="0">
+              <a:rPr lang="es-ES" sz="2000" b="0" cap="none" spc="0" dirty="0">
                 <a:ln w="0"/>
+                <a:solidFill>
+                  <a:schemeClr val="tx1"/>
+                </a:solidFill>
                 <a:effectLst>
                   <a:outerShdw blurRad="38100" dist="19050" dir="2700000" algn="tl" rotWithShape="0">
                     <a:schemeClr val="dk1">
@@ -6400,7 +5596,7 @@
                 </a:effectLst>
                 <a:latin typeface="+mj-lt"/>
               </a:rPr>
-              <a:t>Código</a:t>
+              <a:t>Usuario</a:t>
             </a:r>
             <a:endParaRPr lang="es-ES" sz="5400" b="0" cap="none" spc="0" dirty="0">
               <a:ln w="0"/>
@@ -6421,126 +5617,6 @@
       </p:sp>
       <p:sp>
         <p:nvSpPr>
-          <p:cNvPr id="13" name="Rectángulo 12">
-            <a:extLst>
-              <a:ext uri="{FF2B5EF4-FFF2-40B4-BE49-F238E27FC236}">
-                <a16:creationId xmlns:a16="http://schemas.microsoft.com/office/drawing/2014/main" id="{8EE86E8B-E3FF-4CB7-97F2-77F9FA353CF6}"/>
-              </a:ext>
-            </a:extLst>
-          </p:cNvPr>
-          <p:cNvSpPr/>
-          <p:nvPr/>
-        </p:nvSpPr>
-        <p:spPr>
-          <a:xfrm>
-            <a:off x="3556912" y="3393781"/>
-            <a:ext cx="1028872" cy="400110"/>
-          </a:xfrm>
-          <a:prstGeom prst="rect">
-            <a:avLst/>
-          </a:prstGeom>
-          <a:noFill/>
-        </p:spPr>
-        <p:txBody>
-          <a:bodyPr wrap="none" lIns="91440" tIns="45720" rIns="91440" bIns="45720">
-            <a:spAutoFit/>
-          </a:bodyPr>
-          <a:lstStyle/>
-          <a:p>
-            <a:pPr algn="ctr"/>
-            <a:r>
-              <a:rPr lang="es-ES" sz="2000" dirty="0">
-                <a:ln w="0"/>
-                <a:effectLst>
-                  <a:outerShdw blurRad="38100" dist="19050" dir="2700000" algn="tl" rotWithShape="0">
-                    <a:schemeClr val="dk1">
-                      <a:alpha val="40000"/>
-                    </a:schemeClr>
-                  </a:outerShdw>
-                </a:effectLst>
-                <a:latin typeface="+mj-lt"/>
-              </a:rPr>
-              <a:t>Nombre</a:t>
-            </a:r>
-            <a:endParaRPr lang="es-ES" sz="5400" b="0" cap="none" spc="0" dirty="0">
-              <a:ln w="0"/>
-              <a:solidFill>
-                <a:schemeClr val="tx1"/>
-              </a:solidFill>
-              <a:effectLst>
-                <a:outerShdw blurRad="38100" dist="19050" dir="2700000" algn="tl" rotWithShape="0">
-                  <a:schemeClr val="dk1">
-                    <a:alpha val="40000"/>
-                  </a:schemeClr>
-                </a:outerShdw>
-              </a:effectLst>
-              <a:latin typeface="+mj-lt"/>
-            </a:endParaRPr>
-          </a:p>
-        </p:txBody>
-      </p:sp>
-      <p:sp>
-        <p:nvSpPr>
-          <p:cNvPr id="17" name="Rectángulo 16">
-            <a:extLst>
-              <a:ext uri="{FF2B5EF4-FFF2-40B4-BE49-F238E27FC236}">
-                <a16:creationId xmlns:a16="http://schemas.microsoft.com/office/drawing/2014/main" id="{C7208D6F-2F5E-4D37-B636-320E77B7C3D5}"/>
-              </a:ext>
-            </a:extLst>
-          </p:cNvPr>
-          <p:cNvSpPr/>
-          <p:nvPr/>
-        </p:nvSpPr>
-        <p:spPr>
-          <a:xfrm>
-            <a:off x="3556912" y="3874469"/>
-            <a:ext cx="1023037" cy="400110"/>
-          </a:xfrm>
-          <a:prstGeom prst="rect">
-            <a:avLst/>
-          </a:prstGeom>
-          <a:noFill/>
-        </p:spPr>
-        <p:txBody>
-          <a:bodyPr wrap="none" lIns="91440" tIns="45720" rIns="91440" bIns="45720">
-            <a:spAutoFit/>
-          </a:bodyPr>
-          <a:lstStyle/>
-          <a:p>
-            <a:pPr algn="ctr"/>
-            <a:r>
-              <a:rPr lang="es-ES" sz="2000" dirty="0">
-                <a:ln w="0"/>
-                <a:effectLst>
-                  <a:outerShdw blurRad="38100" dist="19050" dir="2700000" algn="tl" rotWithShape="0">
-                    <a:schemeClr val="dk1">
-                      <a:alpha val="40000"/>
-                    </a:schemeClr>
-                  </a:outerShdw>
-                </a:effectLst>
-                <a:latin typeface="+mj-lt"/>
-              </a:rPr>
-              <a:t>Apellido</a:t>
-            </a:r>
-            <a:endParaRPr lang="es-ES" sz="5400" b="0" cap="none" spc="0" dirty="0">
-              <a:ln w="0"/>
-              <a:solidFill>
-                <a:schemeClr val="tx1"/>
-              </a:solidFill>
-              <a:effectLst>
-                <a:outerShdw blurRad="38100" dist="19050" dir="2700000" algn="tl" rotWithShape="0">
-                  <a:schemeClr val="dk1">
-                    <a:alpha val="40000"/>
-                  </a:schemeClr>
-                </a:outerShdw>
-              </a:effectLst>
-              <a:latin typeface="+mj-lt"/>
-            </a:endParaRPr>
-          </a:p>
-        </p:txBody>
-      </p:sp>
-      <p:sp>
-        <p:nvSpPr>
           <p:cNvPr id="19" name="Rectángulo 18">
             <a:extLst>
               <a:ext uri="{FF2B5EF4-FFF2-40B4-BE49-F238E27FC236}">
@@ -6553,7 +5629,7 @@
         </p:nvSpPr>
         <p:spPr>
           <a:xfrm>
-            <a:off x="3556912" y="4828513"/>
+            <a:off x="3458968" y="4153016"/>
             <a:ext cx="1353769" cy="400110"/>
           </a:xfrm>
           <a:prstGeom prst="rect">
@@ -6604,66 +5680,6 @@
       </p:sp>
       <p:sp>
         <p:nvSpPr>
-          <p:cNvPr id="20" name="Rectángulo 19">
-            <a:extLst>
-              <a:ext uri="{FF2B5EF4-FFF2-40B4-BE49-F238E27FC236}">
-                <a16:creationId xmlns:a16="http://schemas.microsoft.com/office/drawing/2014/main" id="{B96E65A4-7A8D-4C4D-AA05-D507F0CAD6B3}"/>
-              </a:ext>
-            </a:extLst>
-          </p:cNvPr>
-          <p:cNvSpPr/>
-          <p:nvPr/>
-        </p:nvSpPr>
-        <p:spPr>
-          <a:xfrm>
-            <a:off x="3556912" y="4351491"/>
-            <a:ext cx="1064137" cy="400110"/>
-          </a:xfrm>
-          <a:prstGeom prst="rect">
-            <a:avLst/>
-          </a:prstGeom>
-          <a:noFill/>
-        </p:spPr>
-        <p:txBody>
-          <a:bodyPr wrap="none" lIns="91440" tIns="45720" rIns="91440" bIns="45720">
-            <a:spAutoFit/>
-          </a:bodyPr>
-          <a:lstStyle/>
-          <a:p>
-            <a:pPr algn="ctr"/>
-            <a:r>
-              <a:rPr lang="es-ES" sz="2000" dirty="0">
-                <a:ln w="0"/>
-                <a:effectLst>
-                  <a:outerShdw blurRad="38100" dist="19050" dir="2700000" algn="tl" rotWithShape="0">
-                    <a:schemeClr val="dk1">
-                      <a:alpha val="40000"/>
-                    </a:schemeClr>
-                  </a:outerShdw>
-                </a:effectLst>
-                <a:latin typeface="+mj-lt"/>
-              </a:rPr>
-              <a:t>Teléfono</a:t>
-            </a:r>
-            <a:endParaRPr lang="es-ES" sz="5400" b="0" cap="none" spc="0" dirty="0">
-              <a:ln w="0"/>
-              <a:solidFill>
-                <a:schemeClr val="tx1"/>
-              </a:solidFill>
-              <a:effectLst>
-                <a:outerShdw blurRad="38100" dist="19050" dir="2700000" algn="tl" rotWithShape="0">
-                  <a:schemeClr val="dk1">
-                    <a:alpha val="40000"/>
-                  </a:schemeClr>
-                </a:outerShdw>
-              </a:effectLst>
-              <a:latin typeface="+mj-lt"/>
-            </a:endParaRPr>
-          </a:p>
-        </p:txBody>
-      </p:sp>
-      <p:sp>
-        <p:nvSpPr>
           <p:cNvPr id="21" name="Rectángulo: esquinas redondeadas 20">
             <a:extLst>
               <a:ext uri="{FF2B5EF4-FFF2-40B4-BE49-F238E27FC236}">
@@ -6676,7 +5692,7 @@
         </p:nvSpPr>
         <p:spPr>
           <a:xfrm>
-            <a:off x="4853480" y="2921380"/>
+            <a:off x="4796252" y="3615651"/>
             <a:ext cx="2968668" cy="369941"/>
           </a:xfrm>
           <a:prstGeom prst="roundRect">
@@ -6713,19 +5729,19 @@
       </p:sp>
       <p:sp>
         <p:nvSpPr>
-          <p:cNvPr id="22" name="Rectángulo: esquinas redondeadas 21">
-            <a:extLst>
-              <a:ext uri="{FF2B5EF4-FFF2-40B4-BE49-F238E27FC236}">
-                <a16:creationId xmlns:a16="http://schemas.microsoft.com/office/drawing/2014/main" id="{E1A3B91E-713F-4E4F-BCC0-883D19DA751D}"/>
-              </a:ext>
-            </a:extLst>
-          </p:cNvPr>
-          <p:cNvSpPr/>
-          <p:nvPr/>
-        </p:nvSpPr>
-        <p:spPr>
-          <a:xfrm>
-            <a:off x="4853480" y="3400456"/>
+          <p:cNvPr id="25" name="Rectángulo: esquinas redondeadas 24">
+            <a:extLst>
+              <a:ext uri="{FF2B5EF4-FFF2-40B4-BE49-F238E27FC236}">
+                <a16:creationId xmlns:a16="http://schemas.microsoft.com/office/drawing/2014/main" id="{15BA7442-95A4-4C18-8F22-F7CDD6DFF7A6}"/>
+              </a:ext>
+            </a:extLst>
+          </p:cNvPr>
+          <p:cNvSpPr/>
+          <p:nvPr/>
+        </p:nvSpPr>
+        <p:spPr>
+          <a:xfrm>
+            <a:off x="4812737" y="4183185"/>
             <a:ext cx="2968668" cy="369941"/>
           </a:xfrm>
           <a:prstGeom prst="roundRect">
@@ -6762,26 +5778,27 @@
       </p:sp>
       <p:sp>
         <p:nvSpPr>
-          <p:cNvPr id="23" name="Rectángulo: esquinas redondeadas 22">
-            <a:extLst>
-              <a:ext uri="{FF2B5EF4-FFF2-40B4-BE49-F238E27FC236}">
-                <a16:creationId xmlns:a16="http://schemas.microsoft.com/office/drawing/2014/main" id="{48A72FD5-D853-4649-B510-FEDCA19976A3}"/>
-              </a:ext>
-            </a:extLst>
-          </p:cNvPr>
-          <p:cNvSpPr/>
-          <p:nvPr/>
-        </p:nvSpPr>
-        <p:spPr>
-          <a:xfrm>
-            <a:off x="4853480" y="3889554"/>
-            <a:ext cx="2968668" cy="369941"/>
+          <p:cNvPr id="26" name="Rectángulo: esquinas redondeadas 25">
+            <a:hlinkClick r:id="rId3" action="ppaction://hlinksldjump"/>
+            <a:extLst>
+              <a:ext uri="{FF2B5EF4-FFF2-40B4-BE49-F238E27FC236}">
+                <a16:creationId xmlns:a16="http://schemas.microsoft.com/office/drawing/2014/main" id="{0FDEF162-6DA9-4037-8D4C-E38C658BDB4A}"/>
+              </a:ext>
+            </a:extLst>
+          </p:cNvPr>
+          <p:cNvSpPr/>
+          <p:nvPr/>
+        </p:nvSpPr>
+        <p:spPr>
+          <a:xfrm>
+            <a:off x="7517680" y="4902817"/>
+            <a:ext cx="2129425" cy="461665"/>
           </a:xfrm>
           <a:prstGeom prst="roundRect">
             <a:avLst/>
           </a:prstGeom>
           <a:solidFill>
-            <a:srgbClr val="FFFFFF"/>
+            <a:srgbClr val="002060"/>
           </a:solidFill>
         </p:spPr>
         <p:style>
@@ -6805,154 +5822,6 @@
           <a:lstStyle/>
           <a:p>
             <a:pPr algn="ctr"/>
-            <a:endParaRPr lang="es-BO" dirty="0"/>
-          </a:p>
-        </p:txBody>
-      </p:sp>
-      <p:sp>
-        <p:nvSpPr>
-          <p:cNvPr id="24" name="Rectángulo: esquinas redondeadas 23">
-            <a:extLst>
-              <a:ext uri="{FF2B5EF4-FFF2-40B4-BE49-F238E27FC236}">
-                <a16:creationId xmlns:a16="http://schemas.microsoft.com/office/drawing/2014/main" id="{8E86733C-D227-428A-AF90-8C8D82AC32AE}"/>
-              </a:ext>
-            </a:extLst>
-          </p:cNvPr>
-          <p:cNvSpPr/>
-          <p:nvPr/>
-        </p:nvSpPr>
-        <p:spPr>
-          <a:xfrm>
-            <a:off x="4853480" y="4380337"/>
-            <a:ext cx="2968668" cy="369941"/>
-          </a:xfrm>
-          <a:prstGeom prst="roundRect">
-            <a:avLst/>
-          </a:prstGeom>
-          <a:solidFill>
-            <a:srgbClr val="FFFFFF"/>
-          </a:solidFill>
-        </p:spPr>
-        <p:style>
-          <a:lnRef idx="2">
-            <a:schemeClr val="accent1">
-              <a:shade val="50000"/>
-            </a:schemeClr>
-          </a:lnRef>
-          <a:fillRef idx="1">
-            <a:schemeClr val="accent1"/>
-          </a:fillRef>
-          <a:effectRef idx="0">
-            <a:schemeClr val="accent1"/>
-          </a:effectRef>
-          <a:fontRef idx="minor">
-            <a:schemeClr val="lt1"/>
-          </a:fontRef>
-        </p:style>
-        <p:txBody>
-          <a:bodyPr rtlCol="0" anchor="ctr"/>
-          <a:lstStyle/>
-          <a:p>
-            <a:pPr algn="ctr"/>
-            <a:endParaRPr lang="es-BO" dirty="0"/>
-          </a:p>
-        </p:txBody>
-      </p:sp>
-      <p:sp>
-        <p:nvSpPr>
-          <p:cNvPr id="25" name="Rectángulo: esquinas redondeadas 24">
-            <a:extLst>
-              <a:ext uri="{FF2B5EF4-FFF2-40B4-BE49-F238E27FC236}">
-                <a16:creationId xmlns:a16="http://schemas.microsoft.com/office/drawing/2014/main" id="{15BA7442-95A4-4C18-8F22-F7CDD6DFF7A6}"/>
-              </a:ext>
-            </a:extLst>
-          </p:cNvPr>
-          <p:cNvSpPr/>
-          <p:nvPr/>
-        </p:nvSpPr>
-        <p:spPr>
-          <a:xfrm>
-            <a:off x="4853480" y="4854129"/>
-            <a:ext cx="2968668" cy="369941"/>
-          </a:xfrm>
-          <a:prstGeom prst="roundRect">
-            <a:avLst/>
-          </a:prstGeom>
-          <a:solidFill>
-            <a:srgbClr val="FFFFFF"/>
-          </a:solidFill>
-        </p:spPr>
-        <p:style>
-          <a:lnRef idx="2">
-            <a:schemeClr val="accent1">
-              <a:shade val="50000"/>
-            </a:schemeClr>
-          </a:lnRef>
-          <a:fillRef idx="1">
-            <a:schemeClr val="accent1"/>
-          </a:fillRef>
-          <a:effectRef idx="0">
-            <a:schemeClr val="accent1"/>
-          </a:effectRef>
-          <a:fontRef idx="minor">
-            <a:schemeClr val="lt1"/>
-          </a:fontRef>
-        </p:style>
-        <p:txBody>
-          <a:bodyPr rtlCol="0" anchor="ctr"/>
-          <a:lstStyle/>
-          <a:p>
-            <a:pPr algn="ctr"/>
-            <a:endParaRPr lang="es-BO" dirty="0"/>
-          </a:p>
-        </p:txBody>
-      </p:sp>
-      <p:sp>
-        <p:nvSpPr>
-          <p:cNvPr id="26" name="Rectángulo: esquinas redondeadas 25">
-            <a:hlinkClick r:id="rId3" action="ppaction://hlinksldjump"/>
-            <a:extLst>
-              <a:ext uri="{FF2B5EF4-FFF2-40B4-BE49-F238E27FC236}">
-                <a16:creationId xmlns:a16="http://schemas.microsoft.com/office/drawing/2014/main" id="{0FDEF162-6DA9-4037-8D4C-E38C658BDB4A}"/>
-              </a:ext>
-            </a:extLst>
-          </p:cNvPr>
-          <p:cNvSpPr/>
-          <p:nvPr/>
-        </p:nvSpPr>
-        <p:spPr>
-          <a:xfrm>
-            <a:off x="7615624" y="5578314"/>
-            <a:ext cx="2129425" cy="461665"/>
-          </a:xfrm>
-          <a:prstGeom prst="roundRect">
-            <a:avLst/>
-          </a:prstGeom>
-          <a:solidFill>
-            <a:srgbClr val="002060"/>
-          </a:solidFill>
-        </p:spPr>
-        <p:style>
-          <a:lnRef idx="2">
-            <a:schemeClr val="accent1">
-              <a:shade val="50000"/>
-            </a:schemeClr>
-          </a:lnRef>
-          <a:fillRef idx="1">
-            <a:schemeClr val="accent1"/>
-          </a:fillRef>
-          <a:effectRef idx="0">
-            <a:schemeClr val="accent1"/>
-          </a:effectRef>
-          <a:fontRef idx="minor">
-            <a:schemeClr val="lt1"/>
-          </a:fontRef>
-        </p:style>
-        <p:txBody>
-          <a:bodyPr rtlCol="0" anchor="ctr"/>
-          <a:lstStyle/>
-          <a:p>
-            <a:pPr algn="ctr"/>
             <a:r>
               <a:rPr lang="es-MX" dirty="0">
                 <a:solidFill>
@@ -6984,7 +5853,7 @@
         </p:nvSpPr>
         <p:spPr>
           <a:xfrm>
-            <a:off x="5350843" y="5578313"/>
+            <a:off x="5252899" y="4902816"/>
             <a:ext cx="2129425" cy="461665"/>
           </a:xfrm>
           <a:prstGeom prst="roundRect">
@@ -7063,10 +5932,10 @@
       </p:grpSpPr>
       <p:sp>
         <p:nvSpPr>
-          <p:cNvPr id="2" name="Rectángulo 1">
-            <a:extLst>
-              <a:ext uri="{FF2B5EF4-FFF2-40B4-BE49-F238E27FC236}">
-                <a16:creationId xmlns:a16="http://schemas.microsoft.com/office/drawing/2014/main" id="{DA96F72F-DDE9-41B1-8D37-4E16DE158073}"/>
+          <p:cNvPr id="29" name="Rectángulo 28">
+            <a:extLst>
+              <a:ext uri="{FF2B5EF4-FFF2-40B4-BE49-F238E27FC236}">
+                <a16:creationId xmlns:a16="http://schemas.microsoft.com/office/drawing/2014/main" id="{8CCC2C8D-5B3A-453C-A211-FA4FF8280999}"/>
               </a:ext>
             </a:extLst>
           </p:cNvPr>
@@ -7140,30 +6009,30 @@
           <a:p>
             <a:r>
               <a:rPr lang="es-MX" sz="2000" b="1" dirty="0"/>
-              <a:t>Menú</a:t>
-            </a:r>
-          </a:p>
-        </p:txBody>
-      </p:sp>
-      <p:sp>
-        <p:nvSpPr>
-          <p:cNvPr id="5" name="Rectángulo 4">
+              <a:t>Clientes</a:t>
+            </a:r>
+          </a:p>
+        </p:txBody>
+      </p:sp>
+      <p:sp>
+        <p:nvSpPr>
+          <p:cNvPr id="10" name="Rectángulo: esquinas redondeadas 9">
             <a:hlinkClick r:id="rId2" action="ppaction://hlinksldjump"/>
             <a:extLst>
               <a:ext uri="{FF2B5EF4-FFF2-40B4-BE49-F238E27FC236}">
-                <a16:creationId xmlns:a16="http://schemas.microsoft.com/office/drawing/2014/main" id="{A63B30CC-36B3-4F1A-B7D6-FBAB5A2A7616}"/>
-              </a:ext>
-            </a:extLst>
-          </p:cNvPr>
-          <p:cNvSpPr/>
-          <p:nvPr/>
-        </p:nvSpPr>
-        <p:spPr>
-          <a:xfrm>
-            <a:off x="4120190" y="2382381"/>
-            <a:ext cx="1924101" cy="538619"/>
-          </a:xfrm>
-          <a:prstGeom prst="rect">
+                <a16:creationId xmlns:a16="http://schemas.microsoft.com/office/drawing/2014/main" id="{F31733D9-BA56-4D5F-A906-2D5DD8AFF213}"/>
+              </a:ext>
+            </a:extLst>
+          </p:cNvPr>
+          <p:cNvSpPr/>
+          <p:nvPr/>
+        </p:nvSpPr>
+        <p:spPr>
+          <a:xfrm>
+            <a:off x="3948364" y="3474665"/>
+            <a:ext cx="2129425" cy="461665"/>
+          </a:xfrm>
+          <a:prstGeom prst="roundRect">
             <a:avLst/>
           </a:prstGeom>
           <a:solidFill>
@@ -7197,7 +6066,7 @@
                   <a:schemeClr val="bg1"/>
                 </a:solidFill>
               </a:rPr>
-              <a:t>Clientes</a:t>
+              <a:t>Nuevo Cliente</a:t>
             </a:r>
             <a:endParaRPr lang="es-BO" dirty="0">
               <a:solidFill>
@@ -7209,23 +6078,23 @@
       </p:sp>
       <p:sp>
         <p:nvSpPr>
-          <p:cNvPr id="6" name="Rectángulo 5">
+          <p:cNvPr id="11" name="Rectángulo: esquinas redondeadas 10">
             <a:hlinkClick r:id="rId3" action="ppaction://hlinksldjump"/>
             <a:extLst>
               <a:ext uri="{FF2B5EF4-FFF2-40B4-BE49-F238E27FC236}">
-                <a16:creationId xmlns:a16="http://schemas.microsoft.com/office/drawing/2014/main" id="{E496D4E6-D6EE-45F5-9E22-CF6BEA3F3FC9}"/>
-              </a:ext>
-            </a:extLst>
-          </p:cNvPr>
-          <p:cNvSpPr/>
-          <p:nvPr/>
-        </p:nvSpPr>
-        <p:spPr>
-          <a:xfrm>
-            <a:off x="6044291" y="2382381"/>
-            <a:ext cx="1924101" cy="538619"/>
-          </a:xfrm>
-          <a:prstGeom prst="rect">
+                <a16:creationId xmlns:a16="http://schemas.microsoft.com/office/drawing/2014/main" id="{145C5A73-C82C-479D-B9F4-7BB2238ECB62}"/>
+              </a:ext>
+            </a:extLst>
+          </p:cNvPr>
+          <p:cNvSpPr/>
+          <p:nvPr/>
+        </p:nvSpPr>
+        <p:spPr>
+          <a:xfrm>
+            <a:off x="6221458" y="3474665"/>
+            <a:ext cx="2129425" cy="461665"/>
+          </a:xfrm>
+          <a:prstGeom prst="roundRect">
             <a:avLst/>
           </a:prstGeom>
           <a:solidFill>
@@ -7254,29 +6123,37 @@
           <a:p>
             <a:pPr algn="ctr"/>
             <a:r>
-              <a:rPr lang="es-MX" dirty="0"/>
-              <a:t>Servicios</a:t>
-            </a:r>
-            <a:endParaRPr lang="es-BO" dirty="0"/>
-          </a:p>
-        </p:txBody>
-      </p:sp>
-      <p:sp>
-        <p:nvSpPr>
-          <p:cNvPr id="8" name="Rectángulo 7">
+              <a:rPr lang="es-MX" dirty="0">
+                <a:solidFill>
+                  <a:schemeClr val="bg1"/>
+                </a:solidFill>
+              </a:rPr>
+              <a:t>Buscar Cliente</a:t>
+            </a:r>
+            <a:endParaRPr lang="es-BO" dirty="0">
+              <a:solidFill>
+                <a:schemeClr val="bg1"/>
+              </a:solidFill>
+            </a:endParaRPr>
+          </a:p>
+        </p:txBody>
+      </p:sp>
+      <p:sp>
+        <p:nvSpPr>
+          <p:cNvPr id="12" name="Rectángulo 11">
             <a:hlinkClick r:id="rId4" action="ppaction://hlinksldjump"/>
             <a:extLst>
               <a:ext uri="{FF2B5EF4-FFF2-40B4-BE49-F238E27FC236}">
-                <a16:creationId xmlns:a16="http://schemas.microsoft.com/office/drawing/2014/main" id="{4EA1CF13-D80D-4320-BC9D-5EF529D0B54F}"/>
-              </a:ext>
-            </a:extLst>
-          </p:cNvPr>
-          <p:cNvSpPr/>
-          <p:nvPr/>
-        </p:nvSpPr>
-        <p:spPr>
-          <a:xfrm>
-            <a:off x="7968392" y="2382381"/>
+                <a16:creationId xmlns:a16="http://schemas.microsoft.com/office/drawing/2014/main" id="{6E0E3C5C-E196-4E38-8A29-6D0FB2A3CE79}"/>
+              </a:ext>
+            </a:extLst>
+          </p:cNvPr>
+          <p:cNvSpPr/>
+          <p:nvPr/>
+        </p:nvSpPr>
+        <p:spPr>
+          <a:xfrm>
+            <a:off x="2196089" y="2382381"/>
             <a:ext cx="1924101" cy="538619"/>
           </a:xfrm>
           <a:prstGeom prst="rect">
@@ -7308,29 +6185,37 @@
           <a:p>
             <a:pPr algn="ctr"/>
             <a:r>
-              <a:rPr lang="es-MX" dirty="0"/>
-              <a:t>Pagar</a:t>
-            </a:r>
-            <a:endParaRPr lang="es-BO" dirty="0"/>
-          </a:p>
-        </p:txBody>
-      </p:sp>
-      <p:sp>
-        <p:nvSpPr>
-          <p:cNvPr id="9" name="Rectángulo 8">
+              <a:rPr lang="es-MX" dirty="0">
+                <a:solidFill>
+                  <a:schemeClr val="bg1"/>
+                </a:solidFill>
+              </a:rPr>
+              <a:t>Clientes</a:t>
+            </a:r>
+            <a:endParaRPr lang="es-BO" dirty="0">
+              <a:solidFill>
+                <a:schemeClr val="bg1"/>
+              </a:solidFill>
+            </a:endParaRPr>
+          </a:p>
+        </p:txBody>
+      </p:sp>
+      <p:sp>
+        <p:nvSpPr>
+          <p:cNvPr id="13" name="Rectángulo 12">
             <a:hlinkClick r:id="rId5" action="ppaction://hlinksldjump"/>
             <a:extLst>
               <a:ext uri="{FF2B5EF4-FFF2-40B4-BE49-F238E27FC236}">
-                <a16:creationId xmlns:a16="http://schemas.microsoft.com/office/drawing/2014/main" id="{1868BEED-510E-4470-A868-B316605419A2}"/>
-              </a:ext>
-            </a:extLst>
-          </p:cNvPr>
-          <p:cNvSpPr/>
-          <p:nvPr/>
-        </p:nvSpPr>
-        <p:spPr>
-          <a:xfrm>
-            <a:off x="2196089" y="2382380"/>
+                <a16:creationId xmlns:a16="http://schemas.microsoft.com/office/drawing/2014/main" id="{B380F7FF-ACDA-431D-A858-802D3B638D79}"/>
+              </a:ext>
+            </a:extLst>
+          </p:cNvPr>
+          <p:cNvSpPr/>
+          <p:nvPr/>
+        </p:nvSpPr>
+        <p:spPr>
+          <a:xfrm>
+            <a:off x="4120190" y="2382381"/>
             <a:ext cx="1924101" cy="538619"/>
           </a:xfrm>
           <a:prstGeom prst="rect">
@@ -7362,12 +6247,120 @@
           <a:p>
             <a:pPr algn="ctr"/>
             <a:r>
+              <a:rPr lang="es-MX" dirty="0"/>
+              <a:t>Servicios</a:t>
+            </a:r>
+            <a:endParaRPr lang="es-BO" dirty="0"/>
+          </a:p>
+        </p:txBody>
+      </p:sp>
+      <p:sp>
+        <p:nvSpPr>
+          <p:cNvPr id="14" name="Rectángulo 13">
+            <a:hlinkClick r:id="rId6" action="ppaction://hlinksldjump"/>
+            <a:extLst>
+              <a:ext uri="{FF2B5EF4-FFF2-40B4-BE49-F238E27FC236}">
+                <a16:creationId xmlns:a16="http://schemas.microsoft.com/office/drawing/2014/main" id="{24C3AAFD-A6C7-4141-AD1C-5ADA30C3786A}"/>
+              </a:ext>
+            </a:extLst>
+          </p:cNvPr>
+          <p:cNvSpPr/>
+          <p:nvPr/>
+        </p:nvSpPr>
+        <p:spPr>
+          <a:xfrm>
+            <a:off x="7968392" y="2382381"/>
+            <a:ext cx="1924101" cy="538619"/>
+          </a:xfrm>
+          <a:prstGeom prst="rect">
+            <a:avLst/>
+          </a:prstGeom>
+          <a:solidFill>
+            <a:srgbClr val="002060"/>
+          </a:solidFill>
+        </p:spPr>
+        <p:style>
+          <a:lnRef idx="2">
+            <a:schemeClr val="accent1">
+              <a:shade val="50000"/>
+            </a:schemeClr>
+          </a:lnRef>
+          <a:fillRef idx="1">
+            <a:schemeClr val="accent1"/>
+          </a:fillRef>
+          <a:effectRef idx="0">
+            <a:schemeClr val="accent1"/>
+          </a:effectRef>
+          <a:fontRef idx="minor">
+            <a:schemeClr val="lt1"/>
+          </a:fontRef>
+        </p:style>
+        <p:txBody>
+          <a:bodyPr rtlCol="0" anchor="ctr"/>
+          <a:lstStyle/>
+          <a:p>
+            <a:pPr algn="ctr"/>
+            <a:r>
+              <a:rPr lang="es-MX" dirty="0"/>
+              <a:t>Pagar</a:t>
+            </a:r>
+            <a:endParaRPr lang="es-BO" dirty="0"/>
+          </a:p>
+        </p:txBody>
+      </p:sp>
+      <p:sp>
+        <p:nvSpPr>
+          <p:cNvPr id="15" name="Rectángulo 14">
+            <a:hlinkClick r:id="rId7" action="ppaction://hlinksldjump"/>
+            <a:extLst>
+              <a:ext uri="{FF2B5EF4-FFF2-40B4-BE49-F238E27FC236}">
+                <a16:creationId xmlns:a16="http://schemas.microsoft.com/office/drawing/2014/main" id="{AFAF890B-6EB6-480B-A5F6-37F181C0645B}"/>
+              </a:ext>
+            </a:extLst>
+          </p:cNvPr>
+          <p:cNvSpPr/>
+          <p:nvPr/>
+        </p:nvSpPr>
+        <p:spPr>
+          <a:xfrm>
+            <a:off x="6044291" y="2382380"/>
+            <a:ext cx="1924101" cy="538619"/>
+          </a:xfrm>
+          <a:prstGeom prst="rect">
+            <a:avLst/>
+          </a:prstGeom>
+          <a:solidFill>
+            <a:srgbClr val="002060"/>
+          </a:solidFill>
+        </p:spPr>
+        <p:style>
+          <a:lnRef idx="2">
+            <a:schemeClr val="accent1">
+              <a:shade val="50000"/>
+            </a:schemeClr>
+          </a:lnRef>
+          <a:fillRef idx="1">
+            <a:schemeClr val="accent1"/>
+          </a:fillRef>
+          <a:effectRef idx="0">
+            <a:schemeClr val="accent1"/>
+          </a:effectRef>
+          <a:fontRef idx="minor">
+            <a:schemeClr val="lt1"/>
+          </a:fontRef>
+        </p:style>
+        <p:txBody>
+          <a:bodyPr rtlCol="0" anchor="ctr"/>
+          <a:lstStyle/>
+          <a:p>
+            <a:pPr algn="ctr"/>
+            <a:r>
               <a:rPr lang="es-MX" dirty="0">
                 <a:solidFill>
                   <a:schemeClr val="bg1"/>
                 </a:solidFill>
               </a:rPr>
-              <a:t>Menú</a:t>
+              <a:t>Suscripciones</a:t>
             </a:r>
             <a:endParaRPr lang="es-BO" dirty="0">
               <a:solidFill>
@@ -7380,7 +6373,7 @@
     </p:spTree>
     <p:extLst>
       <p:ext uri="{BB962C8B-B14F-4D97-AF65-F5344CB8AC3E}">
-        <p14:creationId xmlns:p14="http://schemas.microsoft.com/office/powerpoint/2010/main" val="4204843436"/>
+        <p14:creationId xmlns:p14="http://schemas.microsoft.com/office/powerpoint/2010/main" val="456177434"/>
       </p:ext>
     </p:extLst>
   </p:cSld>
@@ -7409,10 +6402,10 @@
       </p:grpSpPr>
       <p:sp>
         <p:nvSpPr>
-          <p:cNvPr id="29" name="Rectángulo 28">
-            <a:extLst>
-              <a:ext uri="{FF2B5EF4-FFF2-40B4-BE49-F238E27FC236}">
-                <a16:creationId xmlns:a16="http://schemas.microsoft.com/office/drawing/2014/main" id="{8CCC2C8D-5B3A-453C-A211-FA4FF8280999}"/>
+          <p:cNvPr id="55" name="Rectángulo 54">
+            <a:extLst>
+              <a:ext uri="{FF2B5EF4-FFF2-40B4-BE49-F238E27FC236}">
+                <a16:creationId xmlns:a16="http://schemas.microsoft.com/office/drawing/2014/main" id="{F2F5A622-9ED0-4190-8D25-DA9F69B5C5D0}"/>
               </a:ext>
             </a:extLst>
           </p:cNvPr>
@@ -7458,10 +6451,10 @@
       </p:sp>
       <p:sp>
         <p:nvSpPr>
-          <p:cNvPr id="3" name="CuadroTexto 2">
-            <a:extLst>
-              <a:ext uri="{FF2B5EF4-FFF2-40B4-BE49-F238E27FC236}">
-                <a16:creationId xmlns:a16="http://schemas.microsoft.com/office/drawing/2014/main" id="{1D3FCFEA-3FE6-411E-92DC-96741C41D4CE}"/>
+          <p:cNvPr id="4" name="CuadroTexto 3">
+            <a:extLst>
+              <a:ext uri="{FF2B5EF4-FFF2-40B4-BE49-F238E27FC236}">
+                <a16:creationId xmlns:a16="http://schemas.microsoft.com/office/drawing/2014/main" id="{2A0FCF2A-6634-4048-A601-182D67E1A9EC}"/>
               </a:ext>
             </a:extLst>
           </p:cNvPr>
@@ -7471,7 +6464,7 @@
         <p:spPr>
           <a:xfrm>
             <a:off x="1052186" y="413359"/>
-            <a:ext cx="3181611" cy="400110"/>
+            <a:ext cx="3181611" cy="369332"/>
           </a:xfrm>
           <a:prstGeom prst="rect">
             <a:avLst/>
@@ -7482,38 +6475,347 @@
           <a:bodyPr wrap="square" rtlCol="0">
             <a:spAutoFit/>
           </a:bodyPr>
-          <a:lstStyle/>
-          <a:p>
-            <a:r>
-              <a:rPr lang="es-MX" sz="2000" b="1" dirty="0"/>
-              <a:t>Clientes</a:t>
-            </a:r>
-          </a:p>
-        </p:txBody>
-      </p:sp>
-      <p:sp>
-        <p:nvSpPr>
-          <p:cNvPr id="10" name="Rectángulo: esquinas redondeadas 9">
-            <a:hlinkClick r:id="rId2" action="ppaction://hlinksldjump"/>
-            <a:extLst>
-              <a:ext uri="{FF2B5EF4-FFF2-40B4-BE49-F238E27FC236}">
-                <a16:creationId xmlns:a16="http://schemas.microsoft.com/office/drawing/2014/main" id="{F31733D9-BA56-4D5F-A906-2D5DD8AFF213}"/>
-              </a:ext>
-            </a:extLst>
-          </p:cNvPr>
-          <p:cNvSpPr/>
-          <p:nvPr/>
-        </p:nvSpPr>
-        <p:spPr>
-          <a:xfrm>
-            <a:off x="3948364" y="3474665"/>
-            <a:ext cx="2129425" cy="461665"/>
+          <a:lstStyle>
+            <a:defPPr>
+              <a:defRPr lang="es-BO"/>
+            </a:defPPr>
+            <a:lvl1pPr>
+              <a:defRPr sz="2000" b="1"/>
+            </a:lvl1pPr>
+          </a:lstStyle>
+          <a:p>
+            <a:r>
+              <a:rPr lang="es-MX" dirty="0"/>
+              <a:t>Registrar nuevo Clientes</a:t>
+            </a:r>
+          </a:p>
+        </p:txBody>
+      </p:sp>
+      <p:sp>
+        <p:nvSpPr>
+          <p:cNvPr id="25" name="Rectángulo 24">
+            <a:extLst>
+              <a:ext uri="{FF2B5EF4-FFF2-40B4-BE49-F238E27FC236}">
+                <a16:creationId xmlns:a16="http://schemas.microsoft.com/office/drawing/2014/main" id="{C6BEFDBB-16F0-45CE-8D22-010190705A20}"/>
+              </a:ext>
+            </a:extLst>
+          </p:cNvPr>
+          <p:cNvSpPr/>
+          <p:nvPr/>
+        </p:nvSpPr>
+        <p:spPr>
+          <a:xfrm>
+            <a:off x="3801279" y="3241281"/>
+            <a:ext cx="896720" cy="400110"/>
+          </a:xfrm>
+          <a:prstGeom prst="rect">
+            <a:avLst/>
+          </a:prstGeom>
+          <a:noFill/>
+        </p:spPr>
+        <p:txBody>
+          <a:bodyPr wrap="none" lIns="91440" tIns="45720" rIns="91440" bIns="45720">
+            <a:spAutoFit/>
+          </a:bodyPr>
+          <a:lstStyle/>
+          <a:p>
+            <a:pPr algn="ctr"/>
+            <a:r>
+              <a:rPr lang="es-ES" sz="2000" dirty="0">
+                <a:ln w="0"/>
+                <a:effectLst>
+                  <a:outerShdw blurRad="38100" dist="19050" dir="2700000" algn="tl" rotWithShape="0">
+                    <a:schemeClr val="dk1">
+                      <a:alpha val="40000"/>
+                    </a:schemeClr>
+                  </a:outerShdw>
+                </a:effectLst>
+                <a:latin typeface="+mj-lt"/>
+              </a:rPr>
+              <a:t>Código</a:t>
+            </a:r>
+            <a:endParaRPr lang="es-ES" sz="5400" b="0" cap="none" spc="0" dirty="0">
+              <a:ln w="0"/>
+              <a:solidFill>
+                <a:schemeClr val="tx1"/>
+              </a:solidFill>
+              <a:effectLst>
+                <a:outerShdw blurRad="38100" dist="19050" dir="2700000" algn="tl" rotWithShape="0">
+                  <a:schemeClr val="dk1">
+                    <a:alpha val="40000"/>
+                  </a:schemeClr>
+                </a:outerShdw>
+              </a:effectLst>
+              <a:latin typeface="+mj-lt"/>
+            </a:endParaRPr>
+          </a:p>
+        </p:txBody>
+      </p:sp>
+      <p:sp>
+        <p:nvSpPr>
+          <p:cNvPr id="26" name="Rectángulo 25">
+            <a:extLst>
+              <a:ext uri="{FF2B5EF4-FFF2-40B4-BE49-F238E27FC236}">
+                <a16:creationId xmlns:a16="http://schemas.microsoft.com/office/drawing/2014/main" id="{8B432A9E-F892-4E10-B867-48EFCE5EFB9C}"/>
+              </a:ext>
+            </a:extLst>
+          </p:cNvPr>
+          <p:cNvSpPr/>
+          <p:nvPr/>
+        </p:nvSpPr>
+        <p:spPr>
+          <a:xfrm>
+            <a:off x="3779346" y="3723105"/>
+            <a:ext cx="1028872" cy="400110"/>
+          </a:xfrm>
+          <a:prstGeom prst="rect">
+            <a:avLst/>
+          </a:prstGeom>
+          <a:noFill/>
+        </p:spPr>
+        <p:txBody>
+          <a:bodyPr wrap="none" lIns="91440" tIns="45720" rIns="91440" bIns="45720">
+            <a:spAutoFit/>
+          </a:bodyPr>
+          <a:lstStyle/>
+          <a:p>
+            <a:pPr algn="ctr"/>
+            <a:r>
+              <a:rPr lang="es-ES" sz="2000" dirty="0">
+                <a:ln w="0"/>
+                <a:effectLst>
+                  <a:outerShdw blurRad="38100" dist="19050" dir="2700000" algn="tl" rotWithShape="0">
+                    <a:schemeClr val="dk1">
+                      <a:alpha val="40000"/>
+                    </a:schemeClr>
+                  </a:outerShdw>
+                </a:effectLst>
+                <a:latin typeface="+mj-lt"/>
+              </a:rPr>
+              <a:t>Nombre</a:t>
+            </a:r>
+            <a:endParaRPr lang="es-ES" sz="5400" b="0" cap="none" spc="0" dirty="0">
+              <a:ln w="0"/>
+              <a:solidFill>
+                <a:schemeClr val="tx1"/>
+              </a:solidFill>
+              <a:effectLst>
+                <a:outerShdw blurRad="38100" dist="19050" dir="2700000" algn="tl" rotWithShape="0">
+                  <a:schemeClr val="dk1">
+                    <a:alpha val="40000"/>
+                  </a:schemeClr>
+                </a:outerShdw>
+              </a:effectLst>
+              <a:latin typeface="+mj-lt"/>
+            </a:endParaRPr>
+          </a:p>
+        </p:txBody>
+      </p:sp>
+      <p:sp>
+        <p:nvSpPr>
+          <p:cNvPr id="27" name="Rectángulo 26">
+            <a:extLst>
+              <a:ext uri="{FF2B5EF4-FFF2-40B4-BE49-F238E27FC236}">
+                <a16:creationId xmlns:a16="http://schemas.microsoft.com/office/drawing/2014/main" id="{08B30C34-2F07-4D07-B0F7-FC9555CD5BBD}"/>
+              </a:ext>
+            </a:extLst>
+          </p:cNvPr>
+          <p:cNvSpPr/>
+          <p:nvPr/>
+        </p:nvSpPr>
+        <p:spPr>
+          <a:xfrm>
+            <a:off x="3774829" y="4197118"/>
+            <a:ext cx="1023037" cy="400110"/>
+          </a:xfrm>
+          <a:prstGeom prst="rect">
+            <a:avLst/>
+          </a:prstGeom>
+          <a:noFill/>
+        </p:spPr>
+        <p:txBody>
+          <a:bodyPr wrap="none" lIns="91440" tIns="45720" rIns="91440" bIns="45720">
+            <a:spAutoFit/>
+          </a:bodyPr>
+          <a:lstStyle/>
+          <a:p>
+            <a:pPr algn="ctr"/>
+            <a:r>
+              <a:rPr lang="es-ES" sz="2000" dirty="0">
+                <a:ln w="0"/>
+                <a:effectLst>
+                  <a:outerShdw blurRad="38100" dist="19050" dir="2700000" algn="tl" rotWithShape="0">
+                    <a:schemeClr val="dk1">
+                      <a:alpha val="40000"/>
+                    </a:schemeClr>
+                  </a:outerShdw>
+                </a:effectLst>
+                <a:latin typeface="+mj-lt"/>
+              </a:rPr>
+              <a:t>Apellido</a:t>
+            </a:r>
+            <a:endParaRPr lang="es-ES" sz="5400" b="0" cap="none" spc="0" dirty="0">
+              <a:ln w="0"/>
+              <a:solidFill>
+                <a:schemeClr val="tx1"/>
+              </a:solidFill>
+              <a:effectLst>
+                <a:outerShdw blurRad="38100" dist="19050" dir="2700000" algn="tl" rotWithShape="0">
+                  <a:schemeClr val="dk1">
+                    <a:alpha val="40000"/>
+                  </a:schemeClr>
+                </a:outerShdw>
+              </a:effectLst>
+              <a:latin typeface="+mj-lt"/>
+            </a:endParaRPr>
+          </a:p>
+        </p:txBody>
+      </p:sp>
+      <p:sp>
+        <p:nvSpPr>
+          <p:cNvPr id="28" name="Rectángulo 27">
+            <a:extLst>
+              <a:ext uri="{FF2B5EF4-FFF2-40B4-BE49-F238E27FC236}">
+                <a16:creationId xmlns:a16="http://schemas.microsoft.com/office/drawing/2014/main" id="{46554A5F-F825-4564-B796-0AD30FDFFE8F}"/>
+              </a:ext>
+            </a:extLst>
+          </p:cNvPr>
+          <p:cNvSpPr/>
+          <p:nvPr/>
+        </p:nvSpPr>
+        <p:spPr>
+          <a:xfrm>
+            <a:off x="3774829" y="5161693"/>
+            <a:ext cx="1064137" cy="400110"/>
+          </a:xfrm>
+          <a:prstGeom prst="rect">
+            <a:avLst/>
+          </a:prstGeom>
+          <a:noFill/>
+        </p:spPr>
+        <p:txBody>
+          <a:bodyPr wrap="none" lIns="91440" tIns="45720" rIns="91440" bIns="45720">
+            <a:spAutoFit/>
+          </a:bodyPr>
+          <a:lstStyle/>
+          <a:p>
+            <a:pPr algn="ctr"/>
+            <a:r>
+              <a:rPr lang="es-ES" sz="2000" dirty="0">
+                <a:ln w="0"/>
+                <a:effectLst>
+                  <a:outerShdw blurRad="38100" dist="19050" dir="2700000" algn="tl" rotWithShape="0">
+                    <a:schemeClr val="dk1">
+                      <a:alpha val="40000"/>
+                    </a:schemeClr>
+                  </a:outerShdw>
+                </a:effectLst>
+                <a:latin typeface="+mj-lt"/>
+              </a:rPr>
+              <a:t>Teléfono</a:t>
+            </a:r>
+            <a:endParaRPr lang="es-ES" sz="5400" b="0" cap="none" spc="0" dirty="0">
+              <a:ln w="0"/>
+              <a:solidFill>
+                <a:schemeClr val="tx1"/>
+              </a:solidFill>
+              <a:effectLst>
+                <a:outerShdw blurRad="38100" dist="19050" dir="2700000" algn="tl" rotWithShape="0">
+                  <a:schemeClr val="dk1">
+                    <a:alpha val="40000"/>
+                  </a:schemeClr>
+                </a:outerShdw>
+              </a:effectLst>
+              <a:latin typeface="+mj-lt"/>
+            </a:endParaRPr>
+          </a:p>
+        </p:txBody>
+      </p:sp>
+      <p:sp>
+        <p:nvSpPr>
+          <p:cNvPr id="33" name="Rectángulo 32">
+            <a:extLst>
+              <a:ext uri="{FF2B5EF4-FFF2-40B4-BE49-F238E27FC236}">
+                <a16:creationId xmlns:a16="http://schemas.microsoft.com/office/drawing/2014/main" id="{DD3178EF-61E0-4A63-A6EB-16D06765313E}"/>
+              </a:ext>
+            </a:extLst>
+          </p:cNvPr>
+          <p:cNvSpPr/>
+          <p:nvPr/>
+        </p:nvSpPr>
+        <p:spPr>
+          <a:xfrm>
+            <a:off x="3801279" y="4685479"/>
+            <a:ext cx="745718" cy="400110"/>
+          </a:xfrm>
+          <a:prstGeom prst="rect">
+            <a:avLst/>
+          </a:prstGeom>
+          <a:noFill/>
+        </p:spPr>
+        <p:txBody>
+          <a:bodyPr wrap="none" lIns="91440" tIns="45720" rIns="91440" bIns="45720">
+            <a:spAutoFit/>
+          </a:bodyPr>
+          <a:lstStyle/>
+          <a:p>
+            <a:pPr algn="ctr"/>
+            <a:r>
+              <a:rPr lang="es-ES" sz="2000" b="0" cap="none" spc="0" dirty="0">
+                <a:ln w="0"/>
+                <a:solidFill>
+                  <a:schemeClr val="tx1"/>
+                </a:solidFill>
+                <a:effectLst>
+                  <a:outerShdw blurRad="38100" dist="19050" dir="2700000" algn="tl" rotWithShape="0">
+                    <a:schemeClr val="dk1">
+                      <a:alpha val="40000"/>
+                    </a:schemeClr>
+                  </a:outerShdw>
+                </a:effectLst>
+                <a:latin typeface="+mj-lt"/>
+              </a:rPr>
+              <a:t>Email</a:t>
+            </a:r>
+            <a:endParaRPr lang="es-ES" sz="5400" b="0" cap="none" spc="0" dirty="0">
+              <a:ln w="0"/>
+              <a:solidFill>
+                <a:schemeClr val="tx1"/>
+              </a:solidFill>
+              <a:effectLst>
+                <a:outerShdw blurRad="38100" dist="19050" dir="2700000" algn="tl" rotWithShape="0">
+                  <a:schemeClr val="dk1">
+                    <a:alpha val="40000"/>
+                  </a:schemeClr>
+                </a:outerShdw>
+              </a:effectLst>
+              <a:latin typeface="+mj-lt"/>
+            </a:endParaRPr>
+          </a:p>
+        </p:txBody>
+      </p:sp>
+      <p:sp>
+        <p:nvSpPr>
+          <p:cNvPr id="34" name="Rectángulo: esquinas redondeadas 33">
+            <a:extLst>
+              <a:ext uri="{FF2B5EF4-FFF2-40B4-BE49-F238E27FC236}">
+                <a16:creationId xmlns:a16="http://schemas.microsoft.com/office/drawing/2014/main" id="{FE1FD210-0376-49F4-9BD7-D27053D429A5}"/>
+              </a:ext>
+            </a:extLst>
+          </p:cNvPr>
+          <p:cNvSpPr/>
+          <p:nvPr/>
+        </p:nvSpPr>
+        <p:spPr>
+          <a:xfrm>
+            <a:off x="4838966" y="3244029"/>
+            <a:ext cx="2968668" cy="369941"/>
           </a:xfrm>
           <a:prstGeom prst="roundRect">
             <a:avLst/>
           </a:prstGeom>
           <a:solidFill>
-            <a:srgbClr val="002060"/>
+            <a:srgbClr val="FFFFFF"/>
           </a:solidFill>
         </p:spPr>
         <p:style>
@@ -7537,45 +6839,32 @@
           <a:lstStyle/>
           <a:p>
             <a:pPr algn="ctr"/>
-            <a:r>
-              <a:rPr lang="es-MX" dirty="0">
-                <a:solidFill>
-                  <a:schemeClr val="bg1"/>
-                </a:solidFill>
-              </a:rPr>
-              <a:t>Nuevo Cliente</a:t>
-            </a:r>
-            <a:endParaRPr lang="es-BO" dirty="0">
-              <a:solidFill>
-                <a:schemeClr val="bg1"/>
-              </a:solidFill>
-            </a:endParaRPr>
-          </a:p>
-        </p:txBody>
-      </p:sp>
-      <p:sp>
-        <p:nvSpPr>
-          <p:cNvPr id="11" name="Rectángulo: esquinas redondeadas 10">
-            <a:hlinkClick r:id="rId3" action="ppaction://hlinksldjump"/>
-            <a:extLst>
-              <a:ext uri="{FF2B5EF4-FFF2-40B4-BE49-F238E27FC236}">
-                <a16:creationId xmlns:a16="http://schemas.microsoft.com/office/drawing/2014/main" id="{145C5A73-C82C-479D-B9F4-7BB2238ECB62}"/>
-              </a:ext>
-            </a:extLst>
-          </p:cNvPr>
-          <p:cNvSpPr/>
-          <p:nvPr/>
-        </p:nvSpPr>
-        <p:spPr>
-          <a:xfrm>
-            <a:off x="6221458" y="3474665"/>
-            <a:ext cx="2129425" cy="461665"/>
+            <a:endParaRPr lang="es-BO" dirty="0"/>
+          </a:p>
+        </p:txBody>
+      </p:sp>
+      <p:sp>
+        <p:nvSpPr>
+          <p:cNvPr id="35" name="Rectángulo: esquinas redondeadas 34">
+            <a:extLst>
+              <a:ext uri="{FF2B5EF4-FFF2-40B4-BE49-F238E27FC236}">
+                <a16:creationId xmlns:a16="http://schemas.microsoft.com/office/drawing/2014/main" id="{72635D8E-75E9-4861-A034-2F681536BD55}"/>
+              </a:ext>
+            </a:extLst>
+          </p:cNvPr>
+          <p:cNvSpPr/>
+          <p:nvPr/>
+        </p:nvSpPr>
+        <p:spPr>
+          <a:xfrm>
+            <a:off x="4838966" y="3723105"/>
+            <a:ext cx="2968668" cy="369941"/>
           </a:xfrm>
           <a:prstGeom prst="roundRect">
             <a:avLst/>
           </a:prstGeom>
           <a:solidFill>
-            <a:srgbClr val="002060"/>
+            <a:srgbClr val="FFFFFF"/>
           </a:solidFill>
         </p:spPr>
         <p:style>
@@ -7599,45 +6888,32 @@
           <a:lstStyle/>
           <a:p>
             <a:pPr algn="ctr"/>
-            <a:r>
-              <a:rPr lang="es-MX" dirty="0">
-                <a:solidFill>
-                  <a:schemeClr val="bg1"/>
-                </a:solidFill>
-              </a:rPr>
-              <a:t>Ver Clientes</a:t>
-            </a:r>
-            <a:endParaRPr lang="es-BO" dirty="0">
-              <a:solidFill>
-                <a:schemeClr val="bg1"/>
-              </a:solidFill>
-            </a:endParaRPr>
-          </a:p>
-        </p:txBody>
-      </p:sp>
-      <p:sp>
-        <p:nvSpPr>
-          <p:cNvPr id="38" name="Rectángulo 37">
-            <a:hlinkClick r:id="rId4" action="ppaction://hlinksldjump"/>
-            <a:extLst>
-              <a:ext uri="{FF2B5EF4-FFF2-40B4-BE49-F238E27FC236}">
-                <a16:creationId xmlns:a16="http://schemas.microsoft.com/office/drawing/2014/main" id="{CD1AA6F5-3057-4502-AC5B-FA36688D8D51}"/>
-              </a:ext>
-            </a:extLst>
-          </p:cNvPr>
-          <p:cNvSpPr/>
-          <p:nvPr/>
-        </p:nvSpPr>
-        <p:spPr>
-          <a:xfrm>
-            <a:off x="4120190" y="2382381"/>
-            <a:ext cx="1924101" cy="538619"/>
-          </a:xfrm>
-          <a:prstGeom prst="rect">
+            <a:endParaRPr lang="es-BO" dirty="0"/>
+          </a:p>
+        </p:txBody>
+      </p:sp>
+      <p:sp>
+        <p:nvSpPr>
+          <p:cNvPr id="36" name="Rectángulo: esquinas redondeadas 35">
+            <a:extLst>
+              <a:ext uri="{FF2B5EF4-FFF2-40B4-BE49-F238E27FC236}">
+                <a16:creationId xmlns:a16="http://schemas.microsoft.com/office/drawing/2014/main" id="{832776BC-E50A-4297-942D-D2CD4B725C56}"/>
+              </a:ext>
+            </a:extLst>
+          </p:cNvPr>
+          <p:cNvSpPr/>
+          <p:nvPr/>
+        </p:nvSpPr>
+        <p:spPr>
+          <a:xfrm>
+            <a:off x="4838966" y="4212203"/>
+            <a:ext cx="2968668" cy="369941"/>
+          </a:xfrm>
+          <a:prstGeom prst="roundRect">
             <a:avLst/>
           </a:prstGeom>
           <a:solidFill>
-            <a:srgbClr val="002060"/>
+            <a:srgbClr val="FFFFFF"/>
           </a:solidFill>
         </p:spPr>
         <p:style>
@@ -7661,45 +6937,32 @@
           <a:lstStyle/>
           <a:p>
             <a:pPr algn="ctr"/>
-            <a:r>
-              <a:rPr lang="es-MX" dirty="0">
-                <a:solidFill>
-                  <a:schemeClr val="bg1"/>
-                </a:solidFill>
-              </a:rPr>
-              <a:t>Clientes</a:t>
-            </a:r>
-            <a:endParaRPr lang="es-BO" dirty="0">
-              <a:solidFill>
-                <a:schemeClr val="bg1"/>
-              </a:solidFill>
-            </a:endParaRPr>
-          </a:p>
-        </p:txBody>
-      </p:sp>
-      <p:sp>
-        <p:nvSpPr>
-          <p:cNvPr id="39" name="Rectángulo 38">
-            <a:hlinkClick r:id="rId5" action="ppaction://hlinksldjump"/>
-            <a:extLst>
-              <a:ext uri="{FF2B5EF4-FFF2-40B4-BE49-F238E27FC236}">
-                <a16:creationId xmlns:a16="http://schemas.microsoft.com/office/drawing/2014/main" id="{F65F1154-0E1D-4370-B998-F786DD9FF5C8}"/>
-              </a:ext>
-            </a:extLst>
-          </p:cNvPr>
-          <p:cNvSpPr/>
-          <p:nvPr/>
-        </p:nvSpPr>
-        <p:spPr>
-          <a:xfrm>
-            <a:off x="6044291" y="2382381"/>
-            <a:ext cx="1924101" cy="538619"/>
-          </a:xfrm>
-          <a:prstGeom prst="rect">
+            <a:endParaRPr lang="es-BO" dirty="0"/>
+          </a:p>
+        </p:txBody>
+      </p:sp>
+      <p:sp>
+        <p:nvSpPr>
+          <p:cNvPr id="37" name="Rectángulo: esquinas redondeadas 36">
+            <a:extLst>
+              <a:ext uri="{FF2B5EF4-FFF2-40B4-BE49-F238E27FC236}">
+                <a16:creationId xmlns:a16="http://schemas.microsoft.com/office/drawing/2014/main" id="{8DF0E8DC-0F1F-415F-9ACE-AF25B7B87F7A}"/>
+              </a:ext>
+            </a:extLst>
+          </p:cNvPr>
+          <p:cNvSpPr/>
+          <p:nvPr/>
+        </p:nvSpPr>
+        <p:spPr>
+          <a:xfrm>
+            <a:off x="4838966" y="4702986"/>
+            <a:ext cx="2968668" cy="369941"/>
+          </a:xfrm>
+          <a:prstGeom prst="roundRect">
             <a:avLst/>
           </a:prstGeom>
           <a:solidFill>
-            <a:srgbClr val="002060"/>
+            <a:srgbClr val="FFFFFF"/>
           </a:solidFill>
         </p:spPr>
         <p:style>
@@ -7723,37 +6986,32 @@
           <a:lstStyle/>
           <a:p>
             <a:pPr algn="ctr"/>
-            <a:r>
-              <a:rPr lang="es-MX" dirty="0"/>
-              <a:t>Servicios</a:t>
-            </a:r>
             <a:endParaRPr lang="es-BO" dirty="0"/>
           </a:p>
         </p:txBody>
       </p:sp>
       <p:sp>
         <p:nvSpPr>
-          <p:cNvPr id="40" name="Rectángulo 39">
-            <a:hlinkClick r:id="rId6" action="ppaction://hlinksldjump"/>
-            <a:extLst>
-              <a:ext uri="{FF2B5EF4-FFF2-40B4-BE49-F238E27FC236}">
-                <a16:creationId xmlns:a16="http://schemas.microsoft.com/office/drawing/2014/main" id="{C70F5396-7452-47FA-AA48-A531D33BD04A}"/>
-              </a:ext>
-            </a:extLst>
-          </p:cNvPr>
-          <p:cNvSpPr/>
-          <p:nvPr/>
-        </p:nvSpPr>
-        <p:spPr>
-          <a:xfrm>
-            <a:off x="7968392" y="2382381"/>
-            <a:ext cx="1924101" cy="538619"/>
-          </a:xfrm>
-          <a:prstGeom prst="rect">
+          <p:cNvPr id="38" name="Rectángulo: esquinas redondeadas 37">
+            <a:extLst>
+              <a:ext uri="{FF2B5EF4-FFF2-40B4-BE49-F238E27FC236}">
+                <a16:creationId xmlns:a16="http://schemas.microsoft.com/office/drawing/2014/main" id="{58791F08-56F5-41DA-8F5D-96A6F018CD9B}"/>
+              </a:ext>
+            </a:extLst>
+          </p:cNvPr>
+          <p:cNvSpPr/>
+          <p:nvPr/>
+        </p:nvSpPr>
+        <p:spPr>
+          <a:xfrm>
+            <a:off x="4838966" y="5176778"/>
+            <a:ext cx="2968668" cy="369941"/>
+          </a:xfrm>
+          <a:prstGeom prst="roundRect">
             <a:avLst/>
           </a:prstGeom>
           <a:solidFill>
-            <a:srgbClr val="002060"/>
+            <a:srgbClr val="FFFFFF"/>
           </a:solidFill>
         </p:spPr>
         <p:style>
@@ -7777,33 +7035,29 @@
           <a:lstStyle/>
           <a:p>
             <a:pPr algn="ctr"/>
-            <a:r>
-              <a:rPr lang="es-MX" dirty="0"/>
-              <a:t>Pagar</a:t>
-            </a:r>
             <a:endParaRPr lang="es-BO" dirty="0"/>
           </a:p>
         </p:txBody>
       </p:sp>
       <p:sp>
         <p:nvSpPr>
-          <p:cNvPr id="41" name="Rectángulo 40">
-            <a:hlinkClick r:id="rId7" action="ppaction://hlinksldjump"/>
-            <a:extLst>
-              <a:ext uri="{FF2B5EF4-FFF2-40B4-BE49-F238E27FC236}">
-                <a16:creationId xmlns:a16="http://schemas.microsoft.com/office/drawing/2014/main" id="{753BB2A6-E4F2-444A-9BAE-EB71D046B0DC}"/>
-              </a:ext>
-            </a:extLst>
-          </p:cNvPr>
-          <p:cNvSpPr/>
-          <p:nvPr/>
-        </p:nvSpPr>
-        <p:spPr>
-          <a:xfrm>
-            <a:off x="2196089" y="2382380"/>
-            <a:ext cx="1924101" cy="538619"/>
-          </a:xfrm>
-          <a:prstGeom prst="rect">
+          <p:cNvPr id="39" name="Rectángulo: esquinas redondeadas 38">
+            <a:hlinkClick r:id="rId2" action="ppaction://hlinksldjump"/>
+            <a:extLst>
+              <a:ext uri="{FF2B5EF4-FFF2-40B4-BE49-F238E27FC236}">
+                <a16:creationId xmlns:a16="http://schemas.microsoft.com/office/drawing/2014/main" id="{5223D675-C855-40B4-8FE5-2BBD271B99D5}"/>
+              </a:ext>
+            </a:extLst>
+          </p:cNvPr>
+          <p:cNvSpPr/>
+          <p:nvPr/>
+        </p:nvSpPr>
+        <p:spPr>
+          <a:xfrm>
+            <a:off x="7763068" y="5778473"/>
+            <a:ext cx="2129425" cy="461665"/>
+          </a:xfrm>
+          <a:prstGeom prst="roundRect">
             <a:avLst/>
           </a:prstGeom>
           <a:solidFill>
@@ -7837,7 +7091,7 @@
                   <a:schemeClr val="bg1"/>
                 </a:solidFill>
               </a:rPr>
-              <a:t>Menú</a:t>
+              <a:t>Guardar</a:t>
             </a:r>
             <a:endParaRPr lang="es-BO" dirty="0">
               <a:solidFill>
@@ -7847,10 +7101,72 @@
           </a:p>
         </p:txBody>
       </p:sp>
+      <p:sp>
+        <p:nvSpPr>
+          <p:cNvPr id="40" name="Rectángulo: esquinas redondeadas 39">
+            <a:hlinkClick r:id="rId2" action="ppaction://hlinksldjump"/>
+            <a:extLst>
+              <a:ext uri="{FF2B5EF4-FFF2-40B4-BE49-F238E27FC236}">
+                <a16:creationId xmlns:a16="http://schemas.microsoft.com/office/drawing/2014/main" id="{4AA1E62D-AE8B-4C2C-82D6-43D4F1ED7883}"/>
+              </a:ext>
+            </a:extLst>
+          </p:cNvPr>
+          <p:cNvSpPr/>
+          <p:nvPr/>
+        </p:nvSpPr>
+        <p:spPr>
+          <a:xfrm>
+            <a:off x="5394385" y="5778473"/>
+            <a:ext cx="2129425" cy="461665"/>
+          </a:xfrm>
+          <a:prstGeom prst="roundRect">
+            <a:avLst/>
+          </a:prstGeom>
+          <a:solidFill>
+            <a:srgbClr val="002060"/>
+          </a:solidFill>
+        </p:spPr>
+        <p:style>
+          <a:lnRef idx="2">
+            <a:schemeClr val="accent1">
+              <a:shade val="50000"/>
+            </a:schemeClr>
+          </a:lnRef>
+          <a:fillRef idx="1">
+            <a:schemeClr val="accent1"/>
+          </a:fillRef>
+          <a:effectRef idx="0">
+            <a:schemeClr val="accent1"/>
+          </a:effectRef>
+          <a:fontRef idx="minor">
+            <a:schemeClr val="lt1"/>
+          </a:fontRef>
+        </p:style>
+        <p:txBody>
+          <a:bodyPr rtlCol="0" anchor="ctr"/>
+          <a:lstStyle/>
+          <a:p>
+            <a:pPr algn="ctr"/>
+            <a:r>
+              <a:rPr lang="es-MX" dirty="0">
+                <a:solidFill>
+                  <a:schemeClr val="bg1"/>
+                </a:solidFill>
+              </a:rPr>
+              <a:t>Cancelar</a:t>
+            </a:r>
+            <a:endParaRPr lang="es-BO" dirty="0">
+              <a:solidFill>
+                <a:schemeClr val="bg1"/>
+              </a:solidFill>
+            </a:endParaRPr>
+          </a:p>
+        </p:txBody>
+      </p:sp>
     </p:spTree>
     <p:extLst>
       <p:ext uri="{BB962C8B-B14F-4D97-AF65-F5344CB8AC3E}">
-        <p14:creationId xmlns:p14="http://schemas.microsoft.com/office/powerpoint/2010/main" val="456177434"/>
+        <p14:creationId xmlns:p14="http://schemas.microsoft.com/office/powerpoint/2010/main" val="93610612"/>
       </p:ext>
     </p:extLst>
   </p:cSld>
@@ -7879,10 +7195,10 @@
       </p:grpSpPr>
       <p:sp>
         <p:nvSpPr>
-          <p:cNvPr id="55" name="Rectángulo 54">
-            <a:extLst>
-              <a:ext uri="{FF2B5EF4-FFF2-40B4-BE49-F238E27FC236}">
-                <a16:creationId xmlns:a16="http://schemas.microsoft.com/office/drawing/2014/main" id="{F2F5A622-9ED0-4190-8D25-DA9F69B5C5D0}"/>
+          <p:cNvPr id="13" name="Rectángulo 12">
+            <a:extLst>
+              <a:ext uri="{FF2B5EF4-FFF2-40B4-BE49-F238E27FC236}">
+                <a16:creationId xmlns:a16="http://schemas.microsoft.com/office/drawing/2014/main" id="{CE1984CF-E45B-4414-9817-42931A5ADAD3}"/>
               </a:ext>
             </a:extLst>
           </p:cNvPr>
@@ -7928,242 +7244,10 @@
       </p:sp>
       <p:sp>
         <p:nvSpPr>
-          <p:cNvPr id="56" name="Rectángulo 55">
-            <a:hlinkClick r:id="rId2" action="ppaction://hlinksldjump"/>
-            <a:extLst>
-              <a:ext uri="{FF2B5EF4-FFF2-40B4-BE49-F238E27FC236}">
-                <a16:creationId xmlns:a16="http://schemas.microsoft.com/office/drawing/2014/main" id="{0FCEE1E3-CA6E-455D-B1D9-158DC0B90DC7}"/>
-              </a:ext>
-            </a:extLst>
-          </p:cNvPr>
-          <p:cNvSpPr/>
-          <p:nvPr/>
-        </p:nvSpPr>
-        <p:spPr>
-          <a:xfrm>
-            <a:off x="4120190" y="2382381"/>
-            <a:ext cx="1924101" cy="538619"/>
-          </a:xfrm>
-          <a:prstGeom prst="rect">
-            <a:avLst/>
-          </a:prstGeom>
-          <a:solidFill>
-            <a:srgbClr val="002060"/>
-          </a:solidFill>
-        </p:spPr>
-        <p:style>
-          <a:lnRef idx="2">
-            <a:schemeClr val="accent1">
-              <a:shade val="50000"/>
-            </a:schemeClr>
-          </a:lnRef>
-          <a:fillRef idx="1">
-            <a:schemeClr val="accent1"/>
-          </a:fillRef>
-          <a:effectRef idx="0">
-            <a:schemeClr val="accent1"/>
-          </a:effectRef>
-          <a:fontRef idx="minor">
-            <a:schemeClr val="lt1"/>
-          </a:fontRef>
-        </p:style>
-        <p:txBody>
-          <a:bodyPr rtlCol="0" anchor="ctr"/>
-          <a:lstStyle/>
-          <a:p>
-            <a:pPr algn="ctr"/>
-            <a:r>
-              <a:rPr lang="es-MX" dirty="0">
-                <a:solidFill>
-                  <a:schemeClr val="bg1"/>
-                </a:solidFill>
-              </a:rPr>
-              <a:t>Clientes</a:t>
-            </a:r>
-            <a:endParaRPr lang="es-BO" dirty="0">
-              <a:solidFill>
-                <a:schemeClr val="bg1"/>
-              </a:solidFill>
-            </a:endParaRPr>
-          </a:p>
-        </p:txBody>
-      </p:sp>
-      <p:sp>
-        <p:nvSpPr>
-          <p:cNvPr id="57" name="Rectángulo 56">
-            <a:hlinkClick r:id="rId3" action="ppaction://hlinksldjump"/>
-            <a:extLst>
-              <a:ext uri="{FF2B5EF4-FFF2-40B4-BE49-F238E27FC236}">
-                <a16:creationId xmlns:a16="http://schemas.microsoft.com/office/drawing/2014/main" id="{375E9D4E-8EC4-4E9E-861C-4AA47C3324F5}"/>
-              </a:ext>
-            </a:extLst>
-          </p:cNvPr>
-          <p:cNvSpPr/>
-          <p:nvPr/>
-        </p:nvSpPr>
-        <p:spPr>
-          <a:xfrm>
-            <a:off x="6044291" y="2382381"/>
-            <a:ext cx="1924101" cy="538619"/>
-          </a:xfrm>
-          <a:prstGeom prst="rect">
-            <a:avLst/>
-          </a:prstGeom>
-          <a:solidFill>
-            <a:srgbClr val="002060"/>
-          </a:solidFill>
-        </p:spPr>
-        <p:style>
-          <a:lnRef idx="2">
-            <a:schemeClr val="accent1">
-              <a:shade val="50000"/>
-            </a:schemeClr>
-          </a:lnRef>
-          <a:fillRef idx="1">
-            <a:schemeClr val="accent1"/>
-          </a:fillRef>
-          <a:effectRef idx="0">
-            <a:schemeClr val="accent1"/>
-          </a:effectRef>
-          <a:fontRef idx="minor">
-            <a:schemeClr val="lt1"/>
-          </a:fontRef>
-        </p:style>
-        <p:txBody>
-          <a:bodyPr rtlCol="0" anchor="ctr"/>
-          <a:lstStyle/>
-          <a:p>
-            <a:pPr algn="ctr"/>
-            <a:r>
-              <a:rPr lang="es-MX" dirty="0"/>
-              <a:t>Servicios</a:t>
-            </a:r>
-            <a:endParaRPr lang="es-BO" dirty="0"/>
-          </a:p>
-        </p:txBody>
-      </p:sp>
-      <p:sp>
-        <p:nvSpPr>
-          <p:cNvPr id="58" name="Rectángulo 57">
-            <a:hlinkClick r:id="rId4" action="ppaction://hlinksldjump"/>
-            <a:extLst>
-              <a:ext uri="{FF2B5EF4-FFF2-40B4-BE49-F238E27FC236}">
-                <a16:creationId xmlns:a16="http://schemas.microsoft.com/office/drawing/2014/main" id="{FE51E5AA-5EFB-42B9-A6AB-AB9262041897}"/>
-              </a:ext>
-            </a:extLst>
-          </p:cNvPr>
-          <p:cNvSpPr/>
-          <p:nvPr/>
-        </p:nvSpPr>
-        <p:spPr>
-          <a:xfrm>
-            <a:off x="7968392" y="2382381"/>
-            <a:ext cx="1924101" cy="538619"/>
-          </a:xfrm>
-          <a:prstGeom prst="rect">
-            <a:avLst/>
-          </a:prstGeom>
-          <a:solidFill>
-            <a:srgbClr val="002060"/>
-          </a:solidFill>
-        </p:spPr>
-        <p:style>
-          <a:lnRef idx="2">
-            <a:schemeClr val="accent1">
-              <a:shade val="50000"/>
-            </a:schemeClr>
-          </a:lnRef>
-          <a:fillRef idx="1">
-            <a:schemeClr val="accent1"/>
-          </a:fillRef>
-          <a:effectRef idx="0">
-            <a:schemeClr val="accent1"/>
-          </a:effectRef>
-          <a:fontRef idx="minor">
-            <a:schemeClr val="lt1"/>
-          </a:fontRef>
-        </p:style>
-        <p:txBody>
-          <a:bodyPr rtlCol="0" anchor="ctr"/>
-          <a:lstStyle/>
-          <a:p>
-            <a:pPr algn="ctr"/>
-            <a:r>
-              <a:rPr lang="es-MX" dirty="0"/>
-              <a:t>Pagar</a:t>
-            </a:r>
-            <a:endParaRPr lang="es-BO" dirty="0"/>
-          </a:p>
-        </p:txBody>
-      </p:sp>
-      <p:sp>
-        <p:nvSpPr>
-          <p:cNvPr id="59" name="Rectángulo 58">
-            <a:hlinkClick r:id="rId5" action="ppaction://hlinksldjump"/>
-            <a:extLst>
-              <a:ext uri="{FF2B5EF4-FFF2-40B4-BE49-F238E27FC236}">
-                <a16:creationId xmlns:a16="http://schemas.microsoft.com/office/drawing/2014/main" id="{F62A90AB-83E8-4C1A-B359-27A4F1D6DB4C}"/>
-              </a:ext>
-            </a:extLst>
-          </p:cNvPr>
-          <p:cNvSpPr/>
-          <p:nvPr/>
-        </p:nvSpPr>
-        <p:spPr>
-          <a:xfrm>
-            <a:off x="2196089" y="2382380"/>
-            <a:ext cx="1924101" cy="538619"/>
-          </a:xfrm>
-          <a:prstGeom prst="rect">
-            <a:avLst/>
-          </a:prstGeom>
-          <a:solidFill>
-            <a:srgbClr val="002060"/>
-          </a:solidFill>
-        </p:spPr>
-        <p:style>
-          <a:lnRef idx="2">
-            <a:schemeClr val="accent1">
-              <a:shade val="50000"/>
-            </a:schemeClr>
-          </a:lnRef>
-          <a:fillRef idx="1">
-            <a:schemeClr val="accent1"/>
-          </a:fillRef>
-          <a:effectRef idx="0">
-            <a:schemeClr val="accent1"/>
-          </a:effectRef>
-          <a:fontRef idx="minor">
-            <a:schemeClr val="lt1"/>
-          </a:fontRef>
-        </p:style>
-        <p:txBody>
-          <a:bodyPr rtlCol="0" anchor="ctr"/>
-          <a:lstStyle/>
-          <a:p>
-            <a:pPr algn="ctr"/>
-            <a:r>
-              <a:rPr lang="es-MX" dirty="0">
-                <a:solidFill>
-                  <a:schemeClr val="bg1"/>
-                </a:solidFill>
-              </a:rPr>
-              <a:t>Menú</a:t>
-            </a:r>
-            <a:endParaRPr lang="es-BO" dirty="0">
-              <a:solidFill>
-                <a:schemeClr val="bg1"/>
-              </a:solidFill>
-            </a:endParaRPr>
-          </a:p>
-        </p:txBody>
-      </p:sp>
-      <p:sp>
-        <p:nvSpPr>
-          <p:cNvPr id="4" name="CuadroTexto 3">
-            <a:extLst>
-              <a:ext uri="{FF2B5EF4-FFF2-40B4-BE49-F238E27FC236}">
-                <a16:creationId xmlns:a16="http://schemas.microsoft.com/office/drawing/2014/main" id="{2A0FCF2A-6634-4048-A601-182D67E1A9EC}"/>
+          <p:cNvPr id="3" name="CuadroTexto 2">
+            <a:extLst>
+              <a:ext uri="{FF2B5EF4-FFF2-40B4-BE49-F238E27FC236}">
+                <a16:creationId xmlns:a16="http://schemas.microsoft.com/office/drawing/2014/main" id="{1D3FCFEA-3FE6-411E-92DC-96741C41D4CE}"/>
               </a:ext>
             </a:extLst>
           </p:cNvPr>
@@ -8173,7 +7257,7 @@
         <p:spPr>
           <a:xfrm>
             <a:off x="1052186" y="413359"/>
-            <a:ext cx="3181611" cy="369332"/>
+            <a:ext cx="3181611" cy="400110"/>
           </a:xfrm>
           <a:prstGeom prst="rect">
             <a:avLst/>
@@ -8184,37 +7268,30 @@
           <a:bodyPr wrap="square" rtlCol="0">
             <a:spAutoFit/>
           </a:bodyPr>
-          <a:lstStyle>
-            <a:defPPr>
-              <a:defRPr lang="es-BO"/>
-            </a:defPPr>
-            <a:lvl1pPr>
-              <a:defRPr sz="2000" b="1"/>
-            </a:lvl1pPr>
-          </a:lstStyle>
-          <a:p>
-            <a:r>
-              <a:rPr lang="es-MX" dirty="0"/>
-              <a:t>Registrar nuevo Clientes</a:t>
-            </a:r>
-          </a:p>
-        </p:txBody>
-      </p:sp>
-      <p:sp>
-        <p:nvSpPr>
-          <p:cNvPr id="25" name="Rectángulo 24">
-            <a:extLst>
-              <a:ext uri="{FF2B5EF4-FFF2-40B4-BE49-F238E27FC236}">
-                <a16:creationId xmlns:a16="http://schemas.microsoft.com/office/drawing/2014/main" id="{C6BEFDBB-16F0-45CE-8D22-010190705A20}"/>
-              </a:ext>
-            </a:extLst>
-          </p:cNvPr>
-          <p:cNvSpPr/>
-          <p:nvPr/>
-        </p:nvSpPr>
-        <p:spPr>
-          <a:xfrm>
-            <a:off x="3801279" y="3241281"/>
+          <a:lstStyle/>
+          <a:p>
+            <a:r>
+              <a:rPr lang="es-MX" sz="2000" b="1" dirty="0"/>
+              <a:t>Buscar Cliente</a:t>
+            </a:r>
+          </a:p>
+        </p:txBody>
+      </p:sp>
+      <p:sp>
+        <p:nvSpPr>
+          <p:cNvPr id="18" name="Rectángulo 17">
+            <a:extLst>
+              <a:ext uri="{FF2B5EF4-FFF2-40B4-BE49-F238E27FC236}">
+                <a16:creationId xmlns:a16="http://schemas.microsoft.com/office/drawing/2014/main" id="{EDBCA8DF-51B8-40B4-8E2B-732331EF0575}"/>
+              </a:ext>
+            </a:extLst>
+          </p:cNvPr>
+          <p:cNvSpPr/>
+          <p:nvPr/>
+        </p:nvSpPr>
+        <p:spPr>
+          <a:xfrm>
+            <a:off x="3026293" y="2849873"/>
             <a:ext cx="896720" cy="400110"/>
           </a:xfrm>
           <a:prstGeom prst="rect">
@@ -8262,19 +7339,19 @@
       </p:sp>
       <p:sp>
         <p:nvSpPr>
-          <p:cNvPr id="26" name="Rectángulo 25">
-            <a:extLst>
-              <a:ext uri="{FF2B5EF4-FFF2-40B4-BE49-F238E27FC236}">
-                <a16:creationId xmlns:a16="http://schemas.microsoft.com/office/drawing/2014/main" id="{8B432A9E-F892-4E10-B867-48EFCE5EFB9C}"/>
-              </a:ext>
-            </a:extLst>
-          </p:cNvPr>
-          <p:cNvSpPr/>
-          <p:nvPr/>
-        </p:nvSpPr>
-        <p:spPr>
-          <a:xfrm>
-            <a:off x="3779346" y="3723105"/>
+          <p:cNvPr id="19" name="Rectángulo 18">
+            <a:extLst>
+              <a:ext uri="{FF2B5EF4-FFF2-40B4-BE49-F238E27FC236}">
+                <a16:creationId xmlns:a16="http://schemas.microsoft.com/office/drawing/2014/main" id="{355651CB-39D9-4A44-805E-30A513DEA421}"/>
+              </a:ext>
+            </a:extLst>
+          </p:cNvPr>
+          <p:cNvSpPr/>
+          <p:nvPr/>
+        </p:nvSpPr>
+        <p:spPr>
+          <a:xfrm>
+            <a:off x="3690281" y="3607992"/>
             <a:ext cx="1028872" cy="400110"/>
           </a:xfrm>
           <a:prstGeom prst="rect">
@@ -8322,19 +7399,19 @@
       </p:sp>
       <p:sp>
         <p:nvSpPr>
-          <p:cNvPr id="27" name="Rectángulo 26">
-            <a:extLst>
-              <a:ext uri="{FF2B5EF4-FFF2-40B4-BE49-F238E27FC236}">
-                <a16:creationId xmlns:a16="http://schemas.microsoft.com/office/drawing/2014/main" id="{08B30C34-2F07-4D07-B0F7-FC9555CD5BBD}"/>
-              </a:ext>
-            </a:extLst>
-          </p:cNvPr>
-          <p:cNvSpPr/>
-          <p:nvPr/>
-        </p:nvSpPr>
-        <p:spPr>
-          <a:xfrm>
-            <a:off x="3774829" y="4197118"/>
+          <p:cNvPr id="20" name="Rectángulo 19">
+            <a:extLst>
+              <a:ext uri="{FF2B5EF4-FFF2-40B4-BE49-F238E27FC236}">
+                <a16:creationId xmlns:a16="http://schemas.microsoft.com/office/drawing/2014/main" id="{8C050F88-E0F8-458C-AFD2-BD47FF3A24D1}"/>
+              </a:ext>
+            </a:extLst>
+          </p:cNvPr>
+          <p:cNvSpPr/>
+          <p:nvPr/>
+        </p:nvSpPr>
+        <p:spPr>
+          <a:xfrm>
+            <a:off x="3685764" y="4082005"/>
             <a:ext cx="1023037" cy="400110"/>
           </a:xfrm>
           <a:prstGeom prst="rect">
@@ -8382,19 +7459,19 @@
       </p:sp>
       <p:sp>
         <p:nvSpPr>
-          <p:cNvPr id="28" name="Rectángulo 27">
-            <a:extLst>
-              <a:ext uri="{FF2B5EF4-FFF2-40B4-BE49-F238E27FC236}">
-                <a16:creationId xmlns:a16="http://schemas.microsoft.com/office/drawing/2014/main" id="{46554A5F-F825-4564-B796-0AD30FDFFE8F}"/>
-              </a:ext>
-            </a:extLst>
-          </p:cNvPr>
-          <p:cNvSpPr/>
-          <p:nvPr/>
-        </p:nvSpPr>
-        <p:spPr>
-          <a:xfrm>
-            <a:off x="3774829" y="5161693"/>
+          <p:cNvPr id="21" name="Rectángulo 20">
+            <a:extLst>
+              <a:ext uri="{FF2B5EF4-FFF2-40B4-BE49-F238E27FC236}">
+                <a16:creationId xmlns:a16="http://schemas.microsoft.com/office/drawing/2014/main" id="{DA0DF869-1090-457C-A282-9678264DD23B}"/>
+              </a:ext>
+            </a:extLst>
+          </p:cNvPr>
+          <p:cNvSpPr/>
+          <p:nvPr/>
+        </p:nvSpPr>
+        <p:spPr>
+          <a:xfrm>
+            <a:off x="3685764" y="5046580"/>
             <a:ext cx="1064137" cy="400110"/>
           </a:xfrm>
           <a:prstGeom prst="rect">
@@ -8442,19 +7519,19 @@
       </p:sp>
       <p:sp>
         <p:nvSpPr>
-          <p:cNvPr id="33" name="Rectángulo 32">
-            <a:extLst>
-              <a:ext uri="{FF2B5EF4-FFF2-40B4-BE49-F238E27FC236}">
-                <a16:creationId xmlns:a16="http://schemas.microsoft.com/office/drawing/2014/main" id="{DD3178EF-61E0-4A63-A6EB-16D06765313E}"/>
-              </a:ext>
-            </a:extLst>
-          </p:cNvPr>
-          <p:cNvSpPr/>
-          <p:nvPr/>
-        </p:nvSpPr>
-        <p:spPr>
-          <a:xfrm>
-            <a:off x="3801279" y="4685479"/>
+          <p:cNvPr id="22" name="Rectángulo 21">
+            <a:extLst>
+              <a:ext uri="{FF2B5EF4-FFF2-40B4-BE49-F238E27FC236}">
+                <a16:creationId xmlns:a16="http://schemas.microsoft.com/office/drawing/2014/main" id="{A6532FB0-DC1D-49EE-B7BC-898E7E5D37BB}"/>
+              </a:ext>
+            </a:extLst>
+          </p:cNvPr>
+          <p:cNvSpPr/>
+          <p:nvPr/>
+        </p:nvSpPr>
+        <p:spPr>
+          <a:xfrm>
+            <a:off x="3712214" y="4570366"/>
             <a:ext cx="745718" cy="400110"/>
           </a:xfrm>
           <a:prstGeom prst="rect">
@@ -8505,19 +7582,19 @@
       </p:sp>
       <p:sp>
         <p:nvSpPr>
-          <p:cNvPr id="34" name="Rectángulo: esquinas redondeadas 33">
-            <a:extLst>
-              <a:ext uri="{FF2B5EF4-FFF2-40B4-BE49-F238E27FC236}">
-                <a16:creationId xmlns:a16="http://schemas.microsoft.com/office/drawing/2014/main" id="{FE1FD210-0376-49F4-9BD7-D27053D429A5}"/>
-              </a:ext>
-            </a:extLst>
-          </p:cNvPr>
-          <p:cNvSpPr/>
-          <p:nvPr/>
-        </p:nvSpPr>
-        <p:spPr>
-          <a:xfrm>
-            <a:off x="4838966" y="3244029"/>
+          <p:cNvPr id="23" name="Rectángulo: esquinas redondeadas 22">
+            <a:extLst>
+              <a:ext uri="{FF2B5EF4-FFF2-40B4-BE49-F238E27FC236}">
+                <a16:creationId xmlns:a16="http://schemas.microsoft.com/office/drawing/2014/main" id="{EC543D0E-AD54-4149-BE52-25D29A9111D7}"/>
+              </a:ext>
+            </a:extLst>
+          </p:cNvPr>
+          <p:cNvSpPr/>
+          <p:nvPr/>
+        </p:nvSpPr>
+        <p:spPr>
+          <a:xfrm>
+            <a:off x="4063980" y="2852621"/>
             <a:ext cx="2968668" cy="369941"/>
           </a:xfrm>
           <a:prstGeom prst="roundRect">
@@ -8554,19 +7631,19 @@
       </p:sp>
       <p:sp>
         <p:nvSpPr>
-          <p:cNvPr id="35" name="Rectángulo: esquinas redondeadas 34">
-            <a:extLst>
-              <a:ext uri="{FF2B5EF4-FFF2-40B4-BE49-F238E27FC236}">
-                <a16:creationId xmlns:a16="http://schemas.microsoft.com/office/drawing/2014/main" id="{72635D8E-75E9-4861-A034-2F681536BD55}"/>
-              </a:ext>
-            </a:extLst>
-          </p:cNvPr>
-          <p:cNvSpPr/>
-          <p:nvPr/>
-        </p:nvSpPr>
-        <p:spPr>
-          <a:xfrm>
-            <a:off x="4838966" y="3723105"/>
+          <p:cNvPr id="24" name="Rectángulo: esquinas redondeadas 23">
+            <a:extLst>
+              <a:ext uri="{FF2B5EF4-FFF2-40B4-BE49-F238E27FC236}">
+                <a16:creationId xmlns:a16="http://schemas.microsoft.com/office/drawing/2014/main" id="{B719B48F-99A5-4A11-820C-460EDE8155EC}"/>
+              </a:ext>
+            </a:extLst>
+          </p:cNvPr>
+          <p:cNvSpPr/>
+          <p:nvPr/>
+        </p:nvSpPr>
+        <p:spPr>
+          <a:xfrm>
+            <a:off x="4749901" y="3607992"/>
             <a:ext cx="2968668" cy="369941"/>
           </a:xfrm>
           <a:prstGeom prst="roundRect">
@@ -8603,19 +7680,19 @@
       </p:sp>
       <p:sp>
         <p:nvSpPr>
-          <p:cNvPr id="36" name="Rectángulo: esquinas redondeadas 35">
-            <a:extLst>
-              <a:ext uri="{FF2B5EF4-FFF2-40B4-BE49-F238E27FC236}">
-                <a16:creationId xmlns:a16="http://schemas.microsoft.com/office/drawing/2014/main" id="{832776BC-E50A-4297-942D-D2CD4B725C56}"/>
-              </a:ext>
-            </a:extLst>
-          </p:cNvPr>
-          <p:cNvSpPr/>
-          <p:nvPr/>
-        </p:nvSpPr>
-        <p:spPr>
-          <a:xfrm>
-            <a:off x="4838966" y="4212203"/>
+          <p:cNvPr id="25" name="Rectángulo: esquinas redondeadas 24">
+            <a:extLst>
+              <a:ext uri="{FF2B5EF4-FFF2-40B4-BE49-F238E27FC236}">
+                <a16:creationId xmlns:a16="http://schemas.microsoft.com/office/drawing/2014/main" id="{3AF3636C-B73E-4C2F-9EEF-0B3852DC46F2}"/>
+              </a:ext>
+            </a:extLst>
+          </p:cNvPr>
+          <p:cNvSpPr/>
+          <p:nvPr/>
+        </p:nvSpPr>
+        <p:spPr>
+          <a:xfrm>
+            <a:off x="4749901" y="4097090"/>
             <a:ext cx="2968668" cy="369941"/>
           </a:xfrm>
           <a:prstGeom prst="roundRect">
@@ -8652,19 +7729,19 @@
       </p:sp>
       <p:sp>
         <p:nvSpPr>
-          <p:cNvPr id="37" name="Rectángulo: esquinas redondeadas 36">
-            <a:extLst>
-              <a:ext uri="{FF2B5EF4-FFF2-40B4-BE49-F238E27FC236}">
-                <a16:creationId xmlns:a16="http://schemas.microsoft.com/office/drawing/2014/main" id="{8DF0E8DC-0F1F-415F-9ACE-AF25B7B87F7A}"/>
-              </a:ext>
-            </a:extLst>
-          </p:cNvPr>
-          <p:cNvSpPr/>
-          <p:nvPr/>
-        </p:nvSpPr>
-        <p:spPr>
-          <a:xfrm>
-            <a:off x="4838966" y="4702986"/>
+          <p:cNvPr id="26" name="Rectángulo: esquinas redondeadas 25">
+            <a:extLst>
+              <a:ext uri="{FF2B5EF4-FFF2-40B4-BE49-F238E27FC236}">
+                <a16:creationId xmlns:a16="http://schemas.microsoft.com/office/drawing/2014/main" id="{83528E5A-D347-4398-9B6A-AE048F5AEA8B}"/>
+              </a:ext>
+            </a:extLst>
+          </p:cNvPr>
+          <p:cNvSpPr/>
+          <p:nvPr/>
+        </p:nvSpPr>
+        <p:spPr>
+          <a:xfrm>
+            <a:off x="4749901" y="4587873"/>
             <a:ext cx="2968668" cy="369941"/>
           </a:xfrm>
           <a:prstGeom prst="roundRect">
@@ -8701,19 +7778,19 @@
       </p:sp>
       <p:sp>
         <p:nvSpPr>
-          <p:cNvPr id="38" name="Rectángulo: esquinas redondeadas 37">
-            <a:extLst>
-              <a:ext uri="{FF2B5EF4-FFF2-40B4-BE49-F238E27FC236}">
-                <a16:creationId xmlns:a16="http://schemas.microsoft.com/office/drawing/2014/main" id="{58791F08-56F5-41DA-8F5D-96A6F018CD9B}"/>
-              </a:ext>
-            </a:extLst>
-          </p:cNvPr>
-          <p:cNvSpPr/>
-          <p:nvPr/>
-        </p:nvSpPr>
-        <p:spPr>
-          <a:xfrm>
-            <a:off x="4838966" y="5176778"/>
+          <p:cNvPr id="27" name="Rectángulo: esquinas redondeadas 26">
+            <a:extLst>
+              <a:ext uri="{FF2B5EF4-FFF2-40B4-BE49-F238E27FC236}">
+                <a16:creationId xmlns:a16="http://schemas.microsoft.com/office/drawing/2014/main" id="{9DF048AE-CC85-4FA7-B526-B709B6E61D51}"/>
+              </a:ext>
+            </a:extLst>
+          </p:cNvPr>
+          <p:cNvSpPr/>
+          <p:nvPr/>
+        </p:nvSpPr>
+        <p:spPr>
+          <a:xfrm>
+            <a:off x="4749901" y="5061665"/>
             <a:ext cx="2968668" cy="369941"/>
           </a:xfrm>
           <a:prstGeom prst="roundRect">
@@ -8750,20 +7827,20 @@
       </p:sp>
       <p:sp>
         <p:nvSpPr>
-          <p:cNvPr id="39" name="Rectángulo: esquinas redondeadas 38">
+          <p:cNvPr id="28" name="Rectángulo: esquinas redondeadas 27">
             <a:hlinkClick r:id="rId2" action="ppaction://hlinksldjump"/>
             <a:extLst>
               <a:ext uri="{FF2B5EF4-FFF2-40B4-BE49-F238E27FC236}">
-                <a16:creationId xmlns:a16="http://schemas.microsoft.com/office/drawing/2014/main" id="{5223D675-C855-40B4-8FE5-2BBD271B99D5}"/>
-              </a:ext>
-            </a:extLst>
-          </p:cNvPr>
-          <p:cNvSpPr/>
-          <p:nvPr/>
-        </p:nvSpPr>
-        <p:spPr>
-          <a:xfrm>
-            <a:off x="7659166" y="5778474"/>
+                <a16:creationId xmlns:a16="http://schemas.microsoft.com/office/drawing/2014/main" id="{886ED2DD-3786-421F-8ABF-FBAE9E03F42C}"/>
+              </a:ext>
+            </a:extLst>
+          </p:cNvPr>
+          <p:cNvSpPr/>
+          <p:nvPr/>
+        </p:nvSpPr>
+        <p:spPr>
+          <a:xfrm>
+            <a:off x="7173615" y="2819095"/>
             <a:ext cx="2129425" cy="461665"/>
           </a:xfrm>
           <a:prstGeom prst="roundRect">
@@ -8800,7 +7877,7 @@
                   <a:schemeClr val="bg1"/>
                 </a:solidFill>
               </a:rPr>
-              <a:t>Guardar</a:t>
+              <a:t>Buscar</a:t>
             </a:r>
             <a:endParaRPr lang="es-BO" dirty="0">
               <a:solidFill>
@@ -8812,20 +7889,20 @@
       </p:sp>
       <p:sp>
         <p:nvSpPr>
-          <p:cNvPr id="40" name="Rectángulo: esquinas redondeadas 39">
-            <a:hlinkClick r:id="rId2" action="ppaction://hlinksldjump"/>
-            <a:extLst>
-              <a:ext uri="{FF2B5EF4-FFF2-40B4-BE49-F238E27FC236}">
-                <a16:creationId xmlns:a16="http://schemas.microsoft.com/office/drawing/2014/main" id="{4AA1E62D-AE8B-4C2C-82D6-43D4F1ED7883}"/>
-              </a:ext>
-            </a:extLst>
-          </p:cNvPr>
-          <p:cNvSpPr/>
-          <p:nvPr/>
-        </p:nvSpPr>
-        <p:spPr>
-          <a:xfrm>
-            <a:off x="5394385" y="5778473"/>
+          <p:cNvPr id="29" name="Rectángulo: esquinas redondeadas 28">
+            <a:hlinkClick r:id="rId3" action="ppaction://hlinksldjump"/>
+            <a:extLst>
+              <a:ext uri="{FF2B5EF4-FFF2-40B4-BE49-F238E27FC236}">
+                <a16:creationId xmlns:a16="http://schemas.microsoft.com/office/drawing/2014/main" id="{9FE843B5-7FFE-4B1C-BE1E-50E94E03E2A2}"/>
+              </a:ext>
+            </a:extLst>
+          </p:cNvPr>
+          <p:cNvSpPr/>
+          <p:nvPr/>
+        </p:nvSpPr>
+        <p:spPr>
+          <a:xfrm>
+            <a:off x="7173615" y="5757125"/>
             <a:ext cx="2129425" cy="461665"/>
           </a:xfrm>
           <a:prstGeom prst="roundRect">
@@ -8862,7 +7939,7 @@
                   <a:schemeClr val="bg1"/>
                 </a:solidFill>
               </a:rPr>
-              <a:t>Cancelar</a:t>
+              <a:t>Volver</a:t>
             </a:r>
             <a:endParaRPr lang="es-BO" dirty="0">
               <a:solidFill>
@@ -8875,7 +7952,7 @@
     </p:spTree>
     <p:extLst>
       <p:ext uri="{BB962C8B-B14F-4D97-AF65-F5344CB8AC3E}">
-        <p14:creationId xmlns:p14="http://schemas.microsoft.com/office/powerpoint/2010/main" val="93610612"/>
+        <p14:creationId xmlns:p14="http://schemas.microsoft.com/office/powerpoint/2010/main" val="1630521267"/>
       </p:ext>
     </p:extLst>
   </p:cSld>
@@ -8904,10 +7981,10 @@
       </p:grpSpPr>
       <p:sp>
         <p:nvSpPr>
-          <p:cNvPr id="13" name="Rectángulo 12">
-            <a:extLst>
-              <a:ext uri="{FF2B5EF4-FFF2-40B4-BE49-F238E27FC236}">
-                <a16:creationId xmlns:a16="http://schemas.microsoft.com/office/drawing/2014/main" id="{CE1984CF-E45B-4414-9817-42931A5ADAD3}"/>
+          <p:cNvPr id="23" name="Rectángulo 22">
+            <a:extLst>
+              <a:ext uri="{FF2B5EF4-FFF2-40B4-BE49-F238E27FC236}">
+                <a16:creationId xmlns:a16="http://schemas.microsoft.com/office/drawing/2014/main" id="{C3680053-8AD8-4C6C-8F4B-B7B09B5E20A9}"/>
               </a:ext>
             </a:extLst>
           </p:cNvPr>
@@ -8953,23 +8030,58 @@
       </p:sp>
       <p:sp>
         <p:nvSpPr>
-          <p:cNvPr id="14" name="Rectángulo 13">
+          <p:cNvPr id="3" name="CuadroTexto 2">
+            <a:extLst>
+              <a:ext uri="{FF2B5EF4-FFF2-40B4-BE49-F238E27FC236}">
+                <a16:creationId xmlns:a16="http://schemas.microsoft.com/office/drawing/2014/main" id="{1D3FCFEA-3FE6-411E-92DC-96741C41D4CE}"/>
+              </a:ext>
+            </a:extLst>
+          </p:cNvPr>
+          <p:cNvSpPr txBox="1"/>
+          <p:nvPr/>
+        </p:nvSpPr>
+        <p:spPr>
+          <a:xfrm>
+            <a:off x="1052186" y="413359"/>
+            <a:ext cx="3181611" cy="400110"/>
+          </a:xfrm>
+          <a:prstGeom prst="rect">
+            <a:avLst/>
+          </a:prstGeom>
+          <a:noFill/>
+        </p:spPr>
+        <p:txBody>
+          <a:bodyPr wrap="square" rtlCol="0">
+            <a:spAutoFit/>
+          </a:bodyPr>
+          <a:lstStyle/>
+          <a:p>
+            <a:r>
+              <a:rPr lang="es-MX" sz="2000" b="1" dirty="0"/>
+              <a:t>Servicios</a:t>
+            </a:r>
+          </a:p>
+        </p:txBody>
+      </p:sp>
+      <p:sp>
+        <p:nvSpPr>
+          <p:cNvPr id="10" name="Rectángulo: esquinas redondeadas 9">
             <a:hlinkClick r:id="rId2" action="ppaction://hlinksldjump"/>
             <a:extLst>
               <a:ext uri="{FF2B5EF4-FFF2-40B4-BE49-F238E27FC236}">
-                <a16:creationId xmlns:a16="http://schemas.microsoft.com/office/drawing/2014/main" id="{35162915-4E9A-4BEE-A149-9321619D33F6}"/>
-              </a:ext>
-            </a:extLst>
-          </p:cNvPr>
-          <p:cNvSpPr/>
-          <p:nvPr/>
-        </p:nvSpPr>
-        <p:spPr>
-          <a:xfrm>
-            <a:off x="4120190" y="2382381"/>
-            <a:ext cx="1924101" cy="538619"/>
-          </a:xfrm>
-          <a:prstGeom prst="rect">
+                <a16:creationId xmlns:a16="http://schemas.microsoft.com/office/drawing/2014/main" id="{7F0DA3DA-260D-4411-8E1E-AA9736348D51}"/>
+              </a:ext>
+            </a:extLst>
+          </p:cNvPr>
+          <p:cNvSpPr/>
+          <p:nvPr/>
+        </p:nvSpPr>
+        <p:spPr>
+          <a:xfrm>
+            <a:off x="4085990" y="3429000"/>
+            <a:ext cx="2129425" cy="461665"/>
+          </a:xfrm>
+          <a:prstGeom prst="roundRect">
             <a:avLst/>
           </a:prstGeom>
           <a:solidFill>
@@ -9003,7 +8115,7 @@
                   <a:schemeClr val="bg1"/>
                 </a:solidFill>
               </a:rPr>
-              <a:t>Clientes</a:t>
+              <a:t>Nuevo Servicio</a:t>
             </a:r>
             <a:endParaRPr lang="es-BO" dirty="0">
               <a:solidFill>
@@ -9015,23 +8127,23 @@
       </p:sp>
       <p:sp>
         <p:nvSpPr>
-          <p:cNvPr id="15" name="Rectángulo 14">
+          <p:cNvPr id="11" name="Rectángulo: esquinas redondeadas 10">
             <a:hlinkClick r:id="rId3" action="ppaction://hlinksldjump"/>
             <a:extLst>
               <a:ext uri="{FF2B5EF4-FFF2-40B4-BE49-F238E27FC236}">
-                <a16:creationId xmlns:a16="http://schemas.microsoft.com/office/drawing/2014/main" id="{34DE4B73-3627-4BB6-8562-B40D13A2DF29}"/>
-              </a:ext>
-            </a:extLst>
-          </p:cNvPr>
-          <p:cNvSpPr/>
-          <p:nvPr/>
-        </p:nvSpPr>
-        <p:spPr>
-          <a:xfrm>
-            <a:off x="6044291" y="2382381"/>
-            <a:ext cx="1924101" cy="538619"/>
-          </a:xfrm>
-          <a:prstGeom prst="rect">
+                <a16:creationId xmlns:a16="http://schemas.microsoft.com/office/drawing/2014/main" id="{CD1D402C-68AA-4C19-BAE7-01555BCE408B}"/>
+              </a:ext>
+            </a:extLst>
+          </p:cNvPr>
+          <p:cNvSpPr/>
+          <p:nvPr/>
+        </p:nvSpPr>
+        <p:spPr>
+          <a:xfrm>
+            <a:off x="6359084" y="3429000"/>
+            <a:ext cx="2129425" cy="461665"/>
+          </a:xfrm>
+          <a:prstGeom prst="roundRect">
             <a:avLst/>
           </a:prstGeom>
           <a:solidFill>
@@ -9060,29 +8172,37 @@
           <a:p>
             <a:pPr algn="ctr"/>
             <a:r>
-              <a:rPr lang="es-MX" dirty="0"/>
-              <a:t>Servicios</a:t>
-            </a:r>
-            <a:endParaRPr lang="es-BO" dirty="0"/>
-          </a:p>
-        </p:txBody>
-      </p:sp>
-      <p:sp>
-        <p:nvSpPr>
-          <p:cNvPr id="16" name="Rectángulo 15">
+              <a:rPr lang="es-MX" dirty="0">
+                <a:solidFill>
+                  <a:schemeClr val="bg1"/>
+                </a:solidFill>
+              </a:rPr>
+              <a:t>Buscar Servicio</a:t>
+            </a:r>
+            <a:endParaRPr lang="es-BO" dirty="0">
+              <a:solidFill>
+                <a:schemeClr val="bg1"/>
+              </a:solidFill>
+            </a:endParaRPr>
+          </a:p>
+        </p:txBody>
+      </p:sp>
+      <p:sp>
+        <p:nvSpPr>
+          <p:cNvPr id="12" name="Rectángulo 11">
             <a:hlinkClick r:id="rId4" action="ppaction://hlinksldjump"/>
             <a:extLst>
               <a:ext uri="{FF2B5EF4-FFF2-40B4-BE49-F238E27FC236}">
-                <a16:creationId xmlns:a16="http://schemas.microsoft.com/office/drawing/2014/main" id="{2D165A01-9E71-4BE7-8336-B12A42A35FEA}"/>
-              </a:ext>
-            </a:extLst>
-          </p:cNvPr>
-          <p:cNvSpPr/>
-          <p:nvPr/>
-        </p:nvSpPr>
-        <p:spPr>
-          <a:xfrm>
-            <a:off x="7968392" y="2382381"/>
+                <a16:creationId xmlns:a16="http://schemas.microsoft.com/office/drawing/2014/main" id="{16B84741-039B-4765-A085-390E907EE5E4}"/>
+              </a:ext>
+            </a:extLst>
+          </p:cNvPr>
+          <p:cNvSpPr/>
+          <p:nvPr/>
+        </p:nvSpPr>
+        <p:spPr>
+          <a:xfrm>
+            <a:off x="2196089" y="2382381"/>
             <a:ext cx="1924101" cy="538619"/>
           </a:xfrm>
           <a:prstGeom prst="rect">
@@ -9114,29 +8234,37 @@
           <a:p>
             <a:pPr algn="ctr"/>
             <a:r>
-              <a:rPr lang="es-MX" dirty="0"/>
-              <a:t>Pagar</a:t>
-            </a:r>
-            <a:endParaRPr lang="es-BO" dirty="0"/>
-          </a:p>
-        </p:txBody>
-      </p:sp>
-      <p:sp>
-        <p:nvSpPr>
-          <p:cNvPr id="17" name="Rectángulo 16">
+              <a:rPr lang="es-MX" dirty="0">
+                <a:solidFill>
+                  <a:schemeClr val="bg1"/>
+                </a:solidFill>
+              </a:rPr>
+              <a:t>Clientes</a:t>
+            </a:r>
+            <a:endParaRPr lang="es-BO" dirty="0">
+              <a:solidFill>
+                <a:schemeClr val="bg1"/>
+              </a:solidFill>
+            </a:endParaRPr>
+          </a:p>
+        </p:txBody>
+      </p:sp>
+      <p:sp>
+        <p:nvSpPr>
+          <p:cNvPr id="13" name="Rectángulo 12">
             <a:hlinkClick r:id="rId5" action="ppaction://hlinksldjump"/>
             <a:extLst>
               <a:ext uri="{FF2B5EF4-FFF2-40B4-BE49-F238E27FC236}">
-                <a16:creationId xmlns:a16="http://schemas.microsoft.com/office/drawing/2014/main" id="{5A1F6AF3-8793-4329-8742-4639D11BC507}"/>
-              </a:ext>
-            </a:extLst>
-          </p:cNvPr>
-          <p:cNvSpPr/>
-          <p:nvPr/>
-        </p:nvSpPr>
-        <p:spPr>
-          <a:xfrm>
-            <a:off x="2196089" y="2382380"/>
+                <a16:creationId xmlns:a16="http://schemas.microsoft.com/office/drawing/2014/main" id="{B7FAAFFB-B267-4B19-8B2E-09FBDB8F9E8D}"/>
+              </a:ext>
+            </a:extLst>
+          </p:cNvPr>
+          <p:cNvSpPr/>
+          <p:nvPr/>
+        </p:nvSpPr>
+        <p:spPr>
+          <a:xfrm>
+            <a:off x="4120190" y="2382381"/>
             <a:ext cx="1924101" cy="538619"/>
           </a:xfrm>
           <a:prstGeom prst="rect">
@@ -9168,12 +8296,120 @@
           <a:p>
             <a:pPr algn="ctr"/>
             <a:r>
+              <a:rPr lang="es-MX" dirty="0"/>
+              <a:t>Servicios</a:t>
+            </a:r>
+            <a:endParaRPr lang="es-BO" dirty="0"/>
+          </a:p>
+        </p:txBody>
+      </p:sp>
+      <p:sp>
+        <p:nvSpPr>
+          <p:cNvPr id="14" name="Rectángulo 13">
+            <a:hlinkClick r:id="rId6" action="ppaction://hlinksldjump"/>
+            <a:extLst>
+              <a:ext uri="{FF2B5EF4-FFF2-40B4-BE49-F238E27FC236}">
+                <a16:creationId xmlns:a16="http://schemas.microsoft.com/office/drawing/2014/main" id="{6C6E6222-E418-431F-A4FC-4E2031D52626}"/>
+              </a:ext>
+            </a:extLst>
+          </p:cNvPr>
+          <p:cNvSpPr/>
+          <p:nvPr/>
+        </p:nvSpPr>
+        <p:spPr>
+          <a:xfrm>
+            <a:off x="7968392" y="2382381"/>
+            <a:ext cx="1924101" cy="538619"/>
+          </a:xfrm>
+          <a:prstGeom prst="rect">
+            <a:avLst/>
+          </a:prstGeom>
+          <a:solidFill>
+            <a:srgbClr val="002060"/>
+          </a:solidFill>
+        </p:spPr>
+        <p:style>
+          <a:lnRef idx="2">
+            <a:schemeClr val="accent1">
+              <a:shade val="50000"/>
+            </a:schemeClr>
+          </a:lnRef>
+          <a:fillRef idx="1">
+            <a:schemeClr val="accent1"/>
+          </a:fillRef>
+          <a:effectRef idx="0">
+            <a:schemeClr val="accent1"/>
+          </a:effectRef>
+          <a:fontRef idx="minor">
+            <a:schemeClr val="lt1"/>
+          </a:fontRef>
+        </p:style>
+        <p:txBody>
+          <a:bodyPr rtlCol="0" anchor="ctr"/>
+          <a:lstStyle/>
+          <a:p>
+            <a:pPr algn="ctr"/>
+            <a:r>
+              <a:rPr lang="es-MX" dirty="0"/>
+              <a:t>Pagar</a:t>
+            </a:r>
+            <a:endParaRPr lang="es-BO" dirty="0"/>
+          </a:p>
+        </p:txBody>
+      </p:sp>
+      <p:sp>
+        <p:nvSpPr>
+          <p:cNvPr id="15" name="Rectángulo 14">
+            <a:hlinkClick r:id="rId7" action="ppaction://hlinksldjump"/>
+            <a:extLst>
+              <a:ext uri="{FF2B5EF4-FFF2-40B4-BE49-F238E27FC236}">
+                <a16:creationId xmlns:a16="http://schemas.microsoft.com/office/drawing/2014/main" id="{8125A658-0F96-438C-B303-18B97376F09F}"/>
+              </a:ext>
+            </a:extLst>
+          </p:cNvPr>
+          <p:cNvSpPr/>
+          <p:nvPr/>
+        </p:nvSpPr>
+        <p:spPr>
+          <a:xfrm>
+            <a:off x="6044291" y="2382380"/>
+            <a:ext cx="1924101" cy="538619"/>
+          </a:xfrm>
+          <a:prstGeom prst="rect">
+            <a:avLst/>
+          </a:prstGeom>
+          <a:solidFill>
+            <a:srgbClr val="002060"/>
+          </a:solidFill>
+        </p:spPr>
+        <p:style>
+          <a:lnRef idx="2">
+            <a:schemeClr val="accent1">
+              <a:shade val="50000"/>
+            </a:schemeClr>
+          </a:lnRef>
+          <a:fillRef idx="1">
+            <a:schemeClr val="accent1"/>
+          </a:fillRef>
+          <a:effectRef idx="0">
+            <a:schemeClr val="accent1"/>
+          </a:effectRef>
+          <a:fontRef idx="minor">
+            <a:schemeClr val="lt1"/>
+          </a:fontRef>
+        </p:style>
+        <p:txBody>
+          <a:bodyPr rtlCol="0" anchor="ctr"/>
+          <a:lstStyle/>
+          <a:p>
+            <a:pPr algn="ctr"/>
+            <a:r>
               <a:rPr lang="es-MX" dirty="0">
                 <a:solidFill>
                   <a:schemeClr val="bg1"/>
                 </a:solidFill>
               </a:rPr>
-              <a:t>Menú</a:t>
+              <a:t>Suscripciones</a:t>
             </a:r>
             <a:endParaRPr lang="es-BO" dirty="0">
               <a:solidFill>
@@ -9183,294 +8419,10 @@
           </a:p>
         </p:txBody>
       </p:sp>
-      <p:sp>
-        <p:nvSpPr>
-          <p:cNvPr id="3" name="CuadroTexto 2">
-            <a:extLst>
-              <a:ext uri="{FF2B5EF4-FFF2-40B4-BE49-F238E27FC236}">
-                <a16:creationId xmlns:a16="http://schemas.microsoft.com/office/drawing/2014/main" id="{1D3FCFEA-3FE6-411E-92DC-96741C41D4CE}"/>
-              </a:ext>
-            </a:extLst>
-          </p:cNvPr>
-          <p:cNvSpPr txBox="1"/>
-          <p:nvPr/>
-        </p:nvSpPr>
-        <p:spPr>
-          <a:xfrm>
-            <a:off x="1052186" y="413359"/>
-            <a:ext cx="3181611" cy="400110"/>
-          </a:xfrm>
-          <a:prstGeom prst="rect">
-            <a:avLst/>
-          </a:prstGeom>
-          <a:noFill/>
-        </p:spPr>
-        <p:txBody>
-          <a:bodyPr wrap="square" rtlCol="0">
-            <a:spAutoFit/>
-          </a:bodyPr>
-          <a:lstStyle/>
-          <a:p>
-            <a:r>
-              <a:rPr lang="es-MX" sz="2000" b="1" dirty="0"/>
-              <a:t>Lista de Clientes</a:t>
-            </a:r>
-          </a:p>
-        </p:txBody>
-      </p:sp>
-      <p:graphicFrame>
-        <p:nvGraphicFramePr>
-          <p:cNvPr id="4" name="Tabla 4">
-            <a:extLst>
-              <a:ext uri="{FF2B5EF4-FFF2-40B4-BE49-F238E27FC236}">
-                <a16:creationId xmlns:a16="http://schemas.microsoft.com/office/drawing/2014/main" id="{25FAE874-00A1-46E2-BC99-DE946810779A}"/>
-              </a:ext>
-            </a:extLst>
-          </p:cNvPr>
-          <p:cNvGraphicFramePr>
-            <a:graphicFrameLocks noGrp="1"/>
-          </p:cNvGraphicFramePr>
-          <p:nvPr>
-            <p:extLst>
-              <p:ext uri="{D42A27DB-BD31-4B8C-83A1-F6EECF244321}">
-                <p14:modId xmlns:p14="http://schemas.microsoft.com/office/powerpoint/2010/main" val="610449515"/>
-              </p:ext>
-            </p:extLst>
-          </p:nvPr>
-        </p:nvGraphicFramePr>
-        <p:xfrm>
-          <a:off x="2626176" y="3285974"/>
-          <a:ext cx="6836230" cy="2560320"/>
-        </p:xfrm>
-        <a:graphic>
-          <a:graphicData uri="http://schemas.openxmlformats.org/drawingml/2006/table">
-            <a:tbl>
-              <a:tblPr firstRow="1" bandRow="1">
-                <a:tableStyleId>{5940675A-B579-460E-94D1-54222C63F5DA}</a:tableStyleId>
-              </a:tblPr>
-              <a:tblGrid>
-                <a:gridCol w="3418115">
-                  <a:extLst>
-                    <a:ext uri="{9D8B030D-6E8A-4147-A177-3AD203B41FA5}">
-                      <a16:colId xmlns:a16="http://schemas.microsoft.com/office/drawing/2014/main" val="102689261"/>
-                    </a:ext>
-                  </a:extLst>
-                </a:gridCol>
-                <a:gridCol w="3418115">
-                  <a:extLst>
-                    <a:ext uri="{9D8B030D-6E8A-4147-A177-3AD203B41FA5}">
-                      <a16:colId xmlns:a16="http://schemas.microsoft.com/office/drawing/2014/main" val="2998374133"/>
-                    </a:ext>
-                  </a:extLst>
-                </a:gridCol>
-              </a:tblGrid>
-              <a:tr h="314744">
-                <a:tc>
-                  <a:txBody>
-                    <a:bodyPr/>
-                    <a:lstStyle/>
-                    <a:p>
-                      <a:pPr algn="ctr"/>
-                      <a:r>
-                        <a:rPr lang="es-MX" dirty="0"/>
-                        <a:t>Nombre</a:t>
-                      </a:r>
-                      <a:endParaRPr lang="es-BO" dirty="0"/>
-                    </a:p>
-                  </a:txBody>
-                  <a:tcPr/>
-                </a:tc>
-                <a:tc>
-                  <a:txBody>
-                    <a:bodyPr/>
-                    <a:lstStyle/>
-                    <a:p>
-                      <a:pPr algn="ctr"/>
-                      <a:r>
-                        <a:rPr lang="es-MX" dirty="0"/>
-                        <a:t>Código</a:t>
-                      </a:r>
-                      <a:endParaRPr lang="es-BO" dirty="0"/>
-                    </a:p>
-                  </a:txBody>
-                  <a:tcPr/>
-                </a:tc>
-                <a:extLst>
-                  <a:ext uri="{0D108BD9-81ED-4DB2-BD59-A6C34878D82A}">
-                    <a16:rowId xmlns:a16="http://schemas.microsoft.com/office/drawing/2014/main" val="1766500898"/>
-                  </a:ext>
-                </a:extLst>
-              </a:tr>
-              <a:tr h="314744">
-                <a:tc>
-                  <a:txBody>
-                    <a:bodyPr/>
-                    <a:lstStyle/>
-                    <a:p>
-                      <a:endParaRPr lang="es-BO"/>
-                    </a:p>
-                  </a:txBody>
-                  <a:tcPr/>
-                </a:tc>
-                <a:tc>
-                  <a:txBody>
-                    <a:bodyPr/>
-                    <a:lstStyle/>
-                    <a:p>
-                      <a:endParaRPr lang="es-BO"/>
-                    </a:p>
-                  </a:txBody>
-                  <a:tcPr/>
-                </a:tc>
-                <a:extLst>
-                  <a:ext uri="{0D108BD9-81ED-4DB2-BD59-A6C34878D82A}">
-                    <a16:rowId xmlns:a16="http://schemas.microsoft.com/office/drawing/2014/main" val="203267505"/>
-                  </a:ext>
-                </a:extLst>
-              </a:tr>
-              <a:tr h="314744">
-                <a:tc>
-                  <a:txBody>
-                    <a:bodyPr/>
-                    <a:lstStyle/>
-                    <a:p>
-                      <a:endParaRPr lang="es-BO"/>
-                    </a:p>
-                  </a:txBody>
-                  <a:tcPr/>
-                </a:tc>
-                <a:tc>
-                  <a:txBody>
-                    <a:bodyPr/>
-                    <a:lstStyle/>
-                    <a:p>
-                      <a:endParaRPr lang="es-BO"/>
-                    </a:p>
-                  </a:txBody>
-                  <a:tcPr/>
-                </a:tc>
-                <a:extLst>
-                  <a:ext uri="{0D108BD9-81ED-4DB2-BD59-A6C34878D82A}">
-                    <a16:rowId xmlns:a16="http://schemas.microsoft.com/office/drawing/2014/main" val="1844233923"/>
-                  </a:ext>
-                </a:extLst>
-              </a:tr>
-              <a:tr h="314744">
-                <a:tc>
-                  <a:txBody>
-                    <a:bodyPr/>
-                    <a:lstStyle/>
-                    <a:p>
-                      <a:endParaRPr lang="es-BO"/>
-                    </a:p>
-                  </a:txBody>
-                  <a:tcPr/>
-                </a:tc>
-                <a:tc>
-                  <a:txBody>
-                    <a:bodyPr/>
-                    <a:lstStyle/>
-                    <a:p>
-                      <a:endParaRPr lang="es-BO"/>
-                    </a:p>
-                  </a:txBody>
-                  <a:tcPr/>
-                </a:tc>
-                <a:extLst>
-                  <a:ext uri="{0D108BD9-81ED-4DB2-BD59-A6C34878D82A}">
-                    <a16:rowId xmlns:a16="http://schemas.microsoft.com/office/drawing/2014/main" val="225153833"/>
-                  </a:ext>
-                </a:extLst>
-              </a:tr>
-              <a:tr h="314744">
-                <a:tc>
-                  <a:txBody>
-                    <a:bodyPr/>
-                    <a:lstStyle/>
-                    <a:p>
-                      <a:endParaRPr lang="es-BO"/>
-                    </a:p>
-                  </a:txBody>
-                  <a:tcPr/>
-                </a:tc>
-                <a:tc>
-                  <a:txBody>
-                    <a:bodyPr/>
-                    <a:lstStyle/>
-                    <a:p>
-                      <a:endParaRPr lang="es-BO"/>
-                    </a:p>
-                  </a:txBody>
-                  <a:tcPr/>
-                </a:tc>
-                <a:extLst>
-                  <a:ext uri="{0D108BD9-81ED-4DB2-BD59-A6C34878D82A}">
-                    <a16:rowId xmlns:a16="http://schemas.microsoft.com/office/drawing/2014/main" val="4069376827"/>
-                  </a:ext>
-                </a:extLst>
-              </a:tr>
-              <a:tr h="314744">
-                <a:tc>
-                  <a:txBody>
-                    <a:bodyPr/>
-                    <a:lstStyle/>
-                    <a:p>
-                      <a:endParaRPr lang="es-BO"/>
-                    </a:p>
-                  </a:txBody>
-                  <a:tcPr/>
-                </a:tc>
-                <a:tc>
-                  <a:txBody>
-                    <a:bodyPr/>
-                    <a:lstStyle/>
-                    <a:p>
-                      <a:endParaRPr lang="es-BO"/>
-                    </a:p>
-                  </a:txBody>
-                  <a:tcPr/>
-                </a:tc>
-                <a:extLst>
-                  <a:ext uri="{0D108BD9-81ED-4DB2-BD59-A6C34878D82A}">
-                    <a16:rowId xmlns:a16="http://schemas.microsoft.com/office/drawing/2014/main" val="3812397389"/>
-                  </a:ext>
-                </a:extLst>
-              </a:tr>
-              <a:tr h="314744">
-                <a:tc>
-                  <a:txBody>
-                    <a:bodyPr/>
-                    <a:lstStyle/>
-                    <a:p>
-                      <a:endParaRPr lang="es-BO"/>
-                    </a:p>
-                  </a:txBody>
-                  <a:tcPr/>
-                </a:tc>
-                <a:tc>
-                  <a:txBody>
-                    <a:bodyPr/>
-                    <a:lstStyle/>
-                    <a:p>
-                      <a:endParaRPr lang="es-BO" dirty="0"/>
-                    </a:p>
-                  </a:txBody>
-                  <a:tcPr/>
-                </a:tc>
-                <a:extLst>
-                  <a:ext uri="{0D108BD9-81ED-4DB2-BD59-A6C34878D82A}">
-                    <a16:rowId xmlns:a16="http://schemas.microsoft.com/office/drawing/2014/main" val="1967169603"/>
-                  </a:ext>
-                </a:extLst>
-              </a:tr>
-            </a:tbl>
-          </a:graphicData>
-        </a:graphic>
-      </p:graphicFrame>
     </p:spTree>
     <p:extLst>
       <p:ext uri="{BB962C8B-B14F-4D97-AF65-F5344CB8AC3E}">
-        <p14:creationId xmlns:p14="http://schemas.microsoft.com/office/powerpoint/2010/main" val="1630521267"/>
+        <p14:creationId xmlns:p14="http://schemas.microsoft.com/office/powerpoint/2010/main" val="2787828738"/>
       </p:ext>
     </p:extLst>
   </p:cSld>
@@ -9499,10 +8451,10 @@
       </p:grpSpPr>
       <p:sp>
         <p:nvSpPr>
-          <p:cNvPr id="23" name="Rectángulo 22">
-            <a:extLst>
-              <a:ext uri="{FF2B5EF4-FFF2-40B4-BE49-F238E27FC236}">
-                <a16:creationId xmlns:a16="http://schemas.microsoft.com/office/drawing/2014/main" id="{C3680053-8AD8-4C6C-8F4B-B7B09B5E20A9}"/>
+          <p:cNvPr id="38" name="Rectángulo 37">
+            <a:extLst>
+              <a:ext uri="{FF2B5EF4-FFF2-40B4-BE49-F238E27FC236}">
+                <a16:creationId xmlns:a16="http://schemas.microsoft.com/office/drawing/2014/main" id="{3E037DEA-A246-4759-88D5-FD0663A8734D}"/>
               </a:ext>
             </a:extLst>
           </p:cNvPr>
@@ -9548,10 +8500,10 @@
       </p:sp>
       <p:sp>
         <p:nvSpPr>
-          <p:cNvPr id="3" name="CuadroTexto 2">
-            <a:extLst>
-              <a:ext uri="{FF2B5EF4-FFF2-40B4-BE49-F238E27FC236}">
-                <a16:creationId xmlns:a16="http://schemas.microsoft.com/office/drawing/2014/main" id="{1D3FCFEA-3FE6-411E-92DC-96741C41D4CE}"/>
+          <p:cNvPr id="8" name="CuadroTexto 7">
+            <a:extLst>
+              <a:ext uri="{FF2B5EF4-FFF2-40B4-BE49-F238E27FC236}">
+                <a16:creationId xmlns:a16="http://schemas.microsoft.com/office/drawing/2014/main" id="{DB43D916-CD00-49F2-9F95-0CE8A148D12C}"/>
               </a:ext>
             </a:extLst>
           </p:cNvPr>
@@ -9560,7 +8512,7 @@
         </p:nvSpPr>
         <p:spPr>
           <a:xfrm>
-            <a:off x="1052186" y="413359"/>
+            <a:off x="1014608" y="394570"/>
             <a:ext cx="3181611" cy="400110"/>
           </a:xfrm>
           <a:prstGeom prst="rect">
@@ -9576,34 +8528,273 @@
           <a:p>
             <a:r>
               <a:rPr lang="es-MX" sz="2000" b="1" dirty="0"/>
-              <a:t>Servicios</a:t>
-            </a:r>
-          </a:p>
-        </p:txBody>
-      </p:sp>
-      <p:sp>
-        <p:nvSpPr>
-          <p:cNvPr id="10" name="Rectángulo: esquinas redondeadas 9">
-            <a:hlinkClick r:id="rId2" action="ppaction://hlinksldjump"/>
-            <a:extLst>
-              <a:ext uri="{FF2B5EF4-FFF2-40B4-BE49-F238E27FC236}">
-                <a16:creationId xmlns:a16="http://schemas.microsoft.com/office/drawing/2014/main" id="{7F0DA3DA-260D-4411-8E1E-AA9736348D51}"/>
-              </a:ext>
-            </a:extLst>
-          </p:cNvPr>
-          <p:cNvSpPr/>
-          <p:nvPr/>
-        </p:nvSpPr>
-        <p:spPr>
-          <a:xfrm>
-            <a:off x="4085990" y="3429000"/>
-            <a:ext cx="2129425" cy="461665"/>
+              <a:t>Registrar nuevo Servicios</a:t>
+            </a:r>
+          </a:p>
+        </p:txBody>
+      </p:sp>
+      <p:sp>
+        <p:nvSpPr>
+          <p:cNvPr id="15" name="Rectángulo 14">
+            <a:extLst>
+              <a:ext uri="{FF2B5EF4-FFF2-40B4-BE49-F238E27FC236}">
+                <a16:creationId xmlns:a16="http://schemas.microsoft.com/office/drawing/2014/main" id="{A793AE15-1156-49D5-BF75-41DBC8BF6E27}"/>
+              </a:ext>
+            </a:extLst>
+          </p:cNvPr>
+          <p:cNvSpPr/>
+          <p:nvPr/>
+        </p:nvSpPr>
+        <p:spPr>
+          <a:xfrm>
+            <a:off x="3435885" y="3642522"/>
+            <a:ext cx="896720" cy="400110"/>
+          </a:xfrm>
+          <a:prstGeom prst="rect">
+            <a:avLst/>
+          </a:prstGeom>
+          <a:noFill/>
+        </p:spPr>
+        <p:txBody>
+          <a:bodyPr wrap="none" lIns="91440" tIns="45720" rIns="91440" bIns="45720">
+            <a:spAutoFit/>
+          </a:bodyPr>
+          <a:lstStyle/>
+          <a:p>
+            <a:pPr algn="ctr"/>
+            <a:r>
+              <a:rPr lang="es-ES" sz="2000" dirty="0">
+                <a:ln w="0"/>
+                <a:effectLst>
+                  <a:outerShdw blurRad="38100" dist="19050" dir="2700000" algn="tl" rotWithShape="0">
+                    <a:schemeClr val="dk1">
+                      <a:alpha val="40000"/>
+                    </a:schemeClr>
+                  </a:outerShdw>
+                </a:effectLst>
+                <a:latin typeface="+mj-lt"/>
+              </a:rPr>
+              <a:t>Código</a:t>
+            </a:r>
+            <a:endParaRPr lang="es-ES" sz="5400" b="0" cap="none" spc="0" dirty="0">
+              <a:ln w="0"/>
+              <a:solidFill>
+                <a:schemeClr val="tx1"/>
+              </a:solidFill>
+              <a:effectLst>
+                <a:outerShdw blurRad="38100" dist="19050" dir="2700000" algn="tl" rotWithShape="0">
+                  <a:schemeClr val="dk1">
+                    <a:alpha val="40000"/>
+                  </a:schemeClr>
+                </a:outerShdw>
+              </a:effectLst>
+              <a:latin typeface="+mj-lt"/>
+            </a:endParaRPr>
+          </a:p>
+        </p:txBody>
+      </p:sp>
+      <p:sp>
+        <p:nvSpPr>
+          <p:cNvPr id="16" name="Rectángulo 15">
+            <a:extLst>
+              <a:ext uri="{FF2B5EF4-FFF2-40B4-BE49-F238E27FC236}">
+                <a16:creationId xmlns:a16="http://schemas.microsoft.com/office/drawing/2014/main" id="{A2C791FF-854E-4AE7-81B1-6668B00C0484}"/>
+              </a:ext>
+            </a:extLst>
+          </p:cNvPr>
+          <p:cNvSpPr/>
+          <p:nvPr/>
+        </p:nvSpPr>
+        <p:spPr>
+          <a:xfrm>
+            <a:off x="3435885" y="4094222"/>
+            <a:ext cx="1028872" cy="400110"/>
+          </a:xfrm>
+          <a:prstGeom prst="rect">
+            <a:avLst/>
+          </a:prstGeom>
+          <a:noFill/>
+        </p:spPr>
+        <p:txBody>
+          <a:bodyPr wrap="none" lIns="91440" tIns="45720" rIns="91440" bIns="45720">
+            <a:spAutoFit/>
+          </a:bodyPr>
+          <a:lstStyle/>
+          <a:p>
+            <a:pPr algn="ctr"/>
+            <a:r>
+              <a:rPr lang="es-ES" sz="2000" dirty="0">
+                <a:ln w="0"/>
+                <a:effectLst>
+                  <a:outerShdw blurRad="38100" dist="19050" dir="2700000" algn="tl" rotWithShape="0">
+                    <a:schemeClr val="dk1">
+                      <a:alpha val="40000"/>
+                    </a:schemeClr>
+                  </a:outerShdw>
+                </a:effectLst>
+                <a:latin typeface="+mj-lt"/>
+              </a:rPr>
+              <a:t>Nombre</a:t>
+            </a:r>
+            <a:endParaRPr lang="es-ES" sz="5400" b="0" cap="none" spc="0" dirty="0">
+              <a:ln w="0"/>
+              <a:solidFill>
+                <a:schemeClr val="tx1"/>
+              </a:solidFill>
+              <a:effectLst>
+                <a:outerShdw blurRad="38100" dist="19050" dir="2700000" algn="tl" rotWithShape="0">
+                  <a:schemeClr val="dk1">
+                    <a:alpha val="40000"/>
+                  </a:schemeClr>
+                </a:outerShdw>
+              </a:effectLst>
+              <a:latin typeface="+mj-lt"/>
+            </a:endParaRPr>
+          </a:p>
+        </p:txBody>
+      </p:sp>
+      <p:sp>
+        <p:nvSpPr>
+          <p:cNvPr id="17" name="Rectángulo 16">
+            <a:extLst>
+              <a:ext uri="{FF2B5EF4-FFF2-40B4-BE49-F238E27FC236}">
+                <a16:creationId xmlns:a16="http://schemas.microsoft.com/office/drawing/2014/main" id="{8D08F00C-B621-48F3-8D28-3EA1676C649A}"/>
+              </a:ext>
+            </a:extLst>
+          </p:cNvPr>
+          <p:cNvSpPr/>
+          <p:nvPr/>
+        </p:nvSpPr>
+        <p:spPr>
+          <a:xfrm>
+            <a:off x="3451442" y="4635724"/>
+            <a:ext cx="821187" cy="400110"/>
+          </a:xfrm>
+          <a:prstGeom prst="rect">
+            <a:avLst/>
+          </a:prstGeom>
+          <a:noFill/>
+        </p:spPr>
+        <p:txBody>
+          <a:bodyPr wrap="none" lIns="91440" tIns="45720" rIns="91440" bIns="45720">
+            <a:spAutoFit/>
+          </a:bodyPr>
+          <a:lstStyle/>
+          <a:p>
+            <a:pPr algn="ctr"/>
+            <a:r>
+              <a:rPr lang="es-ES" sz="2000" dirty="0">
+                <a:ln w="0"/>
+                <a:effectLst>
+                  <a:outerShdw blurRad="38100" dist="19050" dir="2700000" algn="tl" rotWithShape="0">
+                    <a:schemeClr val="dk1">
+                      <a:alpha val="40000"/>
+                    </a:schemeClr>
+                  </a:outerShdw>
+                </a:effectLst>
+                <a:latin typeface="+mj-lt"/>
+              </a:rPr>
+              <a:t>Precio</a:t>
+            </a:r>
+            <a:endParaRPr lang="es-ES" sz="5400" b="0" cap="none" spc="0" dirty="0">
+              <a:ln w="0"/>
+              <a:solidFill>
+                <a:schemeClr val="tx1"/>
+              </a:solidFill>
+              <a:effectLst>
+                <a:outerShdw blurRad="38100" dist="19050" dir="2700000" algn="tl" rotWithShape="0">
+                  <a:schemeClr val="dk1">
+                    <a:alpha val="40000"/>
+                  </a:schemeClr>
+                </a:outerShdw>
+              </a:effectLst>
+              <a:latin typeface="+mj-lt"/>
+            </a:endParaRPr>
+          </a:p>
+        </p:txBody>
+      </p:sp>
+      <p:sp>
+        <p:nvSpPr>
+          <p:cNvPr id="19" name="Rectángulo 18">
+            <a:extLst>
+              <a:ext uri="{FF2B5EF4-FFF2-40B4-BE49-F238E27FC236}">
+                <a16:creationId xmlns:a16="http://schemas.microsoft.com/office/drawing/2014/main" id="{A3965776-A33A-4984-AB25-F19B39E2BF9A}"/>
+              </a:ext>
+            </a:extLst>
+          </p:cNvPr>
+          <p:cNvSpPr/>
+          <p:nvPr/>
+        </p:nvSpPr>
+        <p:spPr>
+          <a:xfrm>
+            <a:off x="3439827" y="5082123"/>
+            <a:ext cx="1383712" cy="400110"/>
+          </a:xfrm>
+          <a:prstGeom prst="rect">
+            <a:avLst/>
+          </a:prstGeom>
+          <a:noFill/>
+        </p:spPr>
+        <p:txBody>
+          <a:bodyPr wrap="none" lIns="91440" tIns="45720" rIns="91440" bIns="45720">
+            <a:spAutoFit/>
+          </a:bodyPr>
+          <a:lstStyle/>
+          <a:p>
+            <a:pPr algn="ctr"/>
+            <a:r>
+              <a:rPr lang="es-ES" sz="2000" dirty="0">
+                <a:ln w="0"/>
+                <a:effectLst>
+                  <a:outerShdw blurRad="38100" dist="19050" dir="2700000" algn="tl" rotWithShape="0">
+                    <a:schemeClr val="dk1">
+                      <a:alpha val="40000"/>
+                    </a:schemeClr>
+                  </a:outerShdw>
+                </a:effectLst>
+                <a:latin typeface="+mj-lt"/>
+              </a:rPr>
+              <a:t>Descripción</a:t>
+            </a:r>
+            <a:endParaRPr lang="es-ES" sz="5400" b="0" cap="none" spc="0" dirty="0">
+              <a:ln w="0"/>
+              <a:solidFill>
+                <a:schemeClr val="tx1"/>
+              </a:solidFill>
+              <a:effectLst>
+                <a:outerShdw blurRad="38100" dist="19050" dir="2700000" algn="tl" rotWithShape="0">
+                  <a:schemeClr val="dk1">
+                    <a:alpha val="40000"/>
+                  </a:schemeClr>
+                </a:outerShdw>
+              </a:effectLst>
+              <a:latin typeface="+mj-lt"/>
+            </a:endParaRPr>
+          </a:p>
+        </p:txBody>
+      </p:sp>
+      <p:sp>
+        <p:nvSpPr>
+          <p:cNvPr id="20" name="Rectángulo: esquinas redondeadas 19">
+            <a:extLst>
+              <a:ext uri="{FF2B5EF4-FFF2-40B4-BE49-F238E27FC236}">
+                <a16:creationId xmlns:a16="http://schemas.microsoft.com/office/drawing/2014/main" id="{07250EAA-54E9-43D5-BAE4-6799E9EA091C}"/>
+              </a:ext>
+            </a:extLst>
+          </p:cNvPr>
+          <p:cNvSpPr/>
+          <p:nvPr/>
+        </p:nvSpPr>
+        <p:spPr>
+          <a:xfrm>
+            <a:off x="4853480" y="3642522"/>
+            <a:ext cx="2968668" cy="369941"/>
           </a:xfrm>
           <a:prstGeom prst="roundRect">
             <a:avLst/>
           </a:prstGeom>
           <a:solidFill>
-            <a:srgbClr val="002060"/>
+            <a:srgbClr val="FFFFFF"/>
           </a:solidFill>
         </p:spPr>
         <p:style>
@@ -9627,45 +8818,32 @@
           <a:lstStyle/>
           <a:p>
             <a:pPr algn="ctr"/>
-            <a:r>
-              <a:rPr lang="es-MX" dirty="0">
-                <a:solidFill>
-                  <a:schemeClr val="bg1"/>
-                </a:solidFill>
-              </a:rPr>
-              <a:t>Nuevo Servicio</a:t>
-            </a:r>
-            <a:endParaRPr lang="es-BO" dirty="0">
-              <a:solidFill>
-                <a:schemeClr val="bg1"/>
-              </a:solidFill>
-            </a:endParaRPr>
-          </a:p>
-        </p:txBody>
-      </p:sp>
-      <p:sp>
-        <p:nvSpPr>
-          <p:cNvPr id="11" name="Rectángulo: esquinas redondeadas 10">
-            <a:hlinkClick r:id="rId3" action="ppaction://hlinksldjump"/>
-            <a:extLst>
-              <a:ext uri="{FF2B5EF4-FFF2-40B4-BE49-F238E27FC236}">
-                <a16:creationId xmlns:a16="http://schemas.microsoft.com/office/drawing/2014/main" id="{CD1D402C-68AA-4C19-BAE7-01555BCE408B}"/>
-              </a:ext>
-            </a:extLst>
-          </p:cNvPr>
-          <p:cNvSpPr/>
-          <p:nvPr/>
-        </p:nvSpPr>
-        <p:spPr>
-          <a:xfrm>
-            <a:off x="6359084" y="3429000"/>
-            <a:ext cx="2129425" cy="461665"/>
+            <a:endParaRPr lang="es-BO" dirty="0"/>
+          </a:p>
+        </p:txBody>
+      </p:sp>
+      <p:sp>
+        <p:nvSpPr>
+          <p:cNvPr id="21" name="Rectángulo: esquinas redondeadas 20">
+            <a:extLst>
+              <a:ext uri="{FF2B5EF4-FFF2-40B4-BE49-F238E27FC236}">
+                <a16:creationId xmlns:a16="http://schemas.microsoft.com/office/drawing/2014/main" id="{EE1B27DF-482D-402B-A69F-92ECAB76A972}"/>
+              </a:ext>
+            </a:extLst>
+          </p:cNvPr>
+          <p:cNvSpPr/>
+          <p:nvPr/>
+        </p:nvSpPr>
+        <p:spPr>
+          <a:xfrm>
+            <a:off x="4853480" y="4121598"/>
+            <a:ext cx="2968668" cy="369941"/>
           </a:xfrm>
           <a:prstGeom prst="roundRect">
             <a:avLst/>
           </a:prstGeom>
           <a:solidFill>
-            <a:srgbClr val="002060"/>
+            <a:srgbClr val="FFFFFF"/>
           </a:solidFill>
         </p:spPr>
         <p:style>
@@ -9689,45 +8867,32 @@
           <a:lstStyle/>
           <a:p>
             <a:pPr algn="ctr"/>
-            <a:r>
-              <a:rPr lang="es-MX" dirty="0">
-                <a:solidFill>
-                  <a:schemeClr val="bg1"/>
-                </a:solidFill>
-              </a:rPr>
-              <a:t>Lista Servicios</a:t>
-            </a:r>
-            <a:endParaRPr lang="es-BO" dirty="0">
-              <a:solidFill>
-                <a:schemeClr val="bg1"/>
-              </a:solidFill>
-            </a:endParaRPr>
-          </a:p>
-        </p:txBody>
-      </p:sp>
-      <p:sp>
-        <p:nvSpPr>
-          <p:cNvPr id="24" name="Rectángulo 23">
-            <a:hlinkClick r:id="rId4" action="ppaction://hlinksldjump"/>
-            <a:extLst>
-              <a:ext uri="{FF2B5EF4-FFF2-40B4-BE49-F238E27FC236}">
-                <a16:creationId xmlns:a16="http://schemas.microsoft.com/office/drawing/2014/main" id="{0CF1CBFE-9108-458B-A2C9-845395A5BB67}"/>
-              </a:ext>
-            </a:extLst>
-          </p:cNvPr>
-          <p:cNvSpPr/>
-          <p:nvPr/>
-        </p:nvSpPr>
-        <p:spPr>
-          <a:xfrm>
-            <a:off x="4120190" y="2382381"/>
-            <a:ext cx="1924101" cy="538619"/>
-          </a:xfrm>
-          <a:prstGeom prst="rect">
+            <a:endParaRPr lang="es-BO" dirty="0"/>
+          </a:p>
+        </p:txBody>
+      </p:sp>
+      <p:sp>
+        <p:nvSpPr>
+          <p:cNvPr id="22" name="Rectángulo: esquinas redondeadas 21">
+            <a:extLst>
+              <a:ext uri="{FF2B5EF4-FFF2-40B4-BE49-F238E27FC236}">
+                <a16:creationId xmlns:a16="http://schemas.microsoft.com/office/drawing/2014/main" id="{5E1862E9-0BD9-4D46-B8E9-52D209CE7C23}"/>
+              </a:ext>
+            </a:extLst>
+          </p:cNvPr>
+          <p:cNvSpPr/>
+          <p:nvPr/>
+        </p:nvSpPr>
+        <p:spPr>
+          <a:xfrm>
+            <a:off x="4853480" y="4610696"/>
+            <a:ext cx="2968668" cy="369941"/>
+          </a:xfrm>
+          <a:prstGeom prst="roundRect">
             <a:avLst/>
           </a:prstGeom>
           <a:solidFill>
-            <a:srgbClr val="002060"/>
+            <a:srgbClr val="FFFFFF"/>
           </a:solidFill>
         </p:spPr>
         <p:style>
@@ -9751,45 +8916,32 @@
           <a:lstStyle/>
           <a:p>
             <a:pPr algn="ctr"/>
-            <a:r>
-              <a:rPr lang="es-MX" dirty="0">
-                <a:solidFill>
-                  <a:schemeClr val="bg1"/>
-                </a:solidFill>
-              </a:rPr>
-              <a:t>Clientes</a:t>
-            </a:r>
-            <a:endParaRPr lang="es-BO" dirty="0">
-              <a:solidFill>
-                <a:schemeClr val="bg1"/>
-              </a:solidFill>
-            </a:endParaRPr>
-          </a:p>
-        </p:txBody>
-      </p:sp>
-      <p:sp>
-        <p:nvSpPr>
-          <p:cNvPr id="25" name="Rectángulo 24">
-            <a:hlinkClick r:id="rId5" action="ppaction://hlinksldjump"/>
-            <a:extLst>
-              <a:ext uri="{FF2B5EF4-FFF2-40B4-BE49-F238E27FC236}">
-                <a16:creationId xmlns:a16="http://schemas.microsoft.com/office/drawing/2014/main" id="{FF0A8AE4-98C9-4D8F-A8BD-70BE434A37D1}"/>
-              </a:ext>
-            </a:extLst>
-          </p:cNvPr>
-          <p:cNvSpPr/>
-          <p:nvPr/>
-        </p:nvSpPr>
-        <p:spPr>
-          <a:xfrm>
-            <a:off x="6044291" y="2382381"/>
-            <a:ext cx="1924101" cy="538619"/>
-          </a:xfrm>
-          <a:prstGeom prst="rect">
+            <a:endParaRPr lang="es-BO" dirty="0"/>
+          </a:p>
+        </p:txBody>
+      </p:sp>
+      <p:sp>
+        <p:nvSpPr>
+          <p:cNvPr id="23" name="Rectángulo: esquinas redondeadas 22">
+            <a:extLst>
+              <a:ext uri="{FF2B5EF4-FFF2-40B4-BE49-F238E27FC236}">
+                <a16:creationId xmlns:a16="http://schemas.microsoft.com/office/drawing/2014/main" id="{5D37431C-EB8B-474E-87BF-837776CFD422}"/>
+              </a:ext>
+            </a:extLst>
+          </p:cNvPr>
+          <p:cNvSpPr/>
+          <p:nvPr/>
+        </p:nvSpPr>
+        <p:spPr>
+          <a:xfrm>
+            <a:off x="4853480" y="5101479"/>
+            <a:ext cx="2968668" cy="369941"/>
+          </a:xfrm>
+          <a:prstGeom prst="roundRect">
             <a:avLst/>
           </a:prstGeom>
           <a:solidFill>
-            <a:srgbClr val="002060"/>
+            <a:srgbClr val="FFFFFF"/>
           </a:solidFill>
         </p:spPr>
         <p:style>
@@ -9813,33 +8965,29 @@
           <a:lstStyle/>
           <a:p>
             <a:pPr algn="ctr"/>
-            <a:r>
-              <a:rPr lang="es-MX" dirty="0"/>
-              <a:t>Servicios</a:t>
-            </a:r>
             <a:endParaRPr lang="es-BO" dirty="0"/>
           </a:p>
         </p:txBody>
       </p:sp>
       <p:sp>
         <p:nvSpPr>
-          <p:cNvPr id="26" name="Rectángulo 25">
-            <a:hlinkClick r:id="rId6" action="ppaction://hlinksldjump"/>
-            <a:extLst>
-              <a:ext uri="{FF2B5EF4-FFF2-40B4-BE49-F238E27FC236}">
-                <a16:creationId xmlns:a16="http://schemas.microsoft.com/office/drawing/2014/main" id="{1C068171-69FA-45DC-9ECB-0615E035C993}"/>
-              </a:ext>
-            </a:extLst>
-          </p:cNvPr>
-          <p:cNvSpPr/>
-          <p:nvPr/>
-        </p:nvSpPr>
-        <p:spPr>
-          <a:xfrm>
-            <a:off x="7968392" y="2382381"/>
-            <a:ext cx="1924101" cy="538619"/>
-          </a:xfrm>
-          <a:prstGeom prst="rect">
+          <p:cNvPr id="26" name="Rectángulo: esquinas redondeadas 25">
+            <a:hlinkClick r:id="rId2" action="ppaction://hlinksldjump"/>
+            <a:extLst>
+              <a:ext uri="{FF2B5EF4-FFF2-40B4-BE49-F238E27FC236}">
+                <a16:creationId xmlns:a16="http://schemas.microsoft.com/office/drawing/2014/main" id="{97051F9D-71CC-4E76-AB59-9B918E74040F}"/>
+              </a:ext>
+            </a:extLst>
+          </p:cNvPr>
+          <p:cNvSpPr/>
+          <p:nvPr/>
+        </p:nvSpPr>
+        <p:spPr>
+          <a:xfrm>
+            <a:off x="7661468" y="5783924"/>
+            <a:ext cx="2129425" cy="461665"/>
+          </a:xfrm>
+          <a:prstGeom prst="roundRect">
             <a:avLst/>
           </a:prstGeom>
           <a:solidFill>
@@ -9868,32 +9016,40 @@
           <a:p>
             <a:pPr algn="ctr"/>
             <a:r>
-              <a:rPr lang="es-MX" dirty="0"/>
-              <a:t>Pagar</a:t>
-            </a:r>
-            <a:endParaRPr lang="es-BO" dirty="0"/>
-          </a:p>
-        </p:txBody>
-      </p:sp>
-      <p:sp>
-        <p:nvSpPr>
-          <p:cNvPr id="27" name="Rectángulo 26">
-            <a:hlinkClick r:id="rId7" action="ppaction://hlinksldjump"/>
-            <a:extLst>
-              <a:ext uri="{FF2B5EF4-FFF2-40B4-BE49-F238E27FC236}">
-                <a16:creationId xmlns:a16="http://schemas.microsoft.com/office/drawing/2014/main" id="{B08F6581-01B5-4806-B205-B5F0A18F63F6}"/>
-              </a:ext>
-            </a:extLst>
-          </p:cNvPr>
-          <p:cNvSpPr/>
-          <p:nvPr/>
-        </p:nvSpPr>
-        <p:spPr>
-          <a:xfrm>
-            <a:off x="2196089" y="2382380"/>
-            <a:ext cx="1924101" cy="538619"/>
-          </a:xfrm>
-          <a:prstGeom prst="rect">
+              <a:rPr lang="es-MX" dirty="0">
+                <a:solidFill>
+                  <a:schemeClr val="bg1"/>
+                </a:solidFill>
+              </a:rPr>
+              <a:t>Guardar</a:t>
+            </a:r>
+            <a:endParaRPr lang="es-BO" dirty="0">
+              <a:solidFill>
+                <a:schemeClr val="bg1"/>
+              </a:solidFill>
+            </a:endParaRPr>
+          </a:p>
+        </p:txBody>
+      </p:sp>
+      <p:sp>
+        <p:nvSpPr>
+          <p:cNvPr id="27" name="Rectángulo: esquinas redondeadas 26">
+            <a:hlinkClick r:id="rId2" action="ppaction://hlinksldjump"/>
+            <a:extLst>
+              <a:ext uri="{FF2B5EF4-FFF2-40B4-BE49-F238E27FC236}">
+                <a16:creationId xmlns:a16="http://schemas.microsoft.com/office/drawing/2014/main" id="{D51B1E8C-2CB2-4AD3-805A-09BC16B2C6DA}"/>
+              </a:ext>
+            </a:extLst>
+          </p:cNvPr>
+          <p:cNvSpPr/>
+          <p:nvPr/>
+        </p:nvSpPr>
+        <p:spPr>
+          <a:xfrm>
+            <a:off x="5396687" y="5783923"/>
+            <a:ext cx="2129425" cy="461665"/>
+          </a:xfrm>
+          <a:prstGeom prst="roundRect">
             <a:avLst/>
           </a:prstGeom>
           <a:solidFill>
@@ -9927,7 +9083,7 @@
                   <a:schemeClr val="bg1"/>
                 </a:solidFill>
               </a:rPr>
-              <a:t>Menú</a:t>
+              <a:t>Cancelar</a:t>
             </a:r>
             <a:endParaRPr lang="es-BO" dirty="0">
               <a:solidFill>
@@ -9937,10 +9093,242 @@
           </a:p>
         </p:txBody>
       </p:sp>
+      <p:sp>
+        <p:nvSpPr>
+          <p:cNvPr id="18" name="Rectángulo 17">
+            <a:hlinkClick r:id="rId3" action="ppaction://hlinksldjump"/>
+            <a:extLst>
+              <a:ext uri="{FF2B5EF4-FFF2-40B4-BE49-F238E27FC236}">
+                <a16:creationId xmlns:a16="http://schemas.microsoft.com/office/drawing/2014/main" id="{7BAA4BB5-B41C-446B-894F-CB275E06888C}"/>
+              </a:ext>
+            </a:extLst>
+          </p:cNvPr>
+          <p:cNvSpPr/>
+          <p:nvPr/>
+        </p:nvSpPr>
+        <p:spPr>
+          <a:xfrm>
+            <a:off x="2196089" y="2382381"/>
+            <a:ext cx="1924101" cy="538619"/>
+          </a:xfrm>
+          <a:prstGeom prst="rect">
+            <a:avLst/>
+          </a:prstGeom>
+          <a:solidFill>
+            <a:srgbClr val="002060"/>
+          </a:solidFill>
+        </p:spPr>
+        <p:style>
+          <a:lnRef idx="2">
+            <a:schemeClr val="accent1">
+              <a:shade val="50000"/>
+            </a:schemeClr>
+          </a:lnRef>
+          <a:fillRef idx="1">
+            <a:schemeClr val="accent1"/>
+          </a:fillRef>
+          <a:effectRef idx="0">
+            <a:schemeClr val="accent1"/>
+          </a:effectRef>
+          <a:fontRef idx="minor">
+            <a:schemeClr val="lt1"/>
+          </a:fontRef>
+        </p:style>
+        <p:txBody>
+          <a:bodyPr rtlCol="0" anchor="ctr"/>
+          <a:lstStyle/>
+          <a:p>
+            <a:pPr algn="ctr"/>
+            <a:r>
+              <a:rPr lang="es-MX" dirty="0">
+                <a:solidFill>
+                  <a:schemeClr val="bg1"/>
+                </a:solidFill>
+              </a:rPr>
+              <a:t>Clientes</a:t>
+            </a:r>
+            <a:endParaRPr lang="es-BO" dirty="0">
+              <a:solidFill>
+                <a:schemeClr val="bg1"/>
+              </a:solidFill>
+            </a:endParaRPr>
+          </a:p>
+        </p:txBody>
+      </p:sp>
+      <p:sp>
+        <p:nvSpPr>
+          <p:cNvPr id="24" name="Rectángulo 23">
+            <a:hlinkClick r:id="rId2" action="ppaction://hlinksldjump"/>
+            <a:extLst>
+              <a:ext uri="{FF2B5EF4-FFF2-40B4-BE49-F238E27FC236}">
+                <a16:creationId xmlns:a16="http://schemas.microsoft.com/office/drawing/2014/main" id="{F9DF8D28-CAE4-4796-8B56-6228369EB5ED}"/>
+              </a:ext>
+            </a:extLst>
+          </p:cNvPr>
+          <p:cNvSpPr/>
+          <p:nvPr/>
+        </p:nvSpPr>
+        <p:spPr>
+          <a:xfrm>
+            <a:off x="4120190" y="2382381"/>
+            <a:ext cx="1924101" cy="538619"/>
+          </a:xfrm>
+          <a:prstGeom prst="rect">
+            <a:avLst/>
+          </a:prstGeom>
+          <a:solidFill>
+            <a:srgbClr val="002060"/>
+          </a:solidFill>
+        </p:spPr>
+        <p:style>
+          <a:lnRef idx="2">
+            <a:schemeClr val="accent1">
+              <a:shade val="50000"/>
+            </a:schemeClr>
+          </a:lnRef>
+          <a:fillRef idx="1">
+            <a:schemeClr val="accent1"/>
+          </a:fillRef>
+          <a:effectRef idx="0">
+            <a:schemeClr val="accent1"/>
+          </a:effectRef>
+          <a:fontRef idx="minor">
+            <a:schemeClr val="lt1"/>
+          </a:fontRef>
+        </p:style>
+        <p:txBody>
+          <a:bodyPr rtlCol="0" anchor="ctr"/>
+          <a:lstStyle/>
+          <a:p>
+            <a:pPr algn="ctr"/>
+            <a:r>
+              <a:rPr lang="es-MX" dirty="0"/>
+              <a:t>Servicios</a:t>
+            </a:r>
+            <a:endParaRPr lang="es-BO" dirty="0"/>
+          </a:p>
+        </p:txBody>
+      </p:sp>
+      <p:sp>
+        <p:nvSpPr>
+          <p:cNvPr id="25" name="Rectángulo 24">
+            <a:hlinkClick r:id="rId4" action="ppaction://hlinksldjump"/>
+            <a:extLst>
+              <a:ext uri="{FF2B5EF4-FFF2-40B4-BE49-F238E27FC236}">
+                <a16:creationId xmlns:a16="http://schemas.microsoft.com/office/drawing/2014/main" id="{D42CFCF0-BC9E-42A6-8339-17CD251C203A}"/>
+              </a:ext>
+            </a:extLst>
+          </p:cNvPr>
+          <p:cNvSpPr/>
+          <p:nvPr/>
+        </p:nvSpPr>
+        <p:spPr>
+          <a:xfrm>
+            <a:off x="7968392" y="2382381"/>
+            <a:ext cx="1924101" cy="538619"/>
+          </a:xfrm>
+          <a:prstGeom prst="rect">
+            <a:avLst/>
+          </a:prstGeom>
+          <a:solidFill>
+            <a:srgbClr val="002060"/>
+          </a:solidFill>
+        </p:spPr>
+        <p:style>
+          <a:lnRef idx="2">
+            <a:schemeClr val="accent1">
+              <a:shade val="50000"/>
+            </a:schemeClr>
+          </a:lnRef>
+          <a:fillRef idx="1">
+            <a:schemeClr val="accent1"/>
+          </a:fillRef>
+          <a:effectRef idx="0">
+            <a:schemeClr val="accent1"/>
+          </a:effectRef>
+          <a:fontRef idx="minor">
+            <a:schemeClr val="lt1"/>
+          </a:fontRef>
+        </p:style>
+        <p:txBody>
+          <a:bodyPr rtlCol="0" anchor="ctr"/>
+          <a:lstStyle/>
+          <a:p>
+            <a:pPr algn="ctr"/>
+            <a:r>
+              <a:rPr lang="es-MX" dirty="0"/>
+              <a:t>Pagar</a:t>
+            </a:r>
+            <a:endParaRPr lang="es-BO" dirty="0"/>
+          </a:p>
+        </p:txBody>
+      </p:sp>
+      <p:sp>
+        <p:nvSpPr>
+          <p:cNvPr id="28" name="Rectángulo 27">
+            <a:hlinkClick r:id="rId5" action="ppaction://hlinksldjump"/>
+            <a:extLst>
+              <a:ext uri="{FF2B5EF4-FFF2-40B4-BE49-F238E27FC236}">
+                <a16:creationId xmlns:a16="http://schemas.microsoft.com/office/drawing/2014/main" id="{9B04405C-CA53-4F14-90C9-F851AE26AFB1}"/>
+              </a:ext>
+            </a:extLst>
+          </p:cNvPr>
+          <p:cNvSpPr/>
+          <p:nvPr/>
+        </p:nvSpPr>
+        <p:spPr>
+          <a:xfrm>
+            <a:off x="6044291" y="2382380"/>
+            <a:ext cx="1924101" cy="538619"/>
+          </a:xfrm>
+          <a:prstGeom prst="rect">
+            <a:avLst/>
+          </a:prstGeom>
+          <a:solidFill>
+            <a:srgbClr val="002060"/>
+          </a:solidFill>
+        </p:spPr>
+        <p:style>
+          <a:lnRef idx="2">
+            <a:schemeClr val="accent1">
+              <a:shade val="50000"/>
+            </a:schemeClr>
+          </a:lnRef>
+          <a:fillRef idx="1">
+            <a:schemeClr val="accent1"/>
+          </a:fillRef>
+          <a:effectRef idx="0">
+            <a:schemeClr val="accent1"/>
+          </a:effectRef>
+          <a:fontRef idx="minor">
+            <a:schemeClr val="lt1"/>
+          </a:fontRef>
+        </p:style>
+        <p:txBody>
+          <a:bodyPr rtlCol="0" anchor="ctr"/>
+          <a:lstStyle/>
+          <a:p>
+            <a:pPr algn="ctr"/>
+            <a:r>
+              <a:rPr lang="es-MX" dirty="0">
+                <a:solidFill>
+                  <a:schemeClr val="bg1"/>
+                </a:solidFill>
+              </a:rPr>
+              <a:t>Suscripciones</a:t>
+            </a:r>
+            <a:endParaRPr lang="es-BO" dirty="0">
+              <a:solidFill>
+                <a:schemeClr val="bg1"/>
+              </a:solidFill>
+            </a:endParaRPr>
+          </a:p>
+        </p:txBody>
+      </p:sp>
     </p:spTree>
     <p:extLst>
       <p:ext uri="{BB962C8B-B14F-4D97-AF65-F5344CB8AC3E}">
-        <p14:creationId xmlns:p14="http://schemas.microsoft.com/office/powerpoint/2010/main" val="2787828738"/>
+        <p14:creationId xmlns:p14="http://schemas.microsoft.com/office/powerpoint/2010/main" val="3332983865"/>
       </p:ext>
     </p:extLst>
   </p:cSld>
@@ -9969,10 +9357,45 @@
       </p:grpSpPr>
       <p:sp>
         <p:nvSpPr>
-          <p:cNvPr id="38" name="Rectángulo 37">
-            <a:extLst>
-              <a:ext uri="{FF2B5EF4-FFF2-40B4-BE49-F238E27FC236}">
-                <a16:creationId xmlns:a16="http://schemas.microsoft.com/office/drawing/2014/main" id="{3E037DEA-A246-4759-88D5-FD0663A8734D}"/>
+          <p:cNvPr id="3" name="CuadroTexto 2">
+            <a:extLst>
+              <a:ext uri="{FF2B5EF4-FFF2-40B4-BE49-F238E27FC236}">
+                <a16:creationId xmlns:a16="http://schemas.microsoft.com/office/drawing/2014/main" id="{1D3FCFEA-3FE6-411E-92DC-96741C41D4CE}"/>
+              </a:ext>
+            </a:extLst>
+          </p:cNvPr>
+          <p:cNvSpPr txBox="1"/>
+          <p:nvPr/>
+        </p:nvSpPr>
+        <p:spPr>
+          <a:xfrm>
+            <a:off x="1052186" y="413359"/>
+            <a:ext cx="3181611" cy="400110"/>
+          </a:xfrm>
+          <a:prstGeom prst="rect">
+            <a:avLst/>
+          </a:prstGeom>
+          <a:noFill/>
+        </p:spPr>
+        <p:txBody>
+          <a:bodyPr wrap="square" rtlCol="0">
+            <a:spAutoFit/>
+          </a:bodyPr>
+          <a:lstStyle/>
+          <a:p>
+            <a:r>
+              <a:rPr lang="es-MX" sz="2000" b="1" dirty="0"/>
+              <a:t>Lista de Servicios</a:t>
+            </a:r>
+          </a:p>
+        </p:txBody>
+      </p:sp>
+      <p:sp>
+        <p:nvSpPr>
+          <p:cNvPr id="13" name="Rectángulo 12">
+            <a:extLst>
+              <a:ext uri="{FF2B5EF4-FFF2-40B4-BE49-F238E27FC236}">
+                <a16:creationId xmlns:a16="http://schemas.microsoft.com/office/drawing/2014/main" id="{1B57690C-7D2B-4B3F-9DE8-9E71E8949534}"/>
               </a:ext>
             </a:extLst>
           </p:cNvPr>
@@ -10018,23 +9441,23 @@
       </p:sp>
       <p:sp>
         <p:nvSpPr>
-          <p:cNvPr id="39" name="Rectángulo 38">
+          <p:cNvPr id="19" name="Rectángulo: esquinas redondeadas 18">
             <a:hlinkClick r:id="rId2" action="ppaction://hlinksldjump"/>
             <a:extLst>
               <a:ext uri="{FF2B5EF4-FFF2-40B4-BE49-F238E27FC236}">
-                <a16:creationId xmlns:a16="http://schemas.microsoft.com/office/drawing/2014/main" id="{028C0718-92A1-4B36-9591-2DD23146F2A1}"/>
-              </a:ext>
-            </a:extLst>
-          </p:cNvPr>
-          <p:cNvSpPr/>
-          <p:nvPr/>
-        </p:nvSpPr>
-        <p:spPr>
-          <a:xfrm>
-            <a:off x="4120190" y="2382381"/>
-            <a:ext cx="1924101" cy="538619"/>
-          </a:xfrm>
-          <a:prstGeom prst="rect">
+                <a16:creationId xmlns:a16="http://schemas.microsoft.com/office/drawing/2014/main" id="{43D46F6B-2734-4901-A31A-0038945B0546}"/>
+              </a:ext>
+            </a:extLst>
+          </p:cNvPr>
+          <p:cNvSpPr/>
+          <p:nvPr/>
+        </p:nvSpPr>
+        <p:spPr>
+          <a:xfrm>
+            <a:off x="7578563" y="3228082"/>
+            <a:ext cx="2129425" cy="461665"/>
+          </a:xfrm>
+          <a:prstGeom prst="roundRect">
             <a:avLst/>
           </a:prstGeom>
           <a:solidFill>
@@ -10068,7 +9491,7 @@
                   <a:schemeClr val="bg1"/>
                 </a:solidFill>
               </a:rPr>
-              <a:t>Clientes</a:t>
+              <a:t>Buscar</a:t>
             </a:r>
             <a:endParaRPr lang="es-BO" dirty="0">
               <a:solidFill>
@@ -10080,23 +9503,23 @@
       </p:sp>
       <p:sp>
         <p:nvSpPr>
-          <p:cNvPr id="40" name="Rectángulo 39">
+          <p:cNvPr id="20" name="Rectángulo: esquinas redondeadas 19">
             <a:hlinkClick r:id="rId3" action="ppaction://hlinksldjump"/>
             <a:extLst>
               <a:ext uri="{FF2B5EF4-FFF2-40B4-BE49-F238E27FC236}">
-                <a16:creationId xmlns:a16="http://schemas.microsoft.com/office/drawing/2014/main" id="{4A24C151-1DA4-4173-B81E-817A58C798C3}"/>
-              </a:ext>
-            </a:extLst>
-          </p:cNvPr>
-          <p:cNvSpPr/>
-          <p:nvPr/>
-        </p:nvSpPr>
-        <p:spPr>
-          <a:xfrm>
-            <a:off x="6044291" y="2382381"/>
-            <a:ext cx="1924101" cy="538619"/>
-          </a:xfrm>
-          <a:prstGeom prst="rect">
+                <a16:creationId xmlns:a16="http://schemas.microsoft.com/office/drawing/2014/main" id="{21D2579B-3414-48FE-99DA-D31664E2CBE5}"/>
+              </a:ext>
+            </a:extLst>
+          </p:cNvPr>
+          <p:cNvSpPr/>
+          <p:nvPr/>
+        </p:nvSpPr>
+        <p:spPr>
+          <a:xfrm>
+            <a:off x="7160629" y="5692596"/>
+            <a:ext cx="2129425" cy="461665"/>
+          </a:xfrm>
+          <a:prstGeom prst="roundRect">
             <a:avLst/>
           </a:prstGeom>
           <a:solidFill>
@@ -10125,120 +9548,12 @@
           <a:p>
             <a:pPr algn="ctr"/>
             <a:r>
-              <a:rPr lang="es-MX" dirty="0"/>
-              <a:t>Servicios</a:t>
-            </a:r>
-            <a:endParaRPr lang="es-BO" dirty="0"/>
-          </a:p>
-        </p:txBody>
-      </p:sp>
-      <p:sp>
-        <p:nvSpPr>
-          <p:cNvPr id="41" name="Rectángulo 40">
-            <a:hlinkClick r:id="rId4" action="ppaction://hlinksldjump"/>
-            <a:extLst>
-              <a:ext uri="{FF2B5EF4-FFF2-40B4-BE49-F238E27FC236}">
-                <a16:creationId xmlns:a16="http://schemas.microsoft.com/office/drawing/2014/main" id="{1D9AE093-9268-47AF-93EE-3C807034A3A8}"/>
-              </a:ext>
-            </a:extLst>
-          </p:cNvPr>
-          <p:cNvSpPr/>
-          <p:nvPr/>
-        </p:nvSpPr>
-        <p:spPr>
-          <a:xfrm>
-            <a:off x="7968392" y="2382381"/>
-            <a:ext cx="1924101" cy="538619"/>
-          </a:xfrm>
-          <a:prstGeom prst="rect">
-            <a:avLst/>
-          </a:prstGeom>
-          <a:solidFill>
-            <a:srgbClr val="002060"/>
-          </a:solidFill>
-        </p:spPr>
-        <p:style>
-          <a:lnRef idx="2">
-            <a:schemeClr val="accent1">
-              <a:shade val="50000"/>
-            </a:schemeClr>
-          </a:lnRef>
-          <a:fillRef idx="1">
-            <a:schemeClr val="accent1"/>
-          </a:fillRef>
-          <a:effectRef idx="0">
-            <a:schemeClr val="accent1"/>
-          </a:effectRef>
-          <a:fontRef idx="minor">
-            <a:schemeClr val="lt1"/>
-          </a:fontRef>
-        </p:style>
-        <p:txBody>
-          <a:bodyPr rtlCol="0" anchor="ctr"/>
-          <a:lstStyle/>
-          <a:p>
-            <a:pPr algn="ctr"/>
-            <a:r>
-              <a:rPr lang="es-MX" dirty="0"/>
-              <a:t>Pagar</a:t>
-            </a:r>
-            <a:endParaRPr lang="es-BO" dirty="0"/>
-          </a:p>
-        </p:txBody>
-      </p:sp>
-      <p:sp>
-        <p:nvSpPr>
-          <p:cNvPr id="42" name="Rectángulo 41">
-            <a:hlinkClick r:id="rId5" action="ppaction://hlinksldjump"/>
-            <a:extLst>
-              <a:ext uri="{FF2B5EF4-FFF2-40B4-BE49-F238E27FC236}">
-                <a16:creationId xmlns:a16="http://schemas.microsoft.com/office/drawing/2014/main" id="{5A8360FB-1506-4FCE-AA3B-194DAB25C712}"/>
-              </a:ext>
-            </a:extLst>
-          </p:cNvPr>
-          <p:cNvSpPr/>
-          <p:nvPr/>
-        </p:nvSpPr>
-        <p:spPr>
-          <a:xfrm>
-            <a:off x="2196089" y="2382380"/>
-            <a:ext cx="1924101" cy="538619"/>
-          </a:xfrm>
-          <a:prstGeom prst="rect">
-            <a:avLst/>
-          </a:prstGeom>
-          <a:solidFill>
-            <a:srgbClr val="002060"/>
-          </a:solidFill>
-        </p:spPr>
-        <p:style>
-          <a:lnRef idx="2">
-            <a:schemeClr val="accent1">
-              <a:shade val="50000"/>
-            </a:schemeClr>
-          </a:lnRef>
-          <a:fillRef idx="1">
-            <a:schemeClr val="accent1"/>
-          </a:fillRef>
-          <a:effectRef idx="0">
-            <a:schemeClr val="accent1"/>
-          </a:effectRef>
-          <a:fontRef idx="minor">
-            <a:schemeClr val="lt1"/>
-          </a:fontRef>
-        </p:style>
-        <p:txBody>
-          <a:bodyPr rtlCol="0" anchor="ctr"/>
-          <a:lstStyle/>
-          <a:p>
-            <a:pPr algn="ctr"/>
-            <a:r>
               <a:rPr lang="es-MX" dirty="0">
                 <a:solidFill>
                   <a:schemeClr val="bg1"/>
                 </a:solidFill>
               </a:rPr>
-              <a:t>Menú</a:t>
+              <a:t>Volver</a:t>
             </a:r>
             <a:endParaRPr lang="es-BO" dirty="0">
               <a:solidFill>
@@ -10250,54 +9565,19 @@
       </p:sp>
       <p:sp>
         <p:nvSpPr>
-          <p:cNvPr id="8" name="CuadroTexto 7">
-            <a:extLst>
-              <a:ext uri="{FF2B5EF4-FFF2-40B4-BE49-F238E27FC236}">
-                <a16:creationId xmlns:a16="http://schemas.microsoft.com/office/drawing/2014/main" id="{DB43D916-CD00-49F2-9F95-0CE8A148D12C}"/>
-              </a:ext>
-            </a:extLst>
-          </p:cNvPr>
-          <p:cNvSpPr txBox="1"/>
-          <p:nvPr/>
-        </p:nvSpPr>
-        <p:spPr>
-          <a:xfrm>
-            <a:off x="1014608" y="394570"/>
-            <a:ext cx="3181611" cy="400110"/>
-          </a:xfrm>
-          <a:prstGeom prst="rect">
-            <a:avLst/>
-          </a:prstGeom>
-          <a:noFill/>
-        </p:spPr>
-        <p:txBody>
-          <a:bodyPr wrap="square" rtlCol="0">
-            <a:spAutoFit/>
-          </a:bodyPr>
-          <a:lstStyle/>
-          <a:p>
-            <a:r>
-              <a:rPr lang="es-MX" sz="2000" b="1" dirty="0"/>
-              <a:t>Registrar nuevo Servicios</a:t>
-            </a:r>
-          </a:p>
-        </p:txBody>
-      </p:sp>
-      <p:sp>
-        <p:nvSpPr>
-          <p:cNvPr id="15" name="Rectángulo 14">
-            <a:extLst>
-              <a:ext uri="{FF2B5EF4-FFF2-40B4-BE49-F238E27FC236}">
-                <a16:creationId xmlns:a16="http://schemas.microsoft.com/office/drawing/2014/main" id="{A793AE15-1156-49D5-BF75-41DBC8BF6E27}"/>
-              </a:ext>
-            </a:extLst>
-          </p:cNvPr>
-          <p:cNvSpPr/>
-          <p:nvPr/>
-        </p:nvSpPr>
-        <p:spPr>
-          <a:xfrm>
-            <a:off x="3435885" y="3642522"/>
+          <p:cNvPr id="21" name="Rectángulo 20">
+            <a:extLst>
+              <a:ext uri="{FF2B5EF4-FFF2-40B4-BE49-F238E27FC236}">
+                <a16:creationId xmlns:a16="http://schemas.microsoft.com/office/drawing/2014/main" id="{294588BA-FDC0-44A5-A4DB-C823C4F880C6}"/>
+              </a:ext>
+            </a:extLst>
+          </p:cNvPr>
+          <p:cNvSpPr/>
+          <p:nvPr/>
+        </p:nvSpPr>
+        <p:spPr>
+          <a:xfrm>
+            <a:off x="3422899" y="3258859"/>
             <a:ext cx="896720" cy="400110"/>
           </a:xfrm>
           <a:prstGeom prst="rect">
@@ -10345,19 +9625,19 @@
       </p:sp>
       <p:sp>
         <p:nvSpPr>
-          <p:cNvPr id="16" name="Rectángulo 15">
-            <a:extLst>
-              <a:ext uri="{FF2B5EF4-FFF2-40B4-BE49-F238E27FC236}">
-                <a16:creationId xmlns:a16="http://schemas.microsoft.com/office/drawing/2014/main" id="{A2C791FF-854E-4AE7-81B1-6668B00C0484}"/>
-              </a:ext>
-            </a:extLst>
-          </p:cNvPr>
-          <p:cNvSpPr/>
-          <p:nvPr/>
-        </p:nvSpPr>
-        <p:spPr>
-          <a:xfrm>
-            <a:off x="3435885" y="4094222"/>
+          <p:cNvPr id="22" name="Rectángulo 21">
+            <a:extLst>
+              <a:ext uri="{FF2B5EF4-FFF2-40B4-BE49-F238E27FC236}">
+                <a16:creationId xmlns:a16="http://schemas.microsoft.com/office/drawing/2014/main" id="{A789CE0F-5396-451D-A98E-30F1F9FCBA35}"/>
+              </a:ext>
+            </a:extLst>
+          </p:cNvPr>
+          <p:cNvSpPr/>
+          <p:nvPr/>
+        </p:nvSpPr>
+        <p:spPr>
+          <a:xfrm>
+            <a:off x="3422899" y="4029693"/>
             <a:ext cx="1028872" cy="400110"/>
           </a:xfrm>
           <a:prstGeom prst="rect">
@@ -10405,20 +9685,20 @@
       </p:sp>
       <p:sp>
         <p:nvSpPr>
-          <p:cNvPr id="17" name="Rectángulo 16">
-            <a:extLst>
-              <a:ext uri="{FF2B5EF4-FFF2-40B4-BE49-F238E27FC236}">
-                <a16:creationId xmlns:a16="http://schemas.microsoft.com/office/drawing/2014/main" id="{8D08F00C-B621-48F3-8D28-3EA1676C649A}"/>
-              </a:ext>
-            </a:extLst>
-          </p:cNvPr>
-          <p:cNvSpPr/>
-          <p:nvPr/>
-        </p:nvSpPr>
-        <p:spPr>
-          <a:xfrm>
-            <a:off x="3435885" y="4567296"/>
-            <a:ext cx="1444626" cy="400110"/>
+          <p:cNvPr id="24" name="Rectángulo 23">
+            <a:extLst>
+              <a:ext uri="{FF2B5EF4-FFF2-40B4-BE49-F238E27FC236}">
+                <a16:creationId xmlns:a16="http://schemas.microsoft.com/office/drawing/2014/main" id="{1F5288B1-8FF3-4FE5-A288-9224BF4C91BB}"/>
+              </a:ext>
+            </a:extLst>
+          </p:cNvPr>
+          <p:cNvSpPr/>
+          <p:nvPr/>
+        </p:nvSpPr>
+        <p:spPr>
+          <a:xfrm>
+            <a:off x="3422899" y="4531082"/>
+            <a:ext cx="821187" cy="400110"/>
           </a:xfrm>
           <a:prstGeom prst="rect">
             <a:avLst/>
@@ -10433,11 +9713,8 @@
           <a:p>
             <a:pPr algn="ctr"/>
             <a:r>
-              <a:rPr lang="es-ES" sz="2000" b="0" cap="none" spc="0" dirty="0">
+              <a:rPr lang="es-ES" sz="2000" dirty="0">
                 <a:ln w="0"/>
-                <a:solidFill>
-                  <a:schemeClr val="tx1"/>
-                </a:solidFill>
                 <a:effectLst>
                   <a:outerShdw blurRad="38100" dist="19050" dir="2700000" algn="tl" rotWithShape="0">
                     <a:schemeClr val="dk1">
@@ -10447,7 +9724,7 @@
                 </a:effectLst>
                 <a:latin typeface="+mj-lt"/>
               </a:rPr>
-              <a:t>Tipo de Plan</a:t>
+              <a:t>Precio</a:t>
             </a:r>
             <a:endParaRPr lang="es-ES" sz="5400" b="0" cap="none" spc="0" dirty="0">
               <a:ln w="0"/>
@@ -10468,19 +9745,19 @@
       </p:sp>
       <p:sp>
         <p:nvSpPr>
-          <p:cNvPr id="19" name="Rectángulo 18">
-            <a:extLst>
-              <a:ext uri="{FF2B5EF4-FFF2-40B4-BE49-F238E27FC236}">
-                <a16:creationId xmlns:a16="http://schemas.microsoft.com/office/drawing/2014/main" id="{A3965776-A33A-4984-AB25-F19B39E2BF9A}"/>
-              </a:ext>
-            </a:extLst>
-          </p:cNvPr>
-          <p:cNvSpPr/>
-          <p:nvPr/>
-        </p:nvSpPr>
-        <p:spPr>
-          <a:xfrm>
-            <a:off x="3439827" y="5082123"/>
+          <p:cNvPr id="25" name="Rectángulo 24">
+            <a:extLst>
+              <a:ext uri="{FF2B5EF4-FFF2-40B4-BE49-F238E27FC236}">
+                <a16:creationId xmlns:a16="http://schemas.microsoft.com/office/drawing/2014/main" id="{6F6929D3-C390-4D73-AA3B-1EE6C7DD29F4}"/>
+              </a:ext>
+            </a:extLst>
+          </p:cNvPr>
+          <p:cNvSpPr/>
+          <p:nvPr/>
+        </p:nvSpPr>
+        <p:spPr>
+          <a:xfrm>
+            <a:off x="3426841" y="5017594"/>
             <a:ext cx="1383712" cy="400110"/>
           </a:xfrm>
           <a:prstGeom prst="rect">
@@ -10528,19 +9805,19 @@
       </p:sp>
       <p:sp>
         <p:nvSpPr>
-          <p:cNvPr id="20" name="Rectángulo: esquinas redondeadas 19">
-            <a:extLst>
-              <a:ext uri="{FF2B5EF4-FFF2-40B4-BE49-F238E27FC236}">
-                <a16:creationId xmlns:a16="http://schemas.microsoft.com/office/drawing/2014/main" id="{07250EAA-54E9-43D5-BAE4-6799E9EA091C}"/>
-              </a:ext>
-            </a:extLst>
-          </p:cNvPr>
-          <p:cNvSpPr/>
-          <p:nvPr/>
-        </p:nvSpPr>
-        <p:spPr>
-          <a:xfrm>
-            <a:off x="4853480" y="3642522"/>
+          <p:cNvPr id="26" name="Rectángulo: esquinas redondeadas 25">
+            <a:extLst>
+              <a:ext uri="{FF2B5EF4-FFF2-40B4-BE49-F238E27FC236}">
+                <a16:creationId xmlns:a16="http://schemas.microsoft.com/office/drawing/2014/main" id="{766AC72B-C619-4966-AA85-A282289D5E40}"/>
+              </a:ext>
+            </a:extLst>
+          </p:cNvPr>
+          <p:cNvSpPr/>
+          <p:nvPr/>
+        </p:nvSpPr>
+        <p:spPr>
+          <a:xfrm>
+            <a:off x="4464757" y="3273945"/>
             <a:ext cx="2968668" cy="369941"/>
           </a:xfrm>
           <a:prstGeom prst="roundRect">
@@ -10577,19 +9854,19 @@
       </p:sp>
       <p:sp>
         <p:nvSpPr>
-          <p:cNvPr id="21" name="Rectángulo: esquinas redondeadas 20">
-            <a:extLst>
-              <a:ext uri="{FF2B5EF4-FFF2-40B4-BE49-F238E27FC236}">
-                <a16:creationId xmlns:a16="http://schemas.microsoft.com/office/drawing/2014/main" id="{EE1B27DF-482D-402B-A69F-92ECAB76A972}"/>
-              </a:ext>
-            </a:extLst>
-          </p:cNvPr>
-          <p:cNvSpPr/>
-          <p:nvPr/>
-        </p:nvSpPr>
-        <p:spPr>
-          <a:xfrm>
-            <a:off x="4853480" y="4121598"/>
+          <p:cNvPr id="27" name="Rectángulo: esquinas redondeadas 26">
+            <a:extLst>
+              <a:ext uri="{FF2B5EF4-FFF2-40B4-BE49-F238E27FC236}">
+                <a16:creationId xmlns:a16="http://schemas.microsoft.com/office/drawing/2014/main" id="{DFFF2224-8A33-4073-A74E-0D82F0AEFA94}"/>
+              </a:ext>
+            </a:extLst>
+          </p:cNvPr>
+          <p:cNvSpPr/>
+          <p:nvPr/>
+        </p:nvSpPr>
+        <p:spPr>
+          <a:xfrm>
+            <a:off x="4840494" y="4057069"/>
             <a:ext cx="2968668" cy="369941"/>
           </a:xfrm>
           <a:prstGeom prst="roundRect">
@@ -10626,19 +9903,19 @@
       </p:sp>
       <p:sp>
         <p:nvSpPr>
-          <p:cNvPr id="22" name="Rectángulo: esquinas redondeadas 21">
-            <a:extLst>
-              <a:ext uri="{FF2B5EF4-FFF2-40B4-BE49-F238E27FC236}">
-                <a16:creationId xmlns:a16="http://schemas.microsoft.com/office/drawing/2014/main" id="{5E1862E9-0BD9-4D46-B8E9-52D209CE7C23}"/>
-              </a:ext>
-            </a:extLst>
-          </p:cNvPr>
-          <p:cNvSpPr/>
-          <p:nvPr/>
-        </p:nvSpPr>
-        <p:spPr>
-          <a:xfrm>
-            <a:off x="4853480" y="4610696"/>
+          <p:cNvPr id="28" name="Rectángulo: esquinas redondeadas 27">
+            <a:extLst>
+              <a:ext uri="{FF2B5EF4-FFF2-40B4-BE49-F238E27FC236}">
+                <a16:creationId xmlns:a16="http://schemas.microsoft.com/office/drawing/2014/main" id="{EC22AD0A-0569-47C7-AF3F-D5707B3421D4}"/>
+              </a:ext>
+            </a:extLst>
+          </p:cNvPr>
+          <p:cNvSpPr/>
+          <p:nvPr/>
+        </p:nvSpPr>
+        <p:spPr>
+          <a:xfrm>
+            <a:off x="4840494" y="4546167"/>
             <a:ext cx="2968668" cy="369941"/>
           </a:xfrm>
           <a:prstGeom prst="roundRect">
@@ -10675,19 +9952,19 @@
       </p:sp>
       <p:sp>
         <p:nvSpPr>
-          <p:cNvPr id="23" name="Rectángulo: esquinas redondeadas 22">
-            <a:extLst>
-              <a:ext uri="{FF2B5EF4-FFF2-40B4-BE49-F238E27FC236}">
-                <a16:creationId xmlns:a16="http://schemas.microsoft.com/office/drawing/2014/main" id="{5D37431C-EB8B-474E-87BF-837776CFD422}"/>
-              </a:ext>
-            </a:extLst>
-          </p:cNvPr>
-          <p:cNvSpPr/>
-          <p:nvPr/>
-        </p:nvSpPr>
-        <p:spPr>
-          <a:xfrm>
-            <a:off x="4853480" y="5101479"/>
+          <p:cNvPr id="29" name="Rectángulo: esquinas redondeadas 28">
+            <a:extLst>
+              <a:ext uri="{FF2B5EF4-FFF2-40B4-BE49-F238E27FC236}">
+                <a16:creationId xmlns:a16="http://schemas.microsoft.com/office/drawing/2014/main" id="{53933DB5-9799-43FC-B7F6-7B661908CE0F}"/>
+              </a:ext>
+            </a:extLst>
+          </p:cNvPr>
+          <p:cNvSpPr/>
+          <p:nvPr/>
+        </p:nvSpPr>
+        <p:spPr>
+          <a:xfrm>
+            <a:off x="4840494" y="5036950"/>
             <a:ext cx="2968668" cy="369941"/>
           </a:xfrm>
           <a:prstGeom prst="roundRect">
@@ -10722,134 +9999,10 @@
           </a:p>
         </p:txBody>
       </p:sp>
-      <p:sp>
-        <p:nvSpPr>
-          <p:cNvPr id="26" name="Rectángulo: esquinas redondeadas 25">
-            <a:hlinkClick r:id="rId3" action="ppaction://hlinksldjump"/>
-            <a:extLst>
-              <a:ext uri="{FF2B5EF4-FFF2-40B4-BE49-F238E27FC236}">
-                <a16:creationId xmlns:a16="http://schemas.microsoft.com/office/drawing/2014/main" id="{97051F9D-71CC-4E76-AB59-9B918E74040F}"/>
-              </a:ext>
-            </a:extLst>
-          </p:cNvPr>
-          <p:cNvSpPr/>
-          <p:nvPr/>
-        </p:nvSpPr>
-        <p:spPr>
-          <a:xfrm>
-            <a:off x="7661468" y="5783924"/>
-            <a:ext cx="2129425" cy="461665"/>
-          </a:xfrm>
-          <a:prstGeom prst="roundRect">
-            <a:avLst/>
-          </a:prstGeom>
-          <a:solidFill>
-            <a:srgbClr val="002060"/>
-          </a:solidFill>
-        </p:spPr>
-        <p:style>
-          <a:lnRef idx="2">
-            <a:schemeClr val="accent1">
-              <a:shade val="50000"/>
-            </a:schemeClr>
-          </a:lnRef>
-          <a:fillRef idx="1">
-            <a:schemeClr val="accent1"/>
-          </a:fillRef>
-          <a:effectRef idx="0">
-            <a:schemeClr val="accent1"/>
-          </a:effectRef>
-          <a:fontRef idx="minor">
-            <a:schemeClr val="lt1"/>
-          </a:fontRef>
-        </p:style>
-        <p:txBody>
-          <a:bodyPr rtlCol="0" anchor="ctr"/>
-          <a:lstStyle/>
-          <a:p>
-            <a:pPr algn="ctr"/>
-            <a:r>
-              <a:rPr lang="es-MX" dirty="0">
-                <a:solidFill>
-                  <a:schemeClr val="bg1"/>
-                </a:solidFill>
-              </a:rPr>
-              <a:t>Guardar</a:t>
-            </a:r>
-            <a:endParaRPr lang="es-BO" dirty="0">
-              <a:solidFill>
-                <a:schemeClr val="bg1"/>
-              </a:solidFill>
-            </a:endParaRPr>
-          </a:p>
-        </p:txBody>
-      </p:sp>
-      <p:sp>
-        <p:nvSpPr>
-          <p:cNvPr id="27" name="Rectángulo: esquinas redondeadas 26">
-            <a:hlinkClick r:id="rId3" action="ppaction://hlinksldjump"/>
-            <a:extLst>
-              <a:ext uri="{FF2B5EF4-FFF2-40B4-BE49-F238E27FC236}">
-                <a16:creationId xmlns:a16="http://schemas.microsoft.com/office/drawing/2014/main" id="{D51B1E8C-2CB2-4AD3-805A-09BC16B2C6DA}"/>
-              </a:ext>
-            </a:extLst>
-          </p:cNvPr>
-          <p:cNvSpPr/>
-          <p:nvPr/>
-        </p:nvSpPr>
-        <p:spPr>
-          <a:xfrm>
-            <a:off x="5396687" y="5783923"/>
-            <a:ext cx="2129425" cy="461665"/>
-          </a:xfrm>
-          <a:prstGeom prst="roundRect">
-            <a:avLst/>
-          </a:prstGeom>
-          <a:solidFill>
-            <a:srgbClr val="002060"/>
-          </a:solidFill>
-        </p:spPr>
-        <p:style>
-          <a:lnRef idx="2">
-            <a:schemeClr val="accent1">
-              <a:shade val="50000"/>
-            </a:schemeClr>
-          </a:lnRef>
-          <a:fillRef idx="1">
-            <a:schemeClr val="accent1"/>
-          </a:fillRef>
-          <a:effectRef idx="0">
-            <a:schemeClr val="accent1"/>
-          </a:effectRef>
-          <a:fontRef idx="minor">
-            <a:schemeClr val="lt1"/>
-          </a:fontRef>
-        </p:style>
-        <p:txBody>
-          <a:bodyPr rtlCol="0" anchor="ctr"/>
-          <a:lstStyle/>
-          <a:p>
-            <a:pPr algn="ctr"/>
-            <a:r>
-              <a:rPr lang="es-MX" dirty="0">
-                <a:solidFill>
-                  <a:schemeClr val="bg1"/>
-                </a:solidFill>
-              </a:rPr>
-              <a:t>Cancelar</a:t>
-            </a:r>
-            <a:endParaRPr lang="es-BO" dirty="0">
-              <a:solidFill>
-                <a:schemeClr val="bg1"/>
-              </a:solidFill>
-            </a:endParaRPr>
-          </a:p>
-        </p:txBody>
-      </p:sp>
     </p:spTree>
     <p:extLst>
       <p:ext uri="{BB962C8B-B14F-4D97-AF65-F5344CB8AC3E}">
-        <p14:creationId xmlns:p14="http://schemas.microsoft.com/office/powerpoint/2010/main" val="3332983865"/>
+        <p14:creationId xmlns:p14="http://schemas.microsoft.com/office/powerpoint/2010/main" val="1583325276"/>
       </p:ext>
     </p:extLst>
   </p:cSld>
@@ -10878,45 +10031,10 @@
       </p:grpSpPr>
       <p:sp>
         <p:nvSpPr>
-          <p:cNvPr id="3" name="CuadroTexto 2">
-            <a:extLst>
-              <a:ext uri="{FF2B5EF4-FFF2-40B4-BE49-F238E27FC236}">
-                <a16:creationId xmlns:a16="http://schemas.microsoft.com/office/drawing/2014/main" id="{1D3FCFEA-3FE6-411E-92DC-96741C41D4CE}"/>
-              </a:ext>
-            </a:extLst>
-          </p:cNvPr>
-          <p:cNvSpPr txBox="1"/>
-          <p:nvPr/>
-        </p:nvSpPr>
-        <p:spPr>
-          <a:xfrm>
-            <a:off x="1052186" y="413359"/>
-            <a:ext cx="3181611" cy="400110"/>
-          </a:xfrm>
-          <a:prstGeom prst="rect">
-            <a:avLst/>
-          </a:prstGeom>
-          <a:noFill/>
-        </p:spPr>
-        <p:txBody>
-          <a:bodyPr wrap="square" rtlCol="0">
-            <a:spAutoFit/>
-          </a:bodyPr>
-          <a:lstStyle/>
-          <a:p>
-            <a:r>
-              <a:rPr lang="es-MX" sz="2000" b="1" dirty="0"/>
-              <a:t>Lista de Servicios</a:t>
-            </a:r>
-          </a:p>
-        </p:txBody>
-      </p:sp>
-      <p:sp>
-        <p:nvSpPr>
-          <p:cNvPr id="13" name="Rectángulo 12">
-            <a:extLst>
-              <a:ext uri="{FF2B5EF4-FFF2-40B4-BE49-F238E27FC236}">
-                <a16:creationId xmlns:a16="http://schemas.microsoft.com/office/drawing/2014/main" id="{1B57690C-7D2B-4B3F-9DE8-9E71E8949534}"/>
+          <p:cNvPr id="6" name="Rectángulo 5">
+            <a:extLst>
+              <a:ext uri="{FF2B5EF4-FFF2-40B4-BE49-F238E27FC236}">
+                <a16:creationId xmlns:a16="http://schemas.microsoft.com/office/drawing/2014/main" id="{8707B713-FB91-4559-AC29-E71B85B8A6B2}"/>
               </a:ext>
             </a:extLst>
           </p:cNvPr>
@@ -10962,20 +10080,20 @@
       </p:sp>
       <p:sp>
         <p:nvSpPr>
-          <p:cNvPr id="14" name="Rectángulo 13">
+          <p:cNvPr id="2" name="Rectángulo 1">
             <a:hlinkClick r:id="rId2" action="ppaction://hlinksldjump"/>
             <a:extLst>
               <a:ext uri="{FF2B5EF4-FFF2-40B4-BE49-F238E27FC236}">
-                <a16:creationId xmlns:a16="http://schemas.microsoft.com/office/drawing/2014/main" id="{2C31EDC8-F028-40A9-9942-40307BFAAFE0}"/>
-              </a:ext>
-            </a:extLst>
-          </p:cNvPr>
-          <p:cNvSpPr/>
-          <p:nvPr/>
-        </p:nvSpPr>
-        <p:spPr>
-          <a:xfrm>
-            <a:off x="4120190" y="2382381"/>
+                <a16:creationId xmlns:a16="http://schemas.microsoft.com/office/drawing/2014/main" id="{2951627B-F5AC-4584-AD46-267F678B6F9C}"/>
+              </a:ext>
+            </a:extLst>
+          </p:cNvPr>
+          <p:cNvSpPr/>
+          <p:nvPr/>
+        </p:nvSpPr>
+        <p:spPr>
+          <a:xfrm>
+            <a:off x="2196089" y="2382381"/>
             <a:ext cx="1924101" cy="538619"/>
           </a:xfrm>
           <a:prstGeom prst="rect">
@@ -11024,20 +10142,20 @@
       </p:sp>
       <p:sp>
         <p:nvSpPr>
-          <p:cNvPr id="15" name="Rectángulo 14">
+          <p:cNvPr id="3" name="Rectángulo 2">
             <a:hlinkClick r:id="rId3" action="ppaction://hlinksldjump"/>
             <a:extLst>
               <a:ext uri="{FF2B5EF4-FFF2-40B4-BE49-F238E27FC236}">
-                <a16:creationId xmlns:a16="http://schemas.microsoft.com/office/drawing/2014/main" id="{669EBA15-3960-4677-9807-F06EA7AD086E}"/>
-              </a:ext>
-            </a:extLst>
-          </p:cNvPr>
-          <p:cNvSpPr/>
-          <p:nvPr/>
-        </p:nvSpPr>
-        <p:spPr>
-          <a:xfrm>
-            <a:off x="6044291" y="2382381"/>
+                <a16:creationId xmlns:a16="http://schemas.microsoft.com/office/drawing/2014/main" id="{CD62E4E1-3CD0-4138-8A2F-CE5D5BE28F4D}"/>
+              </a:ext>
+            </a:extLst>
+          </p:cNvPr>
+          <p:cNvSpPr/>
+          <p:nvPr/>
+        </p:nvSpPr>
+        <p:spPr>
+          <a:xfrm>
+            <a:off x="4120190" y="2382381"/>
             <a:ext cx="1924101" cy="538619"/>
           </a:xfrm>
           <a:prstGeom prst="rect">
@@ -11078,11 +10196,11 @@
       </p:sp>
       <p:sp>
         <p:nvSpPr>
-          <p:cNvPr id="16" name="Rectángulo 15">
+          <p:cNvPr id="4" name="Rectángulo 3">
             <a:hlinkClick r:id="rId4" action="ppaction://hlinksldjump"/>
             <a:extLst>
               <a:ext uri="{FF2B5EF4-FFF2-40B4-BE49-F238E27FC236}">
-                <a16:creationId xmlns:a16="http://schemas.microsoft.com/office/drawing/2014/main" id="{332990F0-854B-4593-AEB1-05F83DA67927}"/>
+                <a16:creationId xmlns:a16="http://schemas.microsoft.com/office/drawing/2014/main" id="{DD687334-0AF8-4DDA-9193-0F276EF1A514}"/>
               </a:ext>
             </a:extLst>
           </p:cNvPr>
@@ -11132,20 +10250,20 @@
       </p:sp>
       <p:sp>
         <p:nvSpPr>
-          <p:cNvPr id="17" name="Rectángulo 16">
+          <p:cNvPr id="5" name="Rectángulo 4">
             <a:hlinkClick r:id="rId5" action="ppaction://hlinksldjump"/>
             <a:extLst>
               <a:ext uri="{FF2B5EF4-FFF2-40B4-BE49-F238E27FC236}">
-                <a16:creationId xmlns:a16="http://schemas.microsoft.com/office/drawing/2014/main" id="{B9E75CC7-7549-429C-B656-291A21AD04DB}"/>
-              </a:ext>
-            </a:extLst>
-          </p:cNvPr>
-          <p:cNvSpPr/>
-          <p:nvPr/>
-        </p:nvSpPr>
-        <p:spPr>
-          <a:xfrm>
-            <a:off x="2196089" y="2382380"/>
+                <a16:creationId xmlns:a16="http://schemas.microsoft.com/office/drawing/2014/main" id="{98FC4FE2-2814-40FD-AF71-55E1CED0FFA0}"/>
+              </a:ext>
+            </a:extLst>
+          </p:cNvPr>
+          <p:cNvSpPr/>
+          <p:nvPr/>
+        </p:nvSpPr>
+        <p:spPr>
+          <a:xfrm>
+            <a:off x="6044291" y="2382380"/>
             <a:ext cx="1924101" cy="538619"/>
           </a:xfrm>
           <a:prstGeom prst="rect">
@@ -11182,7 +10300,7 @@
                   <a:schemeClr val="bg1"/>
                 </a:solidFill>
               </a:rPr>
-              <a:t>Menú</a:t>
+              <a:t>Suscripciones</a:t>
             </a:r>
             <a:endParaRPr lang="es-BO" dirty="0">
               <a:solidFill>
@@ -11192,259 +10310,107 @@
           </a:p>
         </p:txBody>
       </p:sp>
-      <p:graphicFrame>
-        <p:nvGraphicFramePr>
-          <p:cNvPr id="23" name="Tabla 4">
-            <a:extLst>
-              <a:ext uri="{FF2B5EF4-FFF2-40B4-BE49-F238E27FC236}">
-                <a16:creationId xmlns:a16="http://schemas.microsoft.com/office/drawing/2014/main" id="{75D1CD2D-199C-4668-B3BA-78A08049C510}"/>
-              </a:ext>
-            </a:extLst>
-          </p:cNvPr>
-          <p:cNvGraphicFramePr>
-            <a:graphicFrameLocks noGrp="1"/>
-          </p:cNvGraphicFramePr>
-          <p:nvPr>
-            <p:extLst>
-              <p:ext uri="{D42A27DB-BD31-4B8C-83A1-F6EECF244321}">
-                <p14:modId xmlns:p14="http://schemas.microsoft.com/office/powerpoint/2010/main" val="4210497440"/>
-              </p:ext>
-            </p:extLst>
-          </p:nvPr>
-        </p:nvGraphicFramePr>
-        <p:xfrm>
-          <a:off x="2626176" y="3285974"/>
-          <a:ext cx="6836230" cy="2560320"/>
-        </p:xfrm>
-        <a:graphic>
-          <a:graphicData uri="http://schemas.openxmlformats.org/drawingml/2006/table">
-            <a:tbl>
-              <a:tblPr firstRow="1" bandRow="1">
-                <a:tableStyleId>{5940675A-B579-460E-94D1-54222C63F5DA}</a:tableStyleId>
-              </a:tblPr>
-              <a:tblGrid>
-                <a:gridCol w="3418115">
-                  <a:extLst>
-                    <a:ext uri="{9D8B030D-6E8A-4147-A177-3AD203B41FA5}">
-                      <a16:colId xmlns:a16="http://schemas.microsoft.com/office/drawing/2014/main" val="102689261"/>
-                    </a:ext>
-                  </a:extLst>
-                </a:gridCol>
-                <a:gridCol w="3418115">
-                  <a:extLst>
-                    <a:ext uri="{9D8B030D-6E8A-4147-A177-3AD203B41FA5}">
-                      <a16:colId xmlns:a16="http://schemas.microsoft.com/office/drawing/2014/main" val="2998374133"/>
-                    </a:ext>
-                  </a:extLst>
-                </a:gridCol>
-              </a:tblGrid>
-              <a:tr h="314744">
-                <a:tc>
-                  <a:txBody>
-                    <a:bodyPr/>
-                    <a:lstStyle/>
-                    <a:p>
-                      <a:pPr algn="ctr"/>
-                      <a:r>
-                        <a:rPr lang="es-MX" dirty="0"/>
-                        <a:t>Nombre</a:t>
-                      </a:r>
-                      <a:endParaRPr lang="es-BO" dirty="0"/>
-                    </a:p>
-                  </a:txBody>
-                  <a:tcPr/>
-                </a:tc>
-                <a:tc>
-                  <a:txBody>
-                    <a:bodyPr/>
-                    <a:lstStyle/>
-                    <a:p>
-                      <a:pPr algn="ctr"/>
-                      <a:r>
-                        <a:rPr lang="es-MX" dirty="0"/>
-                        <a:t>Código</a:t>
-                      </a:r>
-                      <a:endParaRPr lang="es-BO" dirty="0"/>
-                    </a:p>
-                  </a:txBody>
-                  <a:tcPr/>
-                </a:tc>
-                <a:extLst>
-                  <a:ext uri="{0D108BD9-81ED-4DB2-BD59-A6C34878D82A}">
-                    <a16:rowId xmlns:a16="http://schemas.microsoft.com/office/drawing/2014/main" val="1766500898"/>
-                  </a:ext>
-                </a:extLst>
-              </a:tr>
-              <a:tr h="314744">
-                <a:tc>
-                  <a:txBody>
-                    <a:bodyPr/>
-                    <a:lstStyle/>
-                    <a:p>
-                      <a:endParaRPr lang="es-BO"/>
-                    </a:p>
-                  </a:txBody>
-                  <a:tcPr/>
-                </a:tc>
-                <a:tc>
-                  <a:txBody>
-                    <a:bodyPr/>
-                    <a:lstStyle/>
-                    <a:p>
-                      <a:endParaRPr lang="es-BO"/>
-                    </a:p>
-                  </a:txBody>
-                  <a:tcPr/>
-                </a:tc>
-                <a:extLst>
-                  <a:ext uri="{0D108BD9-81ED-4DB2-BD59-A6C34878D82A}">
-                    <a16:rowId xmlns:a16="http://schemas.microsoft.com/office/drawing/2014/main" val="203267505"/>
-                  </a:ext>
-                </a:extLst>
-              </a:tr>
-              <a:tr h="314744">
-                <a:tc>
-                  <a:txBody>
-                    <a:bodyPr/>
-                    <a:lstStyle/>
-                    <a:p>
-                      <a:endParaRPr lang="es-BO"/>
-                    </a:p>
-                  </a:txBody>
-                  <a:tcPr/>
-                </a:tc>
-                <a:tc>
-                  <a:txBody>
-                    <a:bodyPr/>
-                    <a:lstStyle/>
-                    <a:p>
-                      <a:endParaRPr lang="es-BO"/>
-                    </a:p>
-                  </a:txBody>
-                  <a:tcPr/>
-                </a:tc>
-                <a:extLst>
-                  <a:ext uri="{0D108BD9-81ED-4DB2-BD59-A6C34878D82A}">
-                    <a16:rowId xmlns:a16="http://schemas.microsoft.com/office/drawing/2014/main" val="1844233923"/>
-                  </a:ext>
-                </a:extLst>
-              </a:tr>
-              <a:tr h="314744">
-                <a:tc>
-                  <a:txBody>
-                    <a:bodyPr/>
-                    <a:lstStyle/>
-                    <a:p>
-                      <a:endParaRPr lang="es-BO"/>
-                    </a:p>
-                  </a:txBody>
-                  <a:tcPr/>
-                </a:tc>
-                <a:tc>
-                  <a:txBody>
-                    <a:bodyPr/>
-                    <a:lstStyle/>
-                    <a:p>
-                      <a:endParaRPr lang="es-BO"/>
-                    </a:p>
-                  </a:txBody>
-                  <a:tcPr/>
-                </a:tc>
-                <a:extLst>
-                  <a:ext uri="{0D108BD9-81ED-4DB2-BD59-A6C34878D82A}">
-                    <a16:rowId xmlns:a16="http://schemas.microsoft.com/office/drawing/2014/main" val="225153833"/>
-                  </a:ext>
-                </a:extLst>
-              </a:tr>
-              <a:tr h="314744">
-                <a:tc>
-                  <a:txBody>
-                    <a:bodyPr/>
-                    <a:lstStyle/>
-                    <a:p>
-                      <a:endParaRPr lang="es-BO"/>
-                    </a:p>
-                  </a:txBody>
-                  <a:tcPr/>
-                </a:tc>
-                <a:tc>
-                  <a:txBody>
-                    <a:bodyPr/>
-                    <a:lstStyle/>
-                    <a:p>
-                      <a:endParaRPr lang="es-BO"/>
-                    </a:p>
-                  </a:txBody>
-                  <a:tcPr/>
-                </a:tc>
-                <a:extLst>
-                  <a:ext uri="{0D108BD9-81ED-4DB2-BD59-A6C34878D82A}">
-                    <a16:rowId xmlns:a16="http://schemas.microsoft.com/office/drawing/2014/main" val="4069376827"/>
-                  </a:ext>
-                </a:extLst>
-              </a:tr>
-              <a:tr h="314744">
-                <a:tc>
-                  <a:txBody>
-                    <a:bodyPr/>
-                    <a:lstStyle/>
-                    <a:p>
-                      <a:endParaRPr lang="es-BO"/>
-                    </a:p>
-                  </a:txBody>
-                  <a:tcPr/>
-                </a:tc>
-                <a:tc>
-                  <a:txBody>
-                    <a:bodyPr/>
-                    <a:lstStyle/>
-                    <a:p>
-                      <a:endParaRPr lang="es-BO"/>
-                    </a:p>
-                  </a:txBody>
-                  <a:tcPr/>
-                </a:tc>
-                <a:extLst>
-                  <a:ext uri="{0D108BD9-81ED-4DB2-BD59-A6C34878D82A}">
-                    <a16:rowId xmlns:a16="http://schemas.microsoft.com/office/drawing/2014/main" val="3812397389"/>
-                  </a:ext>
-                </a:extLst>
-              </a:tr>
-              <a:tr h="314744">
-                <a:tc>
-                  <a:txBody>
-                    <a:bodyPr/>
-                    <a:lstStyle/>
-                    <a:p>
-                      <a:endParaRPr lang="es-BO"/>
-                    </a:p>
-                  </a:txBody>
-                  <a:tcPr/>
-                </a:tc>
-                <a:tc>
-                  <a:txBody>
-                    <a:bodyPr/>
-                    <a:lstStyle/>
-                    <a:p>
-                      <a:endParaRPr lang="es-BO" dirty="0"/>
-                    </a:p>
-                  </a:txBody>
-                  <a:tcPr/>
-                </a:tc>
-                <a:extLst>
-                  <a:ext uri="{0D108BD9-81ED-4DB2-BD59-A6C34878D82A}">
-                    <a16:rowId xmlns:a16="http://schemas.microsoft.com/office/drawing/2014/main" val="1967169603"/>
-                  </a:ext>
-                </a:extLst>
-              </a:tr>
-            </a:tbl>
-          </a:graphicData>
-        </a:graphic>
-      </p:graphicFrame>
+      <p:sp>
+        <p:nvSpPr>
+          <p:cNvPr id="7" name="CuadroTexto 6">
+            <a:extLst>
+              <a:ext uri="{FF2B5EF4-FFF2-40B4-BE49-F238E27FC236}">
+                <a16:creationId xmlns:a16="http://schemas.microsoft.com/office/drawing/2014/main" id="{B4AAD266-8D06-4892-A1C3-59088824306D}"/>
+              </a:ext>
+            </a:extLst>
+          </p:cNvPr>
+          <p:cNvSpPr txBox="1"/>
+          <p:nvPr/>
+        </p:nvSpPr>
+        <p:spPr>
+          <a:xfrm>
+            <a:off x="1052186" y="413359"/>
+            <a:ext cx="3181611" cy="400110"/>
+          </a:xfrm>
+          <a:prstGeom prst="rect">
+            <a:avLst/>
+          </a:prstGeom>
+          <a:noFill/>
+        </p:spPr>
+        <p:txBody>
+          <a:bodyPr wrap="square" rtlCol="0">
+            <a:spAutoFit/>
+          </a:bodyPr>
+          <a:lstStyle/>
+          <a:p>
+            <a:r>
+              <a:rPr lang="es-MX" sz="2000" b="1" dirty="0"/>
+              <a:t>Suscripción</a:t>
+            </a:r>
+          </a:p>
+        </p:txBody>
+      </p:sp>
+      <p:sp>
+        <p:nvSpPr>
+          <p:cNvPr id="8" name="Rectángulo: esquinas redondeadas 7">
+            <a:hlinkClick r:id="rId6" action="ppaction://hlinksldjump"/>
+            <a:extLst>
+              <a:ext uri="{FF2B5EF4-FFF2-40B4-BE49-F238E27FC236}">
+                <a16:creationId xmlns:a16="http://schemas.microsoft.com/office/drawing/2014/main" id="{92C53224-E808-4B68-BEE5-4A96ECA54CBE}"/>
+              </a:ext>
+            </a:extLst>
+          </p:cNvPr>
+          <p:cNvSpPr/>
+          <p:nvPr/>
+        </p:nvSpPr>
+        <p:spPr>
+          <a:xfrm>
+            <a:off x="4085990" y="3429000"/>
+            <a:ext cx="2129425" cy="461665"/>
+          </a:xfrm>
+          <a:prstGeom prst="roundRect">
+            <a:avLst/>
+          </a:prstGeom>
+          <a:solidFill>
+            <a:srgbClr val="002060"/>
+          </a:solidFill>
+        </p:spPr>
+        <p:style>
+          <a:lnRef idx="2">
+            <a:schemeClr val="accent1">
+              <a:shade val="50000"/>
+            </a:schemeClr>
+          </a:lnRef>
+          <a:fillRef idx="1">
+            <a:schemeClr val="accent1"/>
+          </a:fillRef>
+          <a:effectRef idx="0">
+            <a:schemeClr val="accent1"/>
+          </a:effectRef>
+          <a:fontRef idx="minor">
+            <a:schemeClr val="lt1"/>
+          </a:fontRef>
+        </p:style>
+        <p:txBody>
+          <a:bodyPr rtlCol="0" anchor="ctr"/>
+          <a:lstStyle/>
+          <a:p>
+            <a:pPr algn="ctr"/>
+            <a:r>
+              <a:rPr lang="es-MX" dirty="0">
+                <a:solidFill>
+                  <a:schemeClr val="bg1"/>
+                </a:solidFill>
+              </a:rPr>
+              <a:t>Nueva Suscripción</a:t>
+            </a:r>
+            <a:endParaRPr lang="es-BO" dirty="0">
+              <a:solidFill>
+                <a:schemeClr val="bg1"/>
+              </a:solidFill>
+            </a:endParaRPr>
+          </a:p>
+        </p:txBody>
+      </p:sp>
     </p:spTree>
     <p:extLst>
       <p:ext uri="{BB962C8B-B14F-4D97-AF65-F5344CB8AC3E}">
-        <p14:creationId xmlns:p14="http://schemas.microsoft.com/office/powerpoint/2010/main" val="1583325276"/>
+        <p14:creationId xmlns:p14="http://schemas.microsoft.com/office/powerpoint/2010/main" val="1460681879"/>
       </p:ext>
     </p:extLst>
   </p:cSld>
